--- a/src/site/data-structures/slides/cpp03-cpp-classes.pptx
+++ b/src/site/data-structures/slides/cpp03-cpp-classes.pptx
@@ -5,10 +5,10 @@
     <p:sldMasterId id="2147483649" r:id="rId1"/>
   </p:sldMasterIdLst>
   <p:notesMasterIdLst>
-    <p:notesMasterId r:id="rId35"/>
+    <p:notesMasterId r:id="rId38"/>
   </p:notesMasterIdLst>
   <p:handoutMasterIdLst>
-    <p:handoutMasterId r:id="rId36"/>
+    <p:handoutMasterId r:id="rId39"/>
   </p:handoutMasterIdLst>
   <p:sldIdLst>
     <p:sldId id="280" r:id="rId2"/>
@@ -37,13 +37,16 @@
     <p:sldId id="329" r:id="rId25"/>
     <p:sldId id="330" r:id="rId26"/>
     <p:sldId id="331" r:id="rId27"/>
-    <p:sldId id="332" r:id="rId28"/>
-    <p:sldId id="333" r:id="rId29"/>
-    <p:sldId id="334" r:id="rId30"/>
-    <p:sldId id="335" r:id="rId31"/>
-    <p:sldId id="336" r:id="rId32"/>
-    <p:sldId id="337" r:id="rId33"/>
-    <p:sldId id="339" r:id="rId34"/>
+    <p:sldId id="341" r:id="rId28"/>
+    <p:sldId id="342" r:id="rId29"/>
+    <p:sldId id="332" r:id="rId30"/>
+    <p:sldId id="333" r:id="rId31"/>
+    <p:sldId id="334" r:id="rId32"/>
+    <p:sldId id="335" r:id="rId33"/>
+    <p:sldId id="336" r:id="rId34"/>
+    <p:sldId id="337" r:id="rId35"/>
+    <p:sldId id="340" r:id="rId36"/>
+    <p:sldId id="339" r:id="rId37"/>
   </p:sldIdLst>
   <p:sldSz cx="12192000" cy="6858000"/>
   <p:notesSz cx="6858000" cy="9144000"/>
@@ -209,6 +212,12 @@
             <p14:sldId id="331"/>
           </p14:sldIdLst>
         </p14:section>
+        <p14:section name="Object-Oriented Class Design" id="{7A0E1E22-B64C-49DA-A9D5-0CF29753266B}">
+          <p14:sldIdLst>
+            <p14:sldId id="341"/>
+            <p14:sldId id="342"/>
+          </p14:sldIdLst>
+        </p14:section>
         <p14:section name="Complete APIs and Operator Overloading" id="{82824166-0420-4A33-8480-F73C26EFDE6A}">
           <p14:sldIdLst>
             <p14:sldId id="332"/>
@@ -219,8 +228,9 @@
             <p14:sldId id="337"/>
           </p14:sldIdLst>
         </p14:section>
-        <p14:section name="UML Diagrams" id="{D5D1FA38-733F-4946-BB1F-8B35C644FC4C}">
+        <p14:section name="Compiling and Linking" id="{D5D1FA38-733F-4946-BB1F-8B35C644FC4C}">
           <p14:sldIdLst>
+            <p14:sldId id="340"/>
             <p14:sldId id="339"/>
           </p14:sldIdLst>
         </p14:section>
@@ -1487,6 +1497,189 @@
     <p:extLst>
       <p:ext uri="{BB962C8B-B14F-4D97-AF65-F5344CB8AC3E}">
         <p14:creationId xmlns:p14="http://schemas.microsoft.com/office/powerpoint/2010/main" val="3171082616"/>
+      </p:ext>
+    </p:extLst>
+  </p:cSld>
+  <p:clrMapOvr>
+    <a:masterClrMapping/>
+  </p:clrMapOvr>
+</p:notes>
+</file>
+
+<file path=ppt/notesSlides/notesSlide4.xml><?xml version="1.0" encoding="utf-8"?>
+<p:notes xmlns:a="http://schemas.openxmlformats.org/drawingml/2006/main" xmlns:r="http://schemas.openxmlformats.org/officeDocument/2006/relationships" xmlns:p="http://schemas.openxmlformats.org/presentationml/2006/main">
+  <p:cSld>
+    <p:spTree>
+      <p:nvGrpSpPr>
+        <p:cNvPr id="1" name=""/>
+        <p:cNvGrpSpPr/>
+        <p:nvPr/>
+      </p:nvGrpSpPr>
+      <p:grpSpPr>
+        <a:xfrm>
+          <a:off x="0" y="0"/>
+          <a:ext cx="0" cy="0"/>
+          <a:chOff x="0" y="0"/>
+          <a:chExt cx="0" cy="0"/>
+        </a:xfrm>
+      </p:grpSpPr>
+      <p:sp>
+        <p:nvSpPr>
+          <p:cNvPr id="2" name="Slide Image Placeholder 1"/>
+          <p:cNvSpPr>
+            <a:spLocks noGrp="1" noRot="1" noChangeAspect="1"/>
+          </p:cNvSpPr>
+          <p:nvPr>
+            <p:ph type="sldImg"/>
+          </p:nvPr>
+        </p:nvSpPr>
+        <p:spPr/>
+      </p:sp>
+      <p:sp>
+        <p:nvSpPr>
+          <p:cNvPr id="3" name="Notes Placeholder 2"/>
+          <p:cNvSpPr>
+            <a:spLocks noGrp="1"/>
+          </p:cNvSpPr>
+          <p:nvPr>
+            <p:ph type="body" idx="1"/>
+          </p:nvPr>
+        </p:nvSpPr>
+        <p:spPr/>
+        <p:txBody>
+          <a:bodyPr/>
+          <a:lstStyle/>
+          <a:p>
+            <a:pPr marL="0" marR="0" indent="0" algn="l" defTabSz="914400" rtl="0" eaLnBrk="0" fontAlgn="base" latinLnBrk="0" hangingPunct="0">
+              <a:lnSpc>
+                <a:spcPct val="100000"/>
+              </a:lnSpc>
+              <a:spcBef>
+                <a:spcPct val="30000"/>
+              </a:spcBef>
+              <a:spcAft>
+                <a:spcPct val="0"/>
+              </a:spcAft>
+              <a:buClrTx/>
+              <a:buSzTx/>
+              <a:buFontTx/>
+              <a:buNone/>
+              <a:tabLst/>
+              <a:defRPr/>
+            </a:pPr>
+            <a:r>
+              <a:rPr lang="en-US" dirty="0" smtClean="0"/>
+              <a:t>**</a:t>
+            </a:r>
+            <a:r>
+              <a:rPr lang="en-US" dirty="0" err="1" smtClean="0"/>
+              <a:t>Liskov</a:t>
+            </a:r>
+            <a:r>
+              <a:rPr lang="en-US" dirty="0" smtClean="0"/>
+              <a:t> Substitution Principle</a:t>
+            </a:r>
+            <a:r>
+              <a:rPr lang="en-US" dirty="0" smtClean="0">
+                <a:sym typeface="Wingdings" panose="05000000000000000000" pitchFamily="2" charset="2"/>
+              </a:rPr>
+              <a:t>:**</a:t>
+            </a:r>
+            <a:r>
+              <a:rPr lang="en-US" baseline="0" dirty="0" smtClean="0"/>
+              <a:t> </a:t>
+            </a:r>
+            <a:r>
+              <a:rPr lang="en-US" dirty="0" smtClean="0"/>
+              <a:t>Objects in a program should be replaceable with instances of their subtypes without altering the correctness of that program.</a:t>
+            </a:r>
+            <a:endParaRPr lang="lv-LV" dirty="0" smtClean="0"/>
+          </a:p>
+          <a:p>
+            <a:endParaRPr lang="lv-LV" dirty="0"/>
+          </a:p>
+        </p:txBody>
+      </p:sp>
+    </p:spTree>
+    <p:extLst>
+      <p:ext uri="{BB962C8B-B14F-4D97-AF65-F5344CB8AC3E}">
+        <p14:creationId xmlns:p14="http://schemas.microsoft.com/office/powerpoint/2010/main" val="992678949"/>
+      </p:ext>
+    </p:extLst>
+  </p:cSld>
+  <p:clrMapOvr>
+    <a:masterClrMapping/>
+  </p:clrMapOvr>
+</p:notes>
+</file>
+
+<file path=ppt/notesSlides/notesSlide5.xml><?xml version="1.0" encoding="utf-8"?>
+<p:notes xmlns:a="http://schemas.openxmlformats.org/drawingml/2006/main" xmlns:r="http://schemas.openxmlformats.org/officeDocument/2006/relationships" xmlns:p="http://schemas.openxmlformats.org/presentationml/2006/main">
+  <p:cSld>
+    <p:spTree>
+      <p:nvGrpSpPr>
+        <p:cNvPr id="1" name=""/>
+        <p:cNvGrpSpPr/>
+        <p:nvPr/>
+      </p:nvGrpSpPr>
+      <p:grpSpPr>
+        <a:xfrm>
+          <a:off x="0" y="0"/>
+          <a:ext cx="0" cy="0"/>
+          <a:chOff x="0" y="0"/>
+          <a:chExt cx="0" cy="0"/>
+        </a:xfrm>
+      </p:grpSpPr>
+      <p:sp>
+        <p:nvSpPr>
+          <p:cNvPr id="2" name="Slide Image Placeholder 1"/>
+          <p:cNvSpPr>
+            <a:spLocks noGrp="1" noRot="1" noChangeAspect="1"/>
+          </p:cNvSpPr>
+          <p:nvPr>
+            <p:ph type="sldImg"/>
+          </p:nvPr>
+        </p:nvSpPr>
+        <p:spPr/>
+      </p:sp>
+      <p:sp>
+        <p:nvSpPr>
+          <p:cNvPr id="3" name="Notes Placeholder 2"/>
+          <p:cNvSpPr>
+            <a:spLocks noGrp="1"/>
+          </p:cNvSpPr>
+          <p:nvPr>
+            <p:ph type="body" idx="1"/>
+          </p:nvPr>
+        </p:nvSpPr>
+        <p:spPr/>
+        <p:txBody>
+          <a:bodyPr/>
+          <a:lstStyle/>
+          <a:p>
+            <a:r>
+              <a:rPr lang="en-US" dirty="0" smtClean="0"/>
+              <a:t>[Information</a:t>
+            </a:r>
+            <a:r>
+              <a:rPr lang="en-US" baseline="0" dirty="0" smtClean="0"/>
+              <a:t> on </a:t>
+            </a:r>
+            <a:r>
+              <a:rPr lang="en-US" baseline="0" dirty="0" err="1" smtClean="0"/>
+              <a:t>Makefiles</a:t>
+            </a:r>
+            <a:r>
+              <a:rPr lang="en-US" baseline="0" dirty="0" smtClean="0"/>
+              <a:t>](https://www3.ntu.edu.sg/home/ehchua/programming/cpp/gcc_make.html)</a:t>
+            </a:r>
+          </a:p>
+        </p:txBody>
+      </p:sp>
+    </p:spTree>
+    <p:extLst>
+      <p:ext uri="{BB962C8B-B14F-4D97-AF65-F5344CB8AC3E}">
+        <p14:creationId xmlns:p14="http://schemas.microsoft.com/office/powerpoint/2010/main" val="2199051583"/>
       </p:ext>
     </p:extLst>
   </p:cSld>
@@ -19075,9 +19268,24 @@
               <a:t>statements, </a:t>
             </a:r>
             <a:r>
+              <a:rPr lang="lv-LV" altLang="lv-LV" dirty="0" smtClean="0"/>
+              <a:t>functions</a:t>
+            </a:r>
+            <a:endParaRPr lang="lv-LV" altLang="lv-LV" dirty="0"/>
+          </a:p>
+          <a:p>
+            <a:pPr marL="457200" indent="-914400">
+              <a:buNone/>
+            </a:pPr>
+            <a:r>
               <a:rPr lang="lv-LV" altLang="lv-LV" dirty="0"/>
-              <a:t>functions.</a:t>
-            </a:r>
+              <a:t>1.3. C++ </a:t>
+            </a:r>
+            <a:r>
+              <a:rPr lang="lv-LV" altLang="lv-LV" dirty="0" smtClean="0"/>
+              <a:t>classes</a:t>
+            </a:r>
+            <a:endParaRPr lang="lv-LV" altLang="lv-LV" dirty="0"/>
           </a:p>
           <a:p>
             <a:pPr marL="457200" indent="-914400">
@@ -19085,36 +19293,12 @@
             </a:pPr>
             <a:r>
               <a:rPr lang="lv-LV" altLang="lv-LV" dirty="0"/>
-              <a:t>1.3. C++ classes.</a:t>
-            </a:r>
-          </a:p>
-          <a:p>
-            <a:pPr marL="457200" indent="-914400">
-              <a:buNone/>
-            </a:pPr>
-            <a:r>
-              <a:rPr lang="lv-LV" altLang="lv-LV" dirty="0"/>
-              <a:t>1.4. Multi-file programs.</a:t>
-            </a:r>
-          </a:p>
-          <a:p>
-            <a:pPr marL="457200" indent="-914400">
-              <a:buNone/>
-            </a:pPr>
-            <a:r>
-              <a:rPr lang="lv-LV" altLang="lv-LV" dirty="0"/>
-              <a:t>1.5. Object orientation.</a:t>
-            </a:r>
-          </a:p>
-          <a:p>
-            <a:pPr marL="457200" indent="-914400">
-              <a:buNone/>
-            </a:pPr>
-            <a:r>
-              <a:rPr lang="lv-LV" altLang="lv-LV" dirty="0"/>
-              <a:t>1.6. C++ memory model. </a:t>
-            </a:r>
-            <a:endParaRPr lang="en-US" altLang="lv-LV" dirty="0"/>
+              <a:t>1.4. </a:t>
+            </a:r>
+            <a:r>
+              <a:rPr lang="en-US" altLang="lv-LV" dirty="0" smtClean="0"/>
+              <a:t>Arrays, pointers, references</a:t>
+            </a:r>
           </a:p>
           <a:p>
             <a:pPr marL="0" indent="0">
@@ -26091,9 +26275,9 @@
       </p:grpSpPr>
       <p:sp>
         <p:nvSpPr>
-          <p:cNvPr id="20482" name="Rectangle 2"/>
+          <p:cNvPr id="2" name="Title 1"/>
           <p:cNvSpPr>
-            <a:spLocks noGrp="1" noChangeArrowheads="1"/>
+            <a:spLocks noGrp="1"/>
           </p:cNvSpPr>
           <p:nvPr>
             <p:ph type="title"/>
@@ -26104,374 +26288,278 @@
           <a:bodyPr/>
           <a:lstStyle/>
           <a:p>
-            <a:pPr eaLnBrk="1" hangingPunct="1">
-              <a:defRPr/>
-            </a:pPr>
-            <a:r>
-              <a:rPr lang="en-US" altLang="en-US" smtClean="0"/>
-              <a:t>Classes</a:t>
-            </a:r>
+            <a:r>
+              <a:rPr lang="lv-LV" dirty="0" smtClean="0"/>
+              <a:t>Class Design</a:t>
+            </a:r>
+            <a:endParaRPr lang="lv-LV" dirty="0"/>
           </a:p>
         </p:txBody>
       </p:sp>
       <p:sp>
         <p:nvSpPr>
-          <p:cNvPr id="20483" name="Rectangle 3"/>
+          <p:cNvPr id="3" name="Content Placeholder 2"/>
           <p:cNvSpPr>
-            <a:spLocks noGrp="1" noChangeArrowheads="1"/>
+            <a:spLocks noGrp="1"/>
           </p:cNvSpPr>
           <p:nvPr>
-            <p:ph idx="1"/>
+            <p:ph sz="half" idx="1"/>
           </p:nvPr>
         </p:nvSpPr>
-        <p:spPr/>
+        <p:spPr>
+          <a:xfrm>
+            <a:off x="1422400" y="1752600"/>
+            <a:ext cx="4521200" cy="4114800"/>
+          </a:xfrm>
+        </p:spPr>
         <p:txBody>
           <a:bodyPr/>
           <a:lstStyle/>
           <a:p>
-            <a:pPr eaLnBrk="1" hangingPunct="1">
-              <a:defRPr/>
-            </a:pPr>
-            <a:r>
-              <a:rPr lang="en-US" altLang="en-US" dirty="0" smtClean="0"/>
-              <a:t>What makes a good interface?</a:t>
-            </a:r>
-          </a:p>
-          <a:p>
-            <a:pPr lvl="1" eaLnBrk="1" hangingPunct="1">
-              <a:defRPr/>
-            </a:pPr>
-            <a:r>
-              <a:rPr lang="en-US" altLang="en-US" dirty="0" smtClean="0">
-                <a:ea typeface="Times New Roman" pitchFamily="18" charset="0"/>
-              </a:rPr>
-              <a:t>Minimal</a:t>
-            </a:r>
-          </a:p>
-          <a:p>
-            <a:pPr lvl="2" eaLnBrk="1" hangingPunct="1">
-              <a:defRPr/>
-            </a:pPr>
-            <a:r>
-              <a:rPr lang="en-US" altLang="en-US" dirty="0" smtClean="0">
-                <a:ea typeface="Times New Roman" pitchFamily="18" charset="0"/>
-              </a:rPr>
-              <a:t>As small as possible</a:t>
-            </a:r>
-          </a:p>
-          <a:p>
-            <a:pPr lvl="1" eaLnBrk="1" hangingPunct="1">
-              <a:defRPr/>
-            </a:pPr>
-            <a:r>
-              <a:rPr lang="en-US" altLang="en-US" dirty="0" smtClean="0">
-                <a:ea typeface="Times New Roman" pitchFamily="18" charset="0"/>
-              </a:rPr>
-              <a:t>Complete</a:t>
-            </a:r>
-          </a:p>
-          <a:p>
-            <a:pPr lvl="2" eaLnBrk="1" hangingPunct="1">
-              <a:defRPr/>
-            </a:pPr>
-            <a:r>
-              <a:rPr lang="en-US" altLang="en-US" dirty="0" smtClean="0">
-                <a:ea typeface="Times New Roman" pitchFamily="18" charset="0"/>
-              </a:rPr>
-              <a:t>And no smaller</a:t>
-            </a:r>
-          </a:p>
-          <a:p>
-            <a:pPr lvl="1" eaLnBrk="1" hangingPunct="1">
-              <a:defRPr/>
-            </a:pPr>
-            <a:r>
-              <a:rPr lang="en-US" altLang="en-US" dirty="0" smtClean="0">
-                <a:ea typeface="Times New Roman" pitchFamily="18" charset="0"/>
-              </a:rPr>
-              <a:t>Type safe</a:t>
-            </a:r>
-          </a:p>
-          <a:p>
-            <a:pPr lvl="2" eaLnBrk="1" hangingPunct="1">
-              <a:defRPr/>
-            </a:pPr>
-            <a:r>
-              <a:rPr lang="en-US" altLang="en-US" dirty="0" smtClean="0">
-                <a:ea typeface="Times New Roman" pitchFamily="18" charset="0"/>
-              </a:rPr>
-              <a:t>Beware of confusing argument orders</a:t>
-            </a:r>
-          </a:p>
-          <a:p>
-            <a:pPr lvl="2" eaLnBrk="1" hangingPunct="1">
-              <a:defRPr/>
-            </a:pPr>
-            <a:r>
-              <a:rPr lang="en-US" altLang="en-US" dirty="0" smtClean="0">
-                <a:ea typeface="Times New Roman" pitchFamily="18" charset="0"/>
-              </a:rPr>
-              <a:t>Beware of over-general types (e.g., </a:t>
-            </a:r>
-            <a:r>
-              <a:rPr lang="en-US" altLang="en-US" dirty="0" err="1" smtClean="0">
-                <a:ea typeface="Times New Roman" pitchFamily="18" charset="0"/>
-              </a:rPr>
-              <a:t>int</a:t>
-            </a:r>
-            <a:r>
-              <a:rPr lang="en-US" altLang="en-US" dirty="0" smtClean="0">
-                <a:ea typeface="Times New Roman" pitchFamily="18" charset="0"/>
-              </a:rPr>
-              <a:t> to represent a month)</a:t>
-            </a:r>
-          </a:p>
-          <a:p>
-            <a:pPr lvl="1" eaLnBrk="1" hangingPunct="1">
-              <a:defRPr/>
-            </a:pPr>
-            <a:r>
-              <a:rPr lang="en-US" altLang="en-US" dirty="0" err="1" smtClean="0">
-                <a:ea typeface="Times New Roman" pitchFamily="18" charset="0"/>
-              </a:rPr>
-              <a:t>Const</a:t>
-            </a:r>
-            <a:r>
-              <a:rPr lang="en-US" altLang="en-US" dirty="0" smtClean="0">
-                <a:ea typeface="Times New Roman" pitchFamily="18" charset="0"/>
-              </a:rPr>
-              <a:t> correct</a:t>
-            </a:r>
+            <a:pPr marL="0" indent="0">
+              <a:buNone/>
+            </a:pPr>
+            <a:r>
+              <a:rPr lang="lv-LV" sz="1800" dirty="0">
+                <a:hlinkClick r:id="rId2"/>
+              </a:rPr>
+              <a:t>https://java-design-patterns.com/principles/#</a:t>
+            </a:r>
+            <a:r>
+              <a:rPr lang="lv-LV" sz="1800" dirty="0" smtClean="0">
+                <a:hlinkClick r:id="rId2"/>
+              </a:rPr>
+              <a:t>separation-of-concerns</a:t>
+            </a:r>
+            <a:r>
+              <a:rPr lang="lv-LV" sz="1800" dirty="0" smtClean="0"/>
+              <a:t> </a:t>
+            </a:r>
+          </a:p>
+          <a:p>
+            <a:pPr marL="0" indent="0">
+              <a:buNone/>
+            </a:pPr>
+            <a:r>
+              <a:rPr lang="en-US" sz="1800" dirty="0">
+                <a:latin typeface="Arial" panose="020B0604020202020204" pitchFamily="34" charset="0"/>
+                <a:cs typeface="Arial" panose="020B0604020202020204" pitchFamily="34" charset="0"/>
+              </a:rPr>
+              <a:t>It is what I sometimes have called "the separation of concerns", which, even if not perfectly possible, is yet the only available technique for effective ordering of one's thoughts, that I know of. This is what I mean by "focusing one's attention upon some aspect": it does not mean ignoring the other aspects, it is just doing justice to the fact that from this aspect's point of view, the other is irrelevant</a:t>
+            </a:r>
+            <a:r>
+              <a:rPr lang="en-US" sz="1800" dirty="0" smtClean="0">
+                <a:latin typeface="Arial" panose="020B0604020202020204" pitchFamily="34" charset="0"/>
+                <a:cs typeface="Arial" panose="020B0604020202020204" pitchFamily="34" charset="0"/>
+              </a:rPr>
+              <a:t>.</a:t>
+            </a:r>
+            <a:r>
+              <a:rPr lang="lv-LV" sz="1800" dirty="0" smtClean="0">
+                <a:latin typeface="Arial" panose="020B0604020202020204" pitchFamily="34" charset="0"/>
+                <a:cs typeface="Arial" panose="020B0604020202020204" pitchFamily="34" charset="0"/>
+              </a:rPr>
+              <a:t/>
+            </a:r>
+            <a:br>
+              <a:rPr lang="lv-LV" sz="1800" dirty="0" smtClean="0">
+                <a:latin typeface="Arial" panose="020B0604020202020204" pitchFamily="34" charset="0"/>
+                <a:cs typeface="Arial" panose="020B0604020202020204" pitchFamily="34" charset="0"/>
+              </a:rPr>
+            </a:br>
+            <a:r>
+              <a:rPr lang="lv-LV" sz="1800" dirty="0" smtClean="0">
+                <a:latin typeface="Arial" panose="020B0604020202020204" pitchFamily="34" charset="0"/>
+                <a:cs typeface="Arial" panose="020B0604020202020204" pitchFamily="34" charset="0"/>
+              </a:rPr>
+              <a:t>(Dijkstra)</a:t>
+            </a:r>
+            <a:endParaRPr lang="en-US" sz="1800" dirty="0">
+              <a:latin typeface="Arial" panose="020B0604020202020204" pitchFamily="34" charset="0"/>
+              <a:cs typeface="Arial" panose="020B0604020202020204" pitchFamily="34" charset="0"/>
+            </a:endParaRPr>
+          </a:p>
+          <a:p>
+            <a:pPr marL="0" indent="0">
+              <a:buNone/>
+            </a:pPr>
+            <a:endParaRPr lang="lv-LV" sz="1800" dirty="0" smtClean="0"/>
+          </a:p>
+          <a:p>
+            <a:pPr marL="0" indent="0">
+              <a:buNone/>
+            </a:pPr>
+            <a:endParaRPr lang="lv-LV" sz="1800" dirty="0"/>
           </a:p>
         </p:txBody>
       </p:sp>
       <p:sp>
         <p:nvSpPr>
-          <p:cNvPr id="4" name="Slide Number Placeholder 5"/>
+          <p:cNvPr id="4" name="Content Placeholder 3"/>
           <p:cNvSpPr>
             <a:spLocks noGrp="1"/>
           </p:cNvSpPr>
           <p:nvPr>
-            <p:ph type="sldNum" sz="quarter" idx="12"/>
+            <p:ph sz="half" idx="2"/>
           </p:nvPr>
         </p:nvSpPr>
-        <p:spPr/>
+        <p:spPr>
+          <a:xfrm>
+            <a:off x="6477000" y="1752600"/>
+            <a:ext cx="5105400" cy="3200400"/>
+          </a:xfrm>
+        </p:spPr>
         <p:txBody>
           <a:bodyPr/>
-          <a:lstStyle>
-            <a:lvl1pPr eaLnBrk="0" hangingPunct="0">
-              <a:spcBef>
-                <a:spcPct val="20000"/>
-              </a:spcBef>
-              <a:buClr>
-                <a:schemeClr val="hlink"/>
-              </a:buClr>
-              <a:buSzPct val="65000"/>
-              <a:buFont typeface="Wingdings" panose="05000000000000000000" pitchFamily="2" charset="2"/>
-              <a:buChar char="n"/>
-              <a:defRPr sz="3200">
-                <a:solidFill>
-                  <a:schemeClr val="tx1"/>
-                </a:solidFill>
-                <a:latin typeface="Times New Roman" panose="02020603050405020304" pitchFamily="18" charset="0"/>
-                <a:ea typeface="MS PGothic" panose="020B0600070205080204" pitchFamily="34" charset="-128"/>
-                <a:cs typeface="Times New Roman" panose="02020603050405020304" pitchFamily="18" charset="0"/>
-              </a:defRPr>
-            </a:lvl1pPr>
-            <a:lvl2pPr marL="742950" indent="-285750" eaLnBrk="0" hangingPunct="0">
-              <a:spcBef>
-                <a:spcPct val="20000"/>
-              </a:spcBef>
-              <a:buClr>
-                <a:schemeClr val="folHlink"/>
-              </a:buClr>
-              <a:buSzPct val="65000"/>
-              <a:buFont typeface="Wingdings" panose="05000000000000000000" pitchFamily="2" charset="2"/>
-              <a:buChar char="n"/>
-              <a:defRPr sz="2800">
-                <a:solidFill>
-                  <a:schemeClr val="tx1"/>
-                </a:solidFill>
-                <a:latin typeface="Times New Roman" panose="02020603050405020304" pitchFamily="18" charset="0"/>
-                <a:ea typeface="Times New Roman" panose="02020603050405020304" pitchFamily="18" charset="0"/>
-                <a:cs typeface="Times New Roman" panose="02020603050405020304" pitchFamily="18" charset="0"/>
-              </a:defRPr>
-            </a:lvl2pPr>
-            <a:lvl3pPr marL="1143000" indent="-228600" eaLnBrk="0" hangingPunct="0">
-              <a:spcBef>
-                <a:spcPct val="20000"/>
-              </a:spcBef>
-              <a:buClr>
-                <a:schemeClr val="hlink"/>
-              </a:buClr>
-              <a:buSzPct val="65000"/>
-              <a:buFont typeface="Wingdings" panose="05000000000000000000" pitchFamily="2" charset="2"/>
-              <a:buChar char="n"/>
-              <a:defRPr sz="2400">
-                <a:solidFill>
-                  <a:schemeClr val="tx1"/>
-                </a:solidFill>
-                <a:latin typeface="Times New Roman" panose="02020603050405020304" pitchFamily="18" charset="0"/>
-                <a:ea typeface="Times New Roman" panose="02020603050405020304" pitchFamily="18" charset="0"/>
-                <a:cs typeface="Times New Roman" panose="02020603050405020304" pitchFamily="18" charset="0"/>
-              </a:defRPr>
-            </a:lvl3pPr>
-            <a:lvl4pPr marL="1600200" indent="-228600" eaLnBrk="0" hangingPunct="0">
-              <a:spcBef>
-                <a:spcPct val="20000"/>
-              </a:spcBef>
-              <a:buClr>
-                <a:schemeClr val="folHlink"/>
-              </a:buClr>
-              <a:buSzPct val="65000"/>
-              <a:buFont typeface="Wingdings" panose="05000000000000000000" pitchFamily="2" charset="2"/>
-              <a:buChar char="n"/>
-              <a:defRPr sz="2000">
-                <a:solidFill>
-                  <a:schemeClr val="tx1"/>
-                </a:solidFill>
-                <a:latin typeface="Times New Roman" panose="02020603050405020304" pitchFamily="18" charset="0"/>
-                <a:ea typeface="Times New Roman" panose="02020603050405020304" pitchFamily="18" charset="0"/>
-                <a:cs typeface="Times New Roman" panose="02020603050405020304" pitchFamily="18" charset="0"/>
-              </a:defRPr>
-            </a:lvl4pPr>
-            <a:lvl5pPr marL="2057400" indent="-228600" eaLnBrk="0" hangingPunct="0">
-              <a:spcBef>
-                <a:spcPct val="20000"/>
-              </a:spcBef>
-              <a:buClr>
-                <a:schemeClr val="hlink"/>
-              </a:buClr>
-              <a:buSzPct val="65000"/>
-              <a:buFont typeface="Wingdings" panose="05000000000000000000" pitchFamily="2" charset="2"/>
-              <a:buChar char="n"/>
-              <a:defRPr sz="2000">
-                <a:solidFill>
-                  <a:schemeClr val="tx1"/>
-                </a:solidFill>
-                <a:latin typeface="Times New Roman" panose="02020603050405020304" pitchFamily="18" charset="0"/>
-                <a:ea typeface="Times New Roman" panose="02020603050405020304" pitchFamily="18" charset="0"/>
-                <a:cs typeface="Times New Roman" panose="02020603050405020304" pitchFamily="18" charset="0"/>
-              </a:defRPr>
-            </a:lvl5pPr>
-            <a:lvl6pPr marL="2514600" indent="-228600" eaLnBrk="0" fontAlgn="base" hangingPunct="0">
-              <a:spcBef>
-                <a:spcPct val="20000"/>
+          <a:lstStyle/>
+          <a:p>
+            <a:pPr marL="0" indent="0">
+              <a:buNone/>
+            </a:pPr>
+            <a:r>
+              <a:rPr lang="en-US" sz="2000" b="1" dirty="0" smtClean="0"/>
+              <a:t>Why</a:t>
+            </a:r>
+            <a:endParaRPr lang="en-US" sz="2000" b="1" dirty="0"/>
+          </a:p>
+          <a:p>
+            <a:pPr marL="0" indent="0">
+              <a:buNone/>
+            </a:pPr>
+            <a:r>
+              <a:rPr lang="en-US" sz="2000" dirty="0"/>
+              <a:t>Simplify development and maintenance of software applications.</a:t>
+            </a:r>
+          </a:p>
+          <a:p>
+            <a:pPr marL="0" indent="0">
+              <a:buNone/>
+            </a:pPr>
+            <a:r>
+              <a:rPr lang="en-US" sz="2000" dirty="0"/>
+              <a:t>When concerns are well-separated, individual sections can be reused, as well as developed and updated independently.</a:t>
+            </a:r>
+          </a:p>
+          <a:p>
+            <a:pPr marL="0" indent="0">
+              <a:buNone/>
+            </a:pPr>
+            <a:r>
+              <a:rPr lang="en-US" sz="2000" b="1" dirty="0" smtClean="0"/>
+              <a:t>How</a:t>
+            </a:r>
+            <a:endParaRPr lang="en-US" sz="2000" b="1" dirty="0"/>
+          </a:p>
+          <a:p>
+            <a:pPr marL="0" indent="0">
+              <a:buNone/>
+            </a:pPr>
+            <a:r>
+              <a:rPr lang="en-US" sz="2000" dirty="0"/>
+              <a:t>Break program functionality into separate modules that overlap as little as possible.</a:t>
+            </a:r>
+            <a:endParaRPr lang="lv-LV" sz="2000" dirty="0"/>
+          </a:p>
+        </p:txBody>
+      </p:sp>
+      <p:sp>
+        <p:nvSpPr>
+          <p:cNvPr id="6" name="Rounded Rectangle 5"/>
+          <p:cNvSpPr/>
+          <p:nvPr/>
+        </p:nvSpPr>
+        <p:spPr bwMode="auto">
+          <a:xfrm>
+            <a:off x="6324600" y="5105400"/>
+            <a:ext cx="4038600" cy="1143000"/>
+          </a:xfrm>
+          <a:prstGeom prst="roundRect">
+            <a:avLst/>
+          </a:prstGeom>
+          <a:solidFill>
+            <a:schemeClr val="accent1"/>
+          </a:solidFill>
+          <a:ln w="9525" cap="flat" cmpd="sng" algn="ctr">
+            <a:solidFill>
+              <a:schemeClr val="tx1"/>
+            </a:solidFill>
+            <a:prstDash val="solid"/>
+            <a:round/>
+            <a:headEnd type="none" w="med" len="med"/>
+            <a:tailEnd type="none" w="med" len="med"/>
+          </a:ln>
+          <a:effectLst/>
+          <a:extLst>
+            <a:ext uri="{AF507438-7753-43E0-B8FC-AC1667EBCBE1}">
+              <a14:hiddenEffects xmlns:a14="http://schemas.microsoft.com/office/drawing/2010/main">
+                <a:effectLst>
+                  <a:outerShdw dist="35921" dir="2700000" algn="ctr" rotWithShape="0">
+                    <a:schemeClr val="bg2"/>
+                  </a:outerShdw>
+                </a:effectLst>
+              </a14:hiddenEffects>
+            </a:ext>
+          </a:extLst>
+        </p:spPr>
+        <p:txBody>
+          <a:bodyPr vert="horz" wrap="square" lIns="91440" tIns="45720" rIns="91440" bIns="45720" numCol="1" rtlCol="0" anchor="t" anchorCtr="0" compatLnSpc="1">
+            <a:prstTxWarp prst="textNoShape">
+              <a:avLst/>
+            </a:prstTxWarp>
+          </a:bodyPr>
+          <a:lstStyle/>
+          <a:p>
+            <a:pPr marL="0" marR="0" indent="0" algn="l" defTabSz="914400" rtl="0" eaLnBrk="1" fontAlgn="base" latinLnBrk="0" hangingPunct="1">
+              <a:lnSpc>
+                <a:spcPct val="100000"/>
+              </a:lnSpc>
+              <a:spcBef>
+                <a:spcPct val="0"/>
               </a:spcBef>
               <a:spcAft>
                 <a:spcPct val="0"/>
               </a:spcAft>
-              <a:buClr>
-                <a:schemeClr val="hlink"/>
-              </a:buClr>
-              <a:buSzPct val="65000"/>
-              <a:buFont typeface="Wingdings" panose="05000000000000000000" pitchFamily="2" charset="2"/>
-              <a:buChar char="n"/>
-              <a:defRPr sz="2000">
-                <a:solidFill>
-                  <a:schemeClr val="tx1"/>
-                </a:solidFill>
-                <a:latin typeface="Times New Roman" panose="02020603050405020304" pitchFamily="18" charset="0"/>
-                <a:ea typeface="Times New Roman" panose="02020603050405020304" pitchFamily="18" charset="0"/>
-                <a:cs typeface="Times New Roman" panose="02020603050405020304" pitchFamily="18" charset="0"/>
-              </a:defRPr>
-            </a:lvl6pPr>
-            <a:lvl7pPr marL="2971800" indent="-228600" eaLnBrk="0" fontAlgn="base" hangingPunct="0">
-              <a:spcBef>
-                <a:spcPct val="20000"/>
-              </a:spcBef>
-              <a:spcAft>
-                <a:spcPct val="0"/>
-              </a:spcAft>
-              <a:buClr>
-                <a:schemeClr val="hlink"/>
-              </a:buClr>
-              <a:buSzPct val="65000"/>
-              <a:buFont typeface="Wingdings" panose="05000000000000000000" pitchFamily="2" charset="2"/>
-              <a:buChar char="n"/>
-              <a:defRPr sz="2000">
-                <a:solidFill>
-                  <a:schemeClr val="tx1"/>
-                </a:solidFill>
-                <a:latin typeface="Times New Roman" panose="02020603050405020304" pitchFamily="18" charset="0"/>
-                <a:ea typeface="Times New Roman" panose="02020603050405020304" pitchFamily="18" charset="0"/>
-                <a:cs typeface="Times New Roman" panose="02020603050405020304" pitchFamily="18" charset="0"/>
-              </a:defRPr>
-            </a:lvl7pPr>
-            <a:lvl8pPr marL="3429000" indent="-228600" eaLnBrk="0" fontAlgn="base" hangingPunct="0">
-              <a:spcBef>
-                <a:spcPct val="20000"/>
-              </a:spcBef>
-              <a:spcAft>
-                <a:spcPct val="0"/>
-              </a:spcAft>
-              <a:buClr>
-                <a:schemeClr val="hlink"/>
-              </a:buClr>
-              <a:buSzPct val="65000"/>
-              <a:buFont typeface="Wingdings" panose="05000000000000000000" pitchFamily="2" charset="2"/>
-              <a:buChar char="n"/>
-              <a:defRPr sz="2000">
-                <a:solidFill>
-                  <a:schemeClr val="tx1"/>
-                </a:solidFill>
-                <a:latin typeface="Times New Roman" panose="02020603050405020304" pitchFamily="18" charset="0"/>
-                <a:ea typeface="Times New Roman" panose="02020603050405020304" pitchFamily="18" charset="0"/>
-                <a:cs typeface="Times New Roman" panose="02020603050405020304" pitchFamily="18" charset="0"/>
-              </a:defRPr>
-            </a:lvl8pPr>
-            <a:lvl9pPr marL="3886200" indent="-228600" eaLnBrk="0" fontAlgn="base" hangingPunct="0">
-              <a:spcBef>
-                <a:spcPct val="20000"/>
-              </a:spcBef>
-              <a:spcAft>
-                <a:spcPct val="0"/>
-              </a:spcAft>
-              <a:buClr>
-                <a:schemeClr val="hlink"/>
-              </a:buClr>
-              <a:buSzPct val="65000"/>
-              <a:buFont typeface="Wingdings" panose="05000000000000000000" pitchFamily="2" charset="2"/>
-              <a:buChar char="n"/>
-              <a:defRPr sz="2000">
-                <a:solidFill>
-                  <a:schemeClr val="tx1"/>
-                </a:solidFill>
-                <a:latin typeface="Times New Roman" panose="02020603050405020304" pitchFamily="18" charset="0"/>
-                <a:ea typeface="Times New Roman" panose="02020603050405020304" pitchFamily="18" charset="0"/>
-                <a:cs typeface="Times New Roman" panose="02020603050405020304" pitchFamily="18" charset="0"/>
-              </a:defRPr>
-            </a:lvl9pPr>
-          </a:lstStyle>
-          <a:p>
-            <a:pPr eaLnBrk="1" hangingPunct="1">
-              <a:spcBef>
-                <a:spcPct val="0"/>
-              </a:spcBef>
               <a:buClrTx/>
               <a:buSzTx/>
               <a:buFontTx/>
               <a:buNone/>
-              <a:defRPr/>
-            </a:pPr>
-            <a:fld id="{C3D0994F-4BC5-43F1-9A3E-57FDC8CAAD3C}" type="slidenum">
-              <a:rPr lang="en-US" altLang="en-US" sz="1400">
-                <a:latin typeface="Arial" panose="020B0604020202020204" pitchFamily="34" charset="0"/>
-              </a:rPr>
-              <a:pPr eaLnBrk="1" hangingPunct="1">
-                <a:spcBef>
-                  <a:spcPct val="0"/>
-                </a:spcBef>
-                <a:buClrTx/>
-                <a:buSzTx/>
-                <a:buFontTx/>
-                <a:buNone/>
-                <a:defRPr/>
-              </a:pPr>
-              <a:t>27</a:t>
-            </a:fld>
-            <a:endParaRPr lang="en-US" altLang="en-US" sz="1400">
-              <a:latin typeface="Arial" panose="020B0604020202020204" pitchFamily="34" charset="0"/>
+              <a:tabLst/>
+            </a:pPr>
+            <a:r>
+              <a:rPr kumimoji="0" lang="lv-LV" sz="2400" b="0" i="0" u="none" strike="noStrike" cap="none" normalizeH="0" baseline="0" dirty="0" smtClean="0">
+                <a:ln>
+                  <a:noFill/>
+                </a:ln>
+                <a:solidFill>
+                  <a:schemeClr val="tx1"/>
+                </a:solidFill>
+                <a:effectLst/>
+                <a:latin typeface="Times New Roman" pitchFamily="18" charset="0"/>
+              </a:rPr>
+              <a:t>One C++ class</a:t>
+            </a:r>
+            <a:r>
+              <a:rPr kumimoji="0" lang="lv-LV" sz="2400" b="0" i="0" u="none" strike="noStrike" cap="none" normalizeH="0" dirty="0" smtClean="0">
+                <a:ln>
+                  <a:noFill/>
+                </a:ln>
+                <a:solidFill>
+                  <a:schemeClr val="tx1"/>
+                </a:solidFill>
+                <a:effectLst/>
+                <a:latin typeface="Times New Roman" pitchFamily="18" charset="0"/>
+              </a:rPr>
+              <a:t> stands for one concern in your program.</a:t>
+            </a:r>
+            <a:endParaRPr kumimoji="0" lang="lv-LV" sz="2400" b="0" i="0" u="none" strike="noStrike" cap="none" normalizeH="0" baseline="0" dirty="0" smtClean="0">
+              <a:ln>
+                <a:noFill/>
+              </a:ln>
+              <a:solidFill>
+                <a:schemeClr val="tx1"/>
+              </a:solidFill>
+              <a:effectLst/>
+              <a:latin typeface="Times New Roman" pitchFamily="18" charset="0"/>
             </a:endParaRPr>
           </a:p>
         </p:txBody>
@@ -26479,7 +26567,7 @@
     </p:spTree>
     <p:extLst>
       <p:ext uri="{BB962C8B-B14F-4D97-AF65-F5344CB8AC3E}">
-        <p14:creationId xmlns:p14="http://schemas.microsoft.com/office/powerpoint/2010/main" val="1652437799"/>
+        <p14:creationId xmlns:p14="http://schemas.microsoft.com/office/powerpoint/2010/main" val="1599273512"/>
       </p:ext>
     </p:extLst>
   </p:cSld>
@@ -26489,13 +26577,6 @@
   <p:transition spd="slow">
     <p:wipe/>
   </p:transition>
-  <p:timing>
-    <p:tnLst>
-      <p:par>
-        <p:cTn id="1" dur="indefinite" restart="never" nodeType="tmRoot"/>
-      </p:par>
-    </p:tnLst>
-  </p:timing>
 </p:sld>
 </file>
 
@@ -26518,9 +26599,9 @@
       </p:grpSpPr>
       <p:sp>
         <p:nvSpPr>
-          <p:cNvPr id="21506" name="Rectangle 2"/>
+          <p:cNvPr id="2" name="Title 1"/>
           <p:cNvSpPr>
-            <a:spLocks noGrp="1" noChangeArrowheads="1"/>
+            <a:spLocks noGrp="1"/>
           </p:cNvSpPr>
           <p:nvPr>
             <p:ph type="title"/>
@@ -26531,24 +26612,26 @@
           <a:bodyPr/>
           <a:lstStyle/>
           <a:p>
-            <a:pPr eaLnBrk="1" hangingPunct="1">
-              <a:defRPr/>
-            </a:pPr>
-            <a:r>
-              <a:rPr lang="en-US" altLang="en-US" smtClean="0"/>
-              <a:t>Classes</a:t>
-            </a:r>
+            <a:r>
+              <a:rPr lang="en-US" dirty="0" err="1" smtClean="0"/>
+              <a:t>Liskov</a:t>
+            </a:r>
+            <a:r>
+              <a:rPr lang="en-US" dirty="0" smtClean="0"/>
+              <a:t> Substitution Principle</a:t>
+            </a:r>
+            <a:endParaRPr lang="lv-LV" dirty="0"/>
           </a:p>
         </p:txBody>
       </p:sp>
       <p:sp>
         <p:nvSpPr>
-          <p:cNvPr id="21507" name="Rectangle 3"/>
+          <p:cNvPr id="3" name="Content Placeholder 2"/>
           <p:cNvSpPr>
-            <a:spLocks noGrp="1" noChangeArrowheads="1"/>
+            <a:spLocks noGrp="1"/>
           </p:cNvSpPr>
           <p:nvPr>
-            <p:ph idx="1"/>
+            <p:ph sz="half" idx="1"/>
           </p:nvPr>
         </p:nvSpPr>
         <p:spPr/>
@@ -26556,393 +26639,766 @@
           <a:bodyPr/>
           <a:lstStyle/>
           <a:p>
-            <a:pPr eaLnBrk="1" hangingPunct="1">
-              <a:lnSpc>
-                <a:spcPct val="90000"/>
-              </a:lnSpc>
-              <a:defRPr/>
-            </a:pPr>
-            <a:r>
-              <a:rPr lang="en-US" sz="2800" dirty="0"/>
-              <a:t>Essential operations</a:t>
-            </a:r>
-          </a:p>
-          <a:p>
-            <a:pPr lvl="1" eaLnBrk="1" hangingPunct="1">
-              <a:lnSpc>
-                <a:spcPct val="90000"/>
-              </a:lnSpc>
-              <a:defRPr/>
-            </a:pPr>
-            <a:r>
-              <a:rPr lang="en-US" dirty="0"/>
-              <a:t>Default constructor (defaults to: nothing)</a:t>
-            </a:r>
-          </a:p>
-          <a:p>
-            <a:pPr lvl="2" eaLnBrk="1" hangingPunct="1">
-              <a:lnSpc>
-                <a:spcPct val="90000"/>
-              </a:lnSpc>
-              <a:defRPr/>
-            </a:pPr>
-            <a:r>
-              <a:rPr lang="en-US" sz="2000" dirty="0"/>
-              <a:t>No default if any other constructor is declared</a:t>
-            </a:r>
-          </a:p>
-          <a:p>
-            <a:pPr lvl="1" eaLnBrk="1" hangingPunct="1">
-              <a:lnSpc>
-                <a:spcPct val="90000"/>
-              </a:lnSpc>
-              <a:defRPr/>
-            </a:pPr>
-            <a:r>
-              <a:rPr lang="en-US" dirty="0"/>
-              <a:t>Copy constructor (defaults to: copy the member)</a:t>
-            </a:r>
-          </a:p>
-          <a:p>
-            <a:pPr lvl="1" eaLnBrk="1" hangingPunct="1">
-              <a:lnSpc>
-                <a:spcPct val="90000"/>
-              </a:lnSpc>
-              <a:defRPr/>
-            </a:pPr>
-            <a:r>
-              <a:rPr lang="en-US" dirty="0"/>
-              <a:t>Copy assignment (defaults to: copy the members)</a:t>
-            </a:r>
-          </a:p>
-          <a:p>
-            <a:pPr lvl="1" eaLnBrk="1" hangingPunct="1">
-              <a:lnSpc>
-                <a:spcPct val="90000"/>
-              </a:lnSpc>
-              <a:defRPr/>
-            </a:pPr>
-            <a:r>
-              <a:rPr lang="en-US" dirty="0"/>
-              <a:t>Destructor (defaults to: nothing)</a:t>
-            </a:r>
-          </a:p>
-          <a:p>
-            <a:pPr eaLnBrk="1" hangingPunct="1">
-              <a:lnSpc>
-                <a:spcPct val="90000"/>
-              </a:lnSpc>
-              <a:defRPr/>
-            </a:pPr>
-            <a:r>
-              <a:rPr lang="en-US" sz="2800" dirty="0"/>
-              <a:t>For example</a:t>
-            </a:r>
-          </a:p>
-          <a:p>
-            <a:pPr lvl="1" eaLnBrk="1" hangingPunct="1">
-              <a:lnSpc>
-                <a:spcPct val="90000"/>
-              </a:lnSpc>
-              <a:buFontTx/>
-              <a:buNone/>
-              <a:defRPr/>
-            </a:pPr>
-            <a:r>
-              <a:rPr lang="en-US" sz="2000" b="1" dirty="0"/>
-              <a:t>Date d;	// </a:t>
-            </a:r>
-            <a:r>
-              <a:rPr lang="en-US" sz="2000" i="1" dirty="0"/>
-              <a:t>error: no default constructor</a:t>
-            </a:r>
-          </a:p>
-          <a:p>
-            <a:pPr lvl="1" eaLnBrk="1" hangingPunct="1">
-              <a:lnSpc>
-                <a:spcPct val="90000"/>
-              </a:lnSpc>
-              <a:buFontTx/>
-              <a:buNone/>
-              <a:defRPr/>
-            </a:pPr>
-            <a:r>
-              <a:rPr lang="en-US" sz="2000" b="1" dirty="0"/>
-              <a:t>Date d2 = d;	// </a:t>
-            </a:r>
-            <a:r>
-              <a:rPr lang="en-US" sz="2000" i="1" dirty="0"/>
-              <a:t>ok: copy initialized (copy the elements)</a:t>
-            </a:r>
-          </a:p>
-          <a:p>
-            <a:pPr lvl="1" eaLnBrk="1" hangingPunct="1">
-              <a:lnSpc>
-                <a:spcPct val="90000"/>
-              </a:lnSpc>
-              <a:buFontTx/>
-              <a:buNone/>
-              <a:defRPr/>
-            </a:pPr>
-            <a:r>
-              <a:rPr lang="en-US" sz="2000" b="1" dirty="0"/>
-              <a:t>d = d2;</a:t>
-            </a:r>
-            <a:r>
-              <a:rPr lang="en-US" sz="2000" dirty="0"/>
-              <a:t>	// </a:t>
-            </a:r>
-            <a:r>
-              <a:rPr lang="en-US" sz="2000" i="1" dirty="0"/>
-              <a:t>ok copy assignment (copy the elements)</a:t>
-            </a:r>
-          </a:p>
-          <a:p>
-            <a:pPr lvl="1" eaLnBrk="1" hangingPunct="1">
-              <a:lnSpc>
-                <a:spcPct val="90000"/>
-              </a:lnSpc>
-              <a:defRPr/>
-            </a:pPr>
-            <a:endParaRPr lang="en-US" sz="2000" dirty="0"/>
+            <a:pPr marL="0" indent="0">
+              <a:buNone/>
+            </a:pPr>
+            <a:r>
+              <a:rPr lang="lv-LV" sz="1400" dirty="0">
+                <a:solidFill>
+                  <a:srgbClr val="0033CC"/>
+                </a:solidFill>
+                <a:latin typeface="Liberation Mono" panose="02070409020205020404" pitchFamily="49" charset="0"/>
+                <a:cs typeface="Liberation Mono" panose="02070409020205020404" pitchFamily="49" charset="0"/>
+              </a:rPr>
+              <a:t>class </a:t>
+            </a:r>
+            <a:r>
+              <a:rPr lang="en-US" sz="1400" dirty="0" smtClean="0">
+                <a:solidFill>
+                  <a:srgbClr val="0033CC"/>
+                </a:solidFill>
+                <a:latin typeface="Liberation Mono" panose="02070409020205020404" pitchFamily="49" charset="0"/>
+                <a:cs typeface="Liberation Mono" panose="02070409020205020404" pitchFamily="49" charset="0"/>
+              </a:rPr>
+              <a:t>Rectangle</a:t>
+            </a:r>
+            <a:r>
+              <a:rPr lang="lv-LV" sz="1400" dirty="0" smtClean="0">
+                <a:solidFill>
+                  <a:srgbClr val="0033CC"/>
+                </a:solidFill>
+                <a:latin typeface="Liberation Mono" panose="02070409020205020404" pitchFamily="49" charset="0"/>
+                <a:cs typeface="Liberation Mono" panose="02070409020205020404" pitchFamily="49" charset="0"/>
+              </a:rPr>
+              <a:t> </a:t>
+            </a:r>
+            <a:r>
+              <a:rPr lang="lv-LV" sz="1400" dirty="0">
+                <a:solidFill>
+                  <a:srgbClr val="0033CC"/>
+                </a:solidFill>
+                <a:latin typeface="Liberation Mono" panose="02070409020205020404" pitchFamily="49" charset="0"/>
+                <a:cs typeface="Liberation Mono" panose="02070409020205020404" pitchFamily="49" charset="0"/>
+              </a:rPr>
+              <a:t>{</a:t>
+            </a:r>
+          </a:p>
+          <a:p>
+            <a:pPr marL="0" indent="0">
+              <a:buNone/>
+            </a:pPr>
+            <a:r>
+              <a:rPr lang="lv-LV" sz="1400" dirty="0" smtClean="0">
+                <a:solidFill>
+                  <a:srgbClr val="0033CC"/>
+                </a:solidFill>
+                <a:latin typeface="Liberation Mono" panose="02070409020205020404" pitchFamily="49" charset="0"/>
+                <a:cs typeface="Liberation Mono" panose="02070409020205020404" pitchFamily="49" charset="0"/>
+              </a:rPr>
+              <a:t>public</a:t>
+            </a:r>
+            <a:r>
+              <a:rPr lang="lv-LV" sz="1400" dirty="0">
+                <a:solidFill>
+                  <a:srgbClr val="0033CC"/>
+                </a:solidFill>
+                <a:latin typeface="Liberation Mono" panose="02070409020205020404" pitchFamily="49" charset="0"/>
+                <a:cs typeface="Liberation Mono" panose="02070409020205020404" pitchFamily="49" charset="0"/>
+              </a:rPr>
+              <a:t>:</a:t>
+            </a:r>
+          </a:p>
+          <a:p>
+            <a:pPr marL="0" indent="0">
+              <a:buNone/>
+            </a:pPr>
+            <a:r>
+              <a:rPr lang="en-US" sz="1400" dirty="0">
+                <a:solidFill>
+                  <a:srgbClr val="0033CC"/>
+                </a:solidFill>
+                <a:latin typeface="Liberation Mono" panose="02070409020205020404" pitchFamily="49" charset="0"/>
+                <a:cs typeface="Liberation Mono" panose="02070409020205020404" pitchFamily="49" charset="0"/>
+              </a:rPr>
+              <a:t> </a:t>
+            </a:r>
+            <a:r>
+              <a:rPr lang="en-US" sz="1400" dirty="0" smtClean="0">
+                <a:solidFill>
+                  <a:srgbClr val="0033CC"/>
+                </a:solidFill>
+                <a:latin typeface="Liberation Mono" panose="02070409020205020404" pitchFamily="49" charset="0"/>
+                <a:cs typeface="Liberation Mono" panose="02070409020205020404" pitchFamily="49" charset="0"/>
+              </a:rPr>
+              <a:t> </a:t>
+            </a:r>
+            <a:r>
+              <a:rPr lang="lv-LV" sz="1400" dirty="0" smtClean="0">
+                <a:solidFill>
+                  <a:srgbClr val="0033CC"/>
+                </a:solidFill>
+                <a:latin typeface="Liberation Mono" panose="02070409020205020404" pitchFamily="49" charset="0"/>
+                <a:cs typeface="Liberation Mono" panose="02070409020205020404" pitchFamily="49" charset="0"/>
+              </a:rPr>
+              <a:t>void </a:t>
+            </a:r>
+            <a:r>
+              <a:rPr lang="lv-LV" sz="1400" dirty="0">
+                <a:solidFill>
+                  <a:srgbClr val="0033CC"/>
+                </a:solidFill>
+                <a:latin typeface="Liberation Mono" panose="02070409020205020404" pitchFamily="49" charset="0"/>
+                <a:cs typeface="Liberation Mono" panose="02070409020205020404" pitchFamily="49" charset="0"/>
+              </a:rPr>
+              <a:t>setWidth(int w) </a:t>
+            </a:r>
+            <a:r>
+              <a:rPr lang="lv-LV" sz="1400" dirty="0" smtClean="0">
+                <a:solidFill>
+                  <a:srgbClr val="0033CC"/>
+                </a:solidFill>
+                <a:latin typeface="Liberation Mono" panose="02070409020205020404" pitchFamily="49" charset="0"/>
+                <a:cs typeface="Liberation Mono" panose="02070409020205020404" pitchFamily="49" charset="0"/>
+              </a:rPr>
+              <a:t>{</a:t>
+            </a:r>
+            <a:r>
+              <a:rPr lang="en-US" sz="1400" dirty="0" smtClean="0">
+                <a:solidFill>
+                  <a:srgbClr val="0033CC"/>
+                </a:solidFill>
+                <a:latin typeface="Liberation Mono" panose="02070409020205020404" pitchFamily="49" charset="0"/>
+                <a:cs typeface="Liberation Mono" panose="02070409020205020404" pitchFamily="49" charset="0"/>
+              </a:rPr>
+              <a:t> </a:t>
+            </a:r>
+            <a:r>
+              <a:rPr lang="lv-LV" sz="1400" dirty="0" smtClean="0">
+                <a:solidFill>
+                  <a:srgbClr val="0033CC"/>
+                </a:solidFill>
+                <a:latin typeface="Liberation Mono" panose="02070409020205020404" pitchFamily="49" charset="0"/>
+                <a:cs typeface="Liberation Mono" panose="02070409020205020404" pitchFamily="49" charset="0"/>
+              </a:rPr>
+              <a:t>width </a:t>
+            </a:r>
+            <a:r>
+              <a:rPr lang="lv-LV" sz="1400" dirty="0">
+                <a:solidFill>
+                  <a:srgbClr val="0033CC"/>
+                </a:solidFill>
+                <a:latin typeface="Liberation Mono" panose="02070409020205020404" pitchFamily="49" charset="0"/>
+                <a:cs typeface="Liberation Mono" panose="02070409020205020404" pitchFamily="49" charset="0"/>
+              </a:rPr>
+              <a:t>= w</a:t>
+            </a:r>
+            <a:r>
+              <a:rPr lang="lv-LV" sz="1400" dirty="0" smtClean="0">
+                <a:solidFill>
+                  <a:srgbClr val="0033CC"/>
+                </a:solidFill>
+                <a:latin typeface="Liberation Mono" panose="02070409020205020404" pitchFamily="49" charset="0"/>
+                <a:cs typeface="Liberation Mono" panose="02070409020205020404" pitchFamily="49" charset="0"/>
+              </a:rPr>
+              <a:t>;}</a:t>
+            </a:r>
+            <a:endParaRPr lang="lv-LV" sz="1400" dirty="0">
+              <a:solidFill>
+                <a:srgbClr val="0033CC"/>
+              </a:solidFill>
+              <a:latin typeface="Liberation Mono" panose="02070409020205020404" pitchFamily="49" charset="0"/>
+              <a:cs typeface="Liberation Mono" panose="02070409020205020404" pitchFamily="49" charset="0"/>
+            </a:endParaRPr>
+          </a:p>
+          <a:p>
+            <a:pPr marL="0" indent="0">
+              <a:buNone/>
+            </a:pPr>
+            <a:r>
+              <a:rPr lang="en-US" sz="1400" dirty="0" smtClean="0">
+                <a:solidFill>
+                  <a:srgbClr val="0033CC"/>
+                </a:solidFill>
+                <a:latin typeface="Liberation Mono" panose="02070409020205020404" pitchFamily="49" charset="0"/>
+                <a:cs typeface="Liberation Mono" panose="02070409020205020404" pitchFamily="49" charset="0"/>
+              </a:rPr>
+              <a:t>  </a:t>
+            </a:r>
+            <a:r>
+              <a:rPr lang="lv-LV" sz="1400" dirty="0" smtClean="0">
+                <a:solidFill>
+                  <a:srgbClr val="0033CC"/>
+                </a:solidFill>
+                <a:latin typeface="Liberation Mono" panose="02070409020205020404" pitchFamily="49" charset="0"/>
+                <a:cs typeface="Liberation Mono" panose="02070409020205020404" pitchFamily="49" charset="0"/>
+              </a:rPr>
+              <a:t>void </a:t>
+            </a:r>
+            <a:r>
+              <a:rPr lang="lv-LV" sz="1400" dirty="0">
+                <a:solidFill>
+                  <a:srgbClr val="0033CC"/>
+                </a:solidFill>
+                <a:latin typeface="Liberation Mono" panose="02070409020205020404" pitchFamily="49" charset="0"/>
+                <a:cs typeface="Liberation Mono" panose="02070409020205020404" pitchFamily="49" charset="0"/>
+              </a:rPr>
+              <a:t>setHeight(int h) </a:t>
+            </a:r>
+            <a:r>
+              <a:rPr lang="lv-LV" sz="1400" dirty="0" smtClean="0">
+                <a:solidFill>
+                  <a:srgbClr val="0033CC"/>
+                </a:solidFill>
+                <a:latin typeface="Liberation Mono" panose="02070409020205020404" pitchFamily="49" charset="0"/>
+                <a:cs typeface="Liberation Mono" panose="02070409020205020404" pitchFamily="49" charset="0"/>
+              </a:rPr>
+              <a:t>{height </a:t>
+            </a:r>
+            <a:r>
+              <a:rPr lang="lv-LV" sz="1400" dirty="0">
+                <a:solidFill>
+                  <a:srgbClr val="0033CC"/>
+                </a:solidFill>
+                <a:latin typeface="Liberation Mono" panose="02070409020205020404" pitchFamily="49" charset="0"/>
+                <a:cs typeface="Liberation Mono" panose="02070409020205020404" pitchFamily="49" charset="0"/>
+              </a:rPr>
+              <a:t>= h</a:t>
+            </a:r>
+            <a:r>
+              <a:rPr lang="lv-LV" sz="1400" dirty="0" smtClean="0">
+                <a:solidFill>
+                  <a:srgbClr val="0033CC"/>
+                </a:solidFill>
+                <a:latin typeface="Liberation Mono" panose="02070409020205020404" pitchFamily="49" charset="0"/>
+                <a:cs typeface="Liberation Mono" panose="02070409020205020404" pitchFamily="49" charset="0"/>
+              </a:rPr>
+              <a:t>;}</a:t>
+            </a:r>
+            <a:endParaRPr lang="en-US" sz="1400" dirty="0" smtClean="0">
+              <a:solidFill>
+                <a:srgbClr val="0033CC"/>
+              </a:solidFill>
+              <a:latin typeface="Liberation Mono" panose="02070409020205020404" pitchFamily="49" charset="0"/>
+              <a:cs typeface="Liberation Mono" panose="02070409020205020404" pitchFamily="49" charset="0"/>
+            </a:endParaRPr>
+          </a:p>
+          <a:p>
+            <a:pPr marL="0" indent="0">
+              <a:buNone/>
+            </a:pPr>
+            <a:r>
+              <a:rPr lang="en-US" sz="1400" dirty="0" smtClean="0">
+                <a:solidFill>
+                  <a:srgbClr val="0033CC"/>
+                </a:solidFill>
+                <a:latin typeface="Liberation Mono" panose="02070409020205020404" pitchFamily="49" charset="0"/>
+                <a:cs typeface="Liberation Mono" panose="02070409020205020404" pitchFamily="49" charset="0"/>
+              </a:rPr>
+              <a:t>  </a:t>
+            </a:r>
+            <a:r>
+              <a:rPr lang="en-US" sz="1400" dirty="0" err="1" smtClean="0">
+                <a:solidFill>
+                  <a:srgbClr val="0033CC"/>
+                </a:solidFill>
+                <a:latin typeface="Liberation Mono" panose="02070409020205020404" pitchFamily="49" charset="0"/>
+                <a:cs typeface="Liberation Mono" panose="02070409020205020404" pitchFamily="49" charset="0"/>
+              </a:rPr>
+              <a:t>int</a:t>
+            </a:r>
+            <a:r>
+              <a:rPr lang="en-US" sz="1400" dirty="0" smtClean="0">
+                <a:solidFill>
+                  <a:srgbClr val="0033CC"/>
+                </a:solidFill>
+                <a:latin typeface="Liberation Mono" panose="02070409020205020404" pitchFamily="49" charset="0"/>
+                <a:cs typeface="Liberation Mono" panose="02070409020205020404" pitchFamily="49" charset="0"/>
+              </a:rPr>
+              <a:t> area() { return width*height;}</a:t>
+            </a:r>
+            <a:endParaRPr lang="lv-LV" sz="1400" dirty="0">
+              <a:solidFill>
+                <a:srgbClr val="0033CC"/>
+              </a:solidFill>
+              <a:latin typeface="Liberation Mono" panose="02070409020205020404" pitchFamily="49" charset="0"/>
+              <a:cs typeface="Liberation Mono" panose="02070409020205020404" pitchFamily="49" charset="0"/>
+            </a:endParaRPr>
+          </a:p>
+          <a:p>
+            <a:pPr marL="0" indent="0">
+              <a:buNone/>
+            </a:pPr>
+            <a:r>
+              <a:rPr lang="en-US" sz="1400" dirty="0" smtClean="0">
+                <a:solidFill>
+                  <a:srgbClr val="0033CC"/>
+                </a:solidFill>
+                <a:latin typeface="Liberation Mono" panose="02070409020205020404" pitchFamily="49" charset="0"/>
+                <a:cs typeface="Liberation Mono" panose="02070409020205020404" pitchFamily="49" charset="0"/>
+              </a:rPr>
+              <a:t>private</a:t>
+            </a:r>
+            <a:r>
+              <a:rPr lang="lv-LV" sz="1400" dirty="0" smtClean="0">
+                <a:solidFill>
+                  <a:srgbClr val="0033CC"/>
+                </a:solidFill>
+                <a:latin typeface="Liberation Mono" panose="02070409020205020404" pitchFamily="49" charset="0"/>
+                <a:cs typeface="Liberation Mono" panose="02070409020205020404" pitchFamily="49" charset="0"/>
+              </a:rPr>
+              <a:t>:</a:t>
+            </a:r>
+            <a:endParaRPr lang="lv-LV" sz="1400" dirty="0">
+              <a:solidFill>
+                <a:srgbClr val="0033CC"/>
+              </a:solidFill>
+              <a:latin typeface="Liberation Mono" panose="02070409020205020404" pitchFamily="49" charset="0"/>
+              <a:cs typeface="Liberation Mono" panose="02070409020205020404" pitchFamily="49" charset="0"/>
+            </a:endParaRPr>
+          </a:p>
+          <a:p>
+            <a:pPr marL="0" indent="0">
+              <a:buNone/>
+            </a:pPr>
+            <a:r>
+              <a:rPr lang="en-US" sz="1400" dirty="0" smtClean="0">
+                <a:solidFill>
+                  <a:srgbClr val="0033CC"/>
+                </a:solidFill>
+                <a:latin typeface="Liberation Mono" panose="02070409020205020404" pitchFamily="49" charset="0"/>
+                <a:cs typeface="Liberation Mono" panose="02070409020205020404" pitchFamily="49" charset="0"/>
+              </a:rPr>
+              <a:t>  </a:t>
+            </a:r>
+            <a:r>
+              <a:rPr lang="lv-LV" sz="1400" dirty="0" smtClean="0">
+                <a:solidFill>
+                  <a:srgbClr val="0033CC"/>
+                </a:solidFill>
+                <a:latin typeface="Liberation Mono" panose="02070409020205020404" pitchFamily="49" charset="0"/>
+                <a:cs typeface="Liberation Mono" panose="02070409020205020404" pitchFamily="49" charset="0"/>
+              </a:rPr>
+              <a:t>int </a:t>
+            </a:r>
+            <a:r>
+              <a:rPr lang="lv-LV" sz="1400" dirty="0">
+                <a:solidFill>
+                  <a:srgbClr val="0033CC"/>
+                </a:solidFill>
+                <a:latin typeface="Liberation Mono" panose="02070409020205020404" pitchFamily="49" charset="0"/>
+                <a:cs typeface="Liberation Mono" panose="02070409020205020404" pitchFamily="49" charset="0"/>
+              </a:rPr>
+              <a:t>width;</a:t>
+            </a:r>
+          </a:p>
+          <a:p>
+            <a:pPr marL="0" indent="0">
+              <a:buNone/>
+            </a:pPr>
+            <a:r>
+              <a:rPr lang="en-US" sz="1400" dirty="0" smtClean="0">
+                <a:solidFill>
+                  <a:srgbClr val="0033CC"/>
+                </a:solidFill>
+                <a:latin typeface="Liberation Mono" panose="02070409020205020404" pitchFamily="49" charset="0"/>
+                <a:cs typeface="Liberation Mono" panose="02070409020205020404" pitchFamily="49" charset="0"/>
+              </a:rPr>
+              <a:t>  </a:t>
+            </a:r>
+            <a:r>
+              <a:rPr lang="lv-LV" sz="1400" dirty="0" smtClean="0">
+                <a:solidFill>
+                  <a:srgbClr val="0033CC"/>
+                </a:solidFill>
+                <a:latin typeface="Liberation Mono" panose="02070409020205020404" pitchFamily="49" charset="0"/>
+                <a:cs typeface="Liberation Mono" panose="02070409020205020404" pitchFamily="49" charset="0"/>
+              </a:rPr>
+              <a:t>int </a:t>
+            </a:r>
+            <a:r>
+              <a:rPr lang="lv-LV" sz="1400" dirty="0">
+                <a:solidFill>
+                  <a:srgbClr val="0033CC"/>
+                </a:solidFill>
+                <a:latin typeface="Liberation Mono" panose="02070409020205020404" pitchFamily="49" charset="0"/>
+                <a:cs typeface="Liberation Mono" panose="02070409020205020404" pitchFamily="49" charset="0"/>
+              </a:rPr>
+              <a:t>height;</a:t>
+            </a:r>
+          </a:p>
+          <a:p>
+            <a:pPr marL="0" indent="0">
+              <a:buNone/>
+            </a:pPr>
+            <a:r>
+              <a:rPr lang="lv-LV" sz="1400" dirty="0" smtClean="0">
+                <a:solidFill>
+                  <a:srgbClr val="0033CC"/>
+                </a:solidFill>
+                <a:latin typeface="Liberation Mono" panose="02070409020205020404" pitchFamily="49" charset="0"/>
+                <a:cs typeface="Liberation Mono" panose="02070409020205020404" pitchFamily="49" charset="0"/>
+              </a:rPr>
+              <a:t>};</a:t>
+            </a:r>
+            <a:endParaRPr lang="en-US" sz="1400" dirty="0" smtClean="0">
+              <a:solidFill>
+                <a:srgbClr val="0033CC"/>
+              </a:solidFill>
+              <a:latin typeface="Liberation Mono" panose="02070409020205020404" pitchFamily="49" charset="0"/>
+              <a:cs typeface="Liberation Mono" panose="02070409020205020404" pitchFamily="49" charset="0"/>
+            </a:endParaRPr>
+          </a:p>
+          <a:p>
+            <a:pPr marL="0" indent="0">
+              <a:buNone/>
+            </a:pPr>
+            <a:r>
+              <a:rPr lang="en-US" sz="1400" dirty="0" smtClean="0">
+                <a:solidFill>
+                  <a:srgbClr val="0033CC"/>
+                </a:solidFill>
+                <a:latin typeface="Liberation Mono" panose="02070409020205020404" pitchFamily="49" charset="0"/>
+                <a:cs typeface="Liberation Mono" panose="02070409020205020404" pitchFamily="49" charset="0"/>
+              </a:rPr>
+              <a:t>class Square { </a:t>
+            </a:r>
+          </a:p>
+          <a:p>
+            <a:pPr marL="0" indent="0">
+              <a:buNone/>
+            </a:pPr>
+            <a:r>
+              <a:rPr lang="en-US" sz="1400" dirty="0" smtClean="0">
+                <a:solidFill>
+                  <a:srgbClr val="0033CC"/>
+                </a:solidFill>
+                <a:latin typeface="Liberation Mono" panose="02070409020205020404" pitchFamily="49" charset="0"/>
+                <a:cs typeface="Liberation Mono" panose="02070409020205020404" pitchFamily="49" charset="0"/>
+              </a:rPr>
+              <a:t>public:</a:t>
+            </a:r>
+          </a:p>
+          <a:p>
+            <a:pPr marL="0" indent="0">
+              <a:buNone/>
+            </a:pPr>
+            <a:r>
+              <a:rPr lang="en-US" sz="1400" dirty="0" smtClean="0">
+                <a:solidFill>
+                  <a:srgbClr val="0033CC"/>
+                </a:solidFill>
+                <a:latin typeface="Liberation Mono" panose="02070409020205020404" pitchFamily="49" charset="0"/>
+                <a:cs typeface="Liberation Mono" panose="02070409020205020404" pitchFamily="49" charset="0"/>
+              </a:rPr>
+              <a:t>  </a:t>
+            </a:r>
+            <a:r>
+              <a:rPr lang="lv-LV" sz="1400" dirty="0" smtClean="0">
+                <a:solidFill>
+                  <a:srgbClr val="0033CC"/>
+                </a:solidFill>
+                <a:latin typeface="Liberation Mono" panose="02070409020205020404" pitchFamily="49" charset="0"/>
+                <a:cs typeface="Liberation Mono" panose="02070409020205020404" pitchFamily="49" charset="0"/>
+              </a:rPr>
+              <a:t>void </a:t>
+            </a:r>
+            <a:r>
+              <a:rPr lang="lv-LV" sz="1400" dirty="0">
+                <a:solidFill>
+                  <a:srgbClr val="0033CC"/>
+                </a:solidFill>
+                <a:latin typeface="Liberation Mono" panose="02070409020205020404" pitchFamily="49" charset="0"/>
+                <a:cs typeface="Liberation Mono" panose="02070409020205020404" pitchFamily="49" charset="0"/>
+              </a:rPr>
+              <a:t>setWidth(int w) {</a:t>
+            </a:r>
+            <a:r>
+              <a:rPr lang="en-US" sz="1400" dirty="0">
+                <a:solidFill>
+                  <a:srgbClr val="0033CC"/>
+                </a:solidFill>
+                <a:latin typeface="Liberation Mono" panose="02070409020205020404" pitchFamily="49" charset="0"/>
+                <a:cs typeface="Liberation Mono" panose="02070409020205020404" pitchFamily="49" charset="0"/>
+              </a:rPr>
+              <a:t> </a:t>
+            </a:r>
+            <a:r>
+              <a:rPr lang="en-US" sz="1400" dirty="0" err="1" smtClean="0">
+                <a:solidFill>
+                  <a:srgbClr val="0033CC"/>
+                </a:solidFill>
+                <a:latin typeface="Liberation Mono" panose="02070409020205020404" pitchFamily="49" charset="0"/>
+                <a:cs typeface="Liberation Mono" panose="02070409020205020404" pitchFamily="49" charset="0"/>
+              </a:rPr>
+              <a:t>sz</a:t>
+            </a:r>
+            <a:r>
+              <a:rPr lang="en-US" sz="1400" dirty="0" smtClean="0">
+                <a:solidFill>
+                  <a:srgbClr val="0033CC"/>
+                </a:solidFill>
+                <a:latin typeface="Liberation Mono" panose="02070409020205020404" pitchFamily="49" charset="0"/>
+                <a:cs typeface="Liberation Mono" panose="02070409020205020404" pitchFamily="49" charset="0"/>
+              </a:rPr>
+              <a:t> = w</a:t>
+            </a:r>
+            <a:r>
+              <a:rPr lang="lv-LV" sz="1400" dirty="0" smtClean="0">
+                <a:solidFill>
+                  <a:srgbClr val="0033CC"/>
+                </a:solidFill>
+                <a:latin typeface="Liberation Mono" panose="02070409020205020404" pitchFamily="49" charset="0"/>
+                <a:cs typeface="Liberation Mono" panose="02070409020205020404" pitchFamily="49" charset="0"/>
+              </a:rPr>
+              <a:t>;}</a:t>
+            </a:r>
+            <a:endParaRPr lang="lv-LV" sz="1400" dirty="0">
+              <a:solidFill>
+                <a:srgbClr val="0033CC"/>
+              </a:solidFill>
+              <a:latin typeface="Liberation Mono" panose="02070409020205020404" pitchFamily="49" charset="0"/>
+              <a:cs typeface="Liberation Mono" panose="02070409020205020404" pitchFamily="49" charset="0"/>
+            </a:endParaRPr>
+          </a:p>
+          <a:p>
+            <a:pPr marL="0" indent="0">
+              <a:buNone/>
+            </a:pPr>
+            <a:r>
+              <a:rPr lang="en-US" sz="1400" dirty="0" smtClean="0">
+                <a:solidFill>
+                  <a:srgbClr val="0033CC"/>
+                </a:solidFill>
+                <a:latin typeface="Liberation Mono" panose="02070409020205020404" pitchFamily="49" charset="0"/>
+                <a:cs typeface="Liberation Mono" panose="02070409020205020404" pitchFamily="49" charset="0"/>
+              </a:rPr>
+              <a:t>  </a:t>
+            </a:r>
+            <a:r>
+              <a:rPr lang="lv-LV" sz="1400" dirty="0" smtClean="0">
+                <a:solidFill>
+                  <a:srgbClr val="0033CC"/>
+                </a:solidFill>
+                <a:latin typeface="Liberation Mono" panose="02070409020205020404" pitchFamily="49" charset="0"/>
+                <a:cs typeface="Liberation Mono" panose="02070409020205020404" pitchFamily="49" charset="0"/>
+              </a:rPr>
+              <a:t>void </a:t>
+            </a:r>
+            <a:r>
+              <a:rPr lang="lv-LV" sz="1400" dirty="0">
+                <a:solidFill>
+                  <a:srgbClr val="0033CC"/>
+                </a:solidFill>
+                <a:latin typeface="Liberation Mono" panose="02070409020205020404" pitchFamily="49" charset="0"/>
+                <a:cs typeface="Liberation Mono" panose="02070409020205020404" pitchFamily="49" charset="0"/>
+              </a:rPr>
+              <a:t>setHeight(int h) </a:t>
+            </a:r>
+            <a:r>
+              <a:rPr lang="lv-LV" sz="1400" dirty="0" smtClean="0">
+                <a:solidFill>
+                  <a:srgbClr val="0033CC"/>
+                </a:solidFill>
+                <a:latin typeface="Liberation Mono" panose="02070409020205020404" pitchFamily="49" charset="0"/>
+                <a:cs typeface="Liberation Mono" panose="02070409020205020404" pitchFamily="49" charset="0"/>
+              </a:rPr>
+              <a:t>{</a:t>
+            </a:r>
+            <a:r>
+              <a:rPr lang="en-US" sz="1400" dirty="0" smtClean="0">
+                <a:solidFill>
+                  <a:srgbClr val="0033CC"/>
+                </a:solidFill>
+                <a:latin typeface="Liberation Mono" panose="02070409020205020404" pitchFamily="49" charset="0"/>
+                <a:cs typeface="Liberation Mono" panose="02070409020205020404" pitchFamily="49" charset="0"/>
+              </a:rPr>
+              <a:t> </a:t>
+            </a:r>
+            <a:r>
+              <a:rPr lang="en-US" sz="1400" dirty="0" err="1" smtClean="0">
+                <a:solidFill>
+                  <a:srgbClr val="0033CC"/>
+                </a:solidFill>
+                <a:latin typeface="Liberation Mono" panose="02070409020205020404" pitchFamily="49" charset="0"/>
+                <a:cs typeface="Liberation Mono" panose="02070409020205020404" pitchFamily="49" charset="0"/>
+              </a:rPr>
+              <a:t>sz</a:t>
+            </a:r>
+            <a:r>
+              <a:rPr lang="en-US" sz="1400" dirty="0" smtClean="0">
+                <a:solidFill>
+                  <a:srgbClr val="0033CC"/>
+                </a:solidFill>
+                <a:latin typeface="Liberation Mono" panose="02070409020205020404" pitchFamily="49" charset="0"/>
+                <a:cs typeface="Liberation Mono" panose="02070409020205020404" pitchFamily="49" charset="0"/>
+              </a:rPr>
+              <a:t> = w</a:t>
+            </a:r>
+            <a:r>
+              <a:rPr lang="lv-LV" sz="1400" dirty="0" smtClean="0">
+                <a:solidFill>
+                  <a:srgbClr val="0033CC"/>
+                </a:solidFill>
+                <a:latin typeface="Liberation Mono" panose="02070409020205020404" pitchFamily="49" charset="0"/>
+                <a:cs typeface="Liberation Mono" panose="02070409020205020404" pitchFamily="49" charset="0"/>
+              </a:rPr>
+              <a:t>;}</a:t>
+            </a:r>
+            <a:endParaRPr lang="en-US" sz="1400" dirty="0" smtClean="0">
+              <a:solidFill>
+                <a:srgbClr val="0033CC"/>
+              </a:solidFill>
+              <a:latin typeface="Liberation Mono" panose="02070409020205020404" pitchFamily="49" charset="0"/>
+              <a:cs typeface="Liberation Mono" panose="02070409020205020404" pitchFamily="49" charset="0"/>
+            </a:endParaRPr>
+          </a:p>
+          <a:p>
+            <a:pPr marL="0" indent="0">
+              <a:buNone/>
+            </a:pPr>
+            <a:r>
+              <a:rPr lang="en-US" sz="1400" dirty="0">
+                <a:solidFill>
+                  <a:srgbClr val="0033CC"/>
+                </a:solidFill>
+                <a:latin typeface="Liberation Mono" panose="02070409020205020404" pitchFamily="49" charset="0"/>
+                <a:cs typeface="Liberation Mono" panose="02070409020205020404" pitchFamily="49" charset="0"/>
+              </a:rPr>
+              <a:t> </a:t>
+            </a:r>
+            <a:r>
+              <a:rPr lang="en-US" sz="1400" dirty="0" smtClean="0">
+                <a:solidFill>
+                  <a:srgbClr val="0033CC"/>
+                </a:solidFill>
+                <a:latin typeface="Liberation Mono" panose="02070409020205020404" pitchFamily="49" charset="0"/>
+                <a:cs typeface="Liberation Mono" panose="02070409020205020404" pitchFamily="49" charset="0"/>
+              </a:rPr>
+              <a:t> </a:t>
+            </a:r>
+            <a:endParaRPr lang="en-US" sz="1400" dirty="0">
+              <a:solidFill>
+                <a:srgbClr val="0033CC"/>
+              </a:solidFill>
+              <a:latin typeface="Liberation Mono" panose="02070409020205020404" pitchFamily="49" charset="0"/>
+              <a:cs typeface="Liberation Mono" panose="02070409020205020404" pitchFamily="49" charset="0"/>
+            </a:endParaRPr>
+          </a:p>
+          <a:p>
+            <a:pPr marL="0" indent="0">
+              <a:buNone/>
+            </a:pPr>
+            <a:endParaRPr lang="lv-LV" sz="1400" dirty="0">
+              <a:solidFill>
+                <a:srgbClr val="0033CC"/>
+              </a:solidFill>
+              <a:latin typeface="Liberation Mono" panose="02070409020205020404" pitchFamily="49" charset="0"/>
+              <a:cs typeface="Liberation Mono" panose="02070409020205020404" pitchFamily="49" charset="0"/>
+            </a:endParaRPr>
           </a:p>
         </p:txBody>
       </p:sp>
       <p:sp>
         <p:nvSpPr>
-          <p:cNvPr id="4" name="Slide Number Placeholder 5"/>
+          <p:cNvPr id="4" name="Content Placeholder 3"/>
           <p:cNvSpPr>
             <a:spLocks noGrp="1"/>
           </p:cNvSpPr>
           <p:nvPr>
-            <p:ph type="sldNum" sz="quarter" idx="12"/>
+            <p:ph sz="half" idx="2"/>
           </p:nvPr>
         </p:nvSpPr>
-        <p:spPr/>
+        <p:spPr>
+          <a:xfrm>
+            <a:off x="6400800" y="4495800"/>
+            <a:ext cx="5181600" cy="1371600"/>
+          </a:xfrm>
+        </p:spPr>
         <p:txBody>
           <a:bodyPr/>
-          <a:lstStyle>
-            <a:lvl1pPr eaLnBrk="0" hangingPunct="0">
-              <a:spcBef>
-                <a:spcPct val="20000"/>
-              </a:spcBef>
-              <a:buClr>
-                <a:schemeClr val="hlink"/>
-              </a:buClr>
-              <a:buSzPct val="65000"/>
-              <a:buFont typeface="Wingdings" panose="05000000000000000000" pitchFamily="2" charset="2"/>
-              <a:buChar char="n"/>
-              <a:defRPr sz="3200">
-                <a:solidFill>
-                  <a:schemeClr val="tx1"/>
-                </a:solidFill>
-                <a:latin typeface="Times New Roman" panose="02020603050405020304" pitchFamily="18" charset="0"/>
-                <a:ea typeface="MS PGothic" panose="020B0600070205080204" pitchFamily="34" charset="-128"/>
-                <a:cs typeface="Times New Roman" panose="02020603050405020304" pitchFamily="18" charset="0"/>
-              </a:defRPr>
-            </a:lvl1pPr>
-            <a:lvl2pPr marL="742950" indent="-285750" eaLnBrk="0" hangingPunct="0">
-              <a:spcBef>
-                <a:spcPct val="20000"/>
-              </a:spcBef>
-              <a:buClr>
-                <a:schemeClr val="folHlink"/>
-              </a:buClr>
-              <a:buSzPct val="65000"/>
-              <a:buFont typeface="Wingdings" panose="05000000000000000000" pitchFamily="2" charset="2"/>
-              <a:buChar char="n"/>
-              <a:defRPr sz="2800">
-                <a:solidFill>
-                  <a:schemeClr val="tx1"/>
-                </a:solidFill>
-                <a:latin typeface="Times New Roman" panose="02020603050405020304" pitchFamily="18" charset="0"/>
-                <a:ea typeface="Times New Roman" panose="02020603050405020304" pitchFamily="18" charset="0"/>
-                <a:cs typeface="Times New Roman" panose="02020603050405020304" pitchFamily="18" charset="0"/>
-              </a:defRPr>
-            </a:lvl2pPr>
-            <a:lvl3pPr marL="1143000" indent="-228600" eaLnBrk="0" hangingPunct="0">
-              <a:spcBef>
-                <a:spcPct val="20000"/>
-              </a:spcBef>
-              <a:buClr>
-                <a:schemeClr val="hlink"/>
-              </a:buClr>
-              <a:buSzPct val="65000"/>
-              <a:buFont typeface="Wingdings" panose="05000000000000000000" pitchFamily="2" charset="2"/>
-              <a:buChar char="n"/>
-              <a:defRPr sz="2400">
-                <a:solidFill>
-                  <a:schemeClr val="tx1"/>
-                </a:solidFill>
-                <a:latin typeface="Times New Roman" panose="02020603050405020304" pitchFamily="18" charset="0"/>
-                <a:ea typeface="Times New Roman" panose="02020603050405020304" pitchFamily="18" charset="0"/>
-                <a:cs typeface="Times New Roman" panose="02020603050405020304" pitchFamily="18" charset="0"/>
-              </a:defRPr>
-            </a:lvl3pPr>
-            <a:lvl4pPr marL="1600200" indent="-228600" eaLnBrk="0" hangingPunct="0">
-              <a:spcBef>
-                <a:spcPct val="20000"/>
-              </a:spcBef>
-              <a:buClr>
-                <a:schemeClr val="folHlink"/>
-              </a:buClr>
-              <a:buSzPct val="65000"/>
-              <a:buFont typeface="Wingdings" panose="05000000000000000000" pitchFamily="2" charset="2"/>
-              <a:buChar char="n"/>
-              <a:defRPr sz="2000">
-                <a:solidFill>
-                  <a:schemeClr val="tx1"/>
-                </a:solidFill>
-                <a:latin typeface="Times New Roman" panose="02020603050405020304" pitchFamily="18" charset="0"/>
-                <a:ea typeface="Times New Roman" panose="02020603050405020304" pitchFamily="18" charset="0"/>
-                <a:cs typeface="Times New Roman" panose="02020603050405020304" pitchFamily="18" charset="0"/>
-              </a:defRPr>
-            </a:lvl4pPr>
-            <a:lvl5pPr marL="2057400" indent="-228600" eaLnBrk="0" hangingPunct="0">
-              <a:spcBef>
-                <a:spcPct val="20000"/>
-              </a:spcBef>
-              <a:buClr>
-                <a:schemeClr val="hlink"/>
-              </a:buClr>
-              <a:buSzPct val="65000"/>
-              <a:buFont typeface="Wingdings" panose="05000000000000000000" pitchFamily="2" charset="2"/>
-              <a:buChar char="n"/>
-              <a:defRPr sz="2000">
-                <a:solidFill>
-                  <a:schemeClr val="tx1"/>
-                </a:solidFill>
-                <a:latin typeface="Times New Roman" panose="02020603050405020304" pitchFamily="18" charset="0"/>
-                <a:ea typeface="Times New Roman" panose="02020603050405020304" pitchFamily="18" charset="0"/>
-                <a:cs typeface="Times New Roman" panose="02020603050405020304" pitchFamily="18" charset="0"/>
-              </a:defRPr>
-            </a:lvl5pPr>
-            <a:lvl6pPr marL="2514600" indent="-228600" eaLnBrk="0" fontAlgn="base" hangingPunct="0">
-              <a:spcBef>
-                <a:spcPct val="20000"/>
-              </a:spcBef>
-              <a:spcAft>
-                <a:spcPct val="0"/>
-              </a:spcAft>
-              <a:buClr>
-                <a:schemeClr val="hlink"/>
-              </a:buClr>
-              <a:buSzPct val="65000"/>
-              <a:buFont typeface="Wingdings" panose="05000000000000000000" pitchFamily="2" charset="2"/>
-              <a:buChar char="n"/>
-              <a:defRPr sz="2000">
-                <a:solidFill>
-                  <a:schemeClr val="tx1"/>
-                </a:solidFill>
-                <a:latin typeface="Times New Roman" panose="02020603050405020304" pitchFamily="18" charset="0"/>
-                <a:ea typeface="Times New Roman" panose="02020603050405020304" pitchFamily="18" charset="0"/>
-                <a:cs typeface="Times New Roman" panose="02020603050405020304" pitchFamily="18" charset="0"/>
-              </a:defRPr>
-            </a:lvl6pPr>
-            <a:lvl7pPr marL="2971800" indent="-228600" eaLnBrk="0" fontAlgn="base" hangingPunct="0">
-              <a:spcBef>
-                <a:spcPct val="20000"/>
-              </a:spcBef>
-              <a:spcAft>
-                <a:spcPct val="0"/>
-              </a:spcAft>
-              <a:buClr>
-                <a:schemeClr val="hlink"/>
-              </a:buClr>
-              <a:buSzPct val="65000"/>
-              <a:buFont typeface="Wingdings" panose="05000000000000000000" pitchFamily="2" charset="2"/>
-              <a:buChar char="n"/>
-              <a:defRPr sz="2000">
-                <a:solidFill>
-                  <a:schemeClr val="tx1"/>
-                </a:solidFill>
-                <a:latin typeface="Times New Roman" panose="02020603050405020304" pitchFamily="18" charset="0"/>
-                <a:ea typeface="Times New Roman" panose="02020603050405020304" pitchFamily="18" charset="0"/>
-                <a:cs typeface="Times New Roman" panose="02020603050405020304" pitchFamily="18" charset="0"/>
-              </a:defRPr>
-            </a:lvl7pPr>
-            <a:lvl8pPr marL="3429000" indent="-228600" eaLnBrk="0" fontAlgn="base" hangingPunct="0">
-              <a:spcBef>
-                <a:spcPct val="20000"/>
-              </a:spcBef>
-              <a:spcAft>
-                <a:spcPct val="0"/>
-              </a:spcAft>
-              <a:buClr>
-                <a:schemeClr val="hlink"/>
-              </a:buClr>
-              <a:buSzPct val="65000"/>
-              <a:buFont typeface="Wingdings" panose="05000000000000000000" pitchFamily="2" charset="2"/>
-              <a:buChar char="n"/>
-              <a:defRPr sz="2000">
-                <a:solidFill>
-                  <a:schemeClr val="tx1"/>
-                </a:solidFill>
-                <a:latin typeface="Times New Roman" panose="02020603050405020304" pitchFamily="18" charset="0"/>
-                <a:ea typeface="Times New Roman" panose="02020603050405020304" pitchFamily="18" charset="0"/>
-                <a:cs typeface="Times New Roman" panose="02020603050405020304" pitchFamily="18" charset="0"/>
-              </a:defRPr>
-            </a:lvl8pPr>
-            <a:lvl9pPr marL="3886200" indent="-228600" eaLnBrk="0" fontAlgn="base" hangingPunct="0">
-              <a:spcBef>
-                <a:spcPct val="20000"/>
-              </a:spcBef>
-              <a:spcAft>
-                <a:spcPct val="0"/>
-              </a:spcAft>
-              <a:buClr>
-                <a:schemeClr val="hlink"/>
-              </a:buClr>
-              <a:buSzPct val="65000"/>
-              <a:buFont typeface="Wingdings" panose="05000000000000000000" pitchFamily="2" charset="2"/>
-              <a:buChar char="n"/>
-              <a:defRPr sz="2000">
-                <a:solidFill>
-                  <a:schemeClr val="tx1"/>
-                </a:solidFill>
-                <a:latin typeface="Times New Roman" panose="02020603050405020304" pitchFamily="18" charset="0"/>
-                <a:ea typeface="Times New Roman" panose="02020603050405020304" pitchFamily="18" charset="0"/>
-                <a:cs typeface="Times New Roman" panose="02020603050405020304" pitchFamily="18" charset="0"/>
-              </a:defRPr>
-            </a:lvl9pPr>
-          </a:lstStyle>
-          <a:p>
-            <a:pPr eaLnBrk="1" hangingPunct="1">
-              <a:spcBef>
-                <a:spcPct val="0"/>
-              </a:spcBef>
-              <a:buClrTx/>
-              <a:buSzTx/>
-              <a:buFontTx/>
-              <a:buNone/>
-              <a:defRPr/>
-            </a:pPr>
-            <a:fld id="{7E59EDF3-9A71-4C17-B99E-7A772B17692E}" type="slidenum">
-              <a:rPr lang="en-US" altLang="en-US" sz="1400">
-                <a:latin typeface="Arial" panose="020B0604020202020204" pitchFamily="34" charset="0"/>
-              </a:rPr>
-              <a:pPr eaLnBrk="1" hangingPunct="1">
-                <a:spcBef>
-                  <a:spcPct val="0"/>
-                </a:spcBef>
-                <a:buClrTx/>
-                <a:buSzTx/>
-                <a:buFontTx/>
-                <a:buNone/>
-                <a:defRPr/>
-              </a:pPr>
-              <a:t>28</a:t>
-            </a:fld>
-            <a:endParaRPr lang="en-US" altLang="en-US" sz="1400">
-              <a:latin typeface="Arial" panose="020B0604020202020204" pitchFamily="34" charset="0"/>
-            </a:endParaRPr>
+          <a:lstStyle/>
+          <a:p>
+            <a:r>
+              <a:rPr lang="en-US" dirty="0" smtClean="0"/>
+              <a:t>Should not confuse "subset" relation with "subclass" relation. </a:t>
+            </a:r>
+          </a:p>
+          <a:p>
+            <a:r>
+              <a:rPr lang="en-US" dirty="0" smtClean="0"/>
+              <a:t>Squares cannot inherit useful behaviors from Rectangles</a:t>
+            </a:r>
+            <a:endParaRPr lang="lv-LV" dirty="0"/>
           </a:p>
         </p:txBody>
       </p:sp>
+      <p:pic>
+        <p:nvPicPr>
+          <p:cNvPr id="5" name="Content Placeholder 5"/>
+          <p:cNvPicPr>
+            <a:picLocks noChangeAspect="1"/>
+          </p:cNvPicPr>
+          <p:nvPr/>
+        </p:nvPicPr>
+        <p:blipFill>
+          <a:blip r:embed="rId3">
+            <a:extLst>
+              <a:ext uri="{28A0092B-C50C-407E-A947-70E740481C1C}">
+                <a14:useLocalDpi xmlns:a14="http://schemas.microsoft.com/office/drawing/2010/main" val="0"/>
+              </a:ext>
+            </a:extLst>
+          </a:blip>
+          <a:stretch>
+            <a:fillRect/>
+          </a:stretch>
+        </p:blipFill>
+        <p:spPr bwMode="auto">
+          <a:xfrm>
+            <a:off x="8595807" y="1549121"/>
+            <a:ext cx="2749061" cy="3048000"/>
+          </a:xfrm>
+          <a:prstGeom prst="rect">
+            <a:avLst/>
+          </a:prstGeom>
+          <a:noFill/>
+          <a:ln>
+            <a:noFill/>
+          </a:ln>
+          <a:effectLst/>
+          <a:extLst>
+            <a:ext uri="{909E8E84-426E-40DD-AFC4-6F175D3DCCD1}">
+              <a14:hiddenFill xmlns:a14="http://schemas.microsoft.com/office/drawing/2010/main">
+                <a:solidFill>
+                  <a:schemeClr val="accent1"/>
+                </a:solidFill>
+              </a14:hiddenFill>
+            </a:ext>
+            <a:ext uri="{91240B29-F687-4F45-9708-019B960494DF}">
+              <a14:hiddenLine xmlns:a14="http://schemas.microsoft.com/office/drawing/2010/main" w="9525">
+                <a:solidFill>
+                  <a:schemeClr val="tx1"/>
+                </a:solidFill>
+                <a:miter lim="800000"/>
+                <a:headEnd/>
+                <a:tailEnd/>
+              </a14:hiddenLine>
+            </a:ext>
+            <a:ext uri="{AF507438-7753-43E0-B8FC-AC1667EBCBE1}">
+              <a14:hiddenEffects xmlns:a14="http://schemas.microsoft.com/office/drawing/2010/main">
+                <a:effectLst>
+                  <a:outerShdw dist="35921" dir="2700000" algn="ctr" rotWithShape="0">
+                    <a:schemeClr val="bg2"/>
+                  </a:outerShdw>
+                </a:effectLst>
+              </a14:hiddenEffects>
+            </a:ext>
+          </a:extLst>
+        </p:spPr>
+      </p:pic>
     </p:spTree>
     <p:extLst>
       <p:ext uri="{BB962C8B-B14F-4D97-AF65-F5344CB8AC3E}">
-        <p14:creationId xmlns:p14="http://schemas.microsoft.com/office/powerpoint/2010/main" val="2859391777"/>
+        <p14:creationId xmlns:p14="http://schemas.microsoft.com/office/powerpoint/2010/main" val="2748485914"/>
       </p:ext>
     </p:extLst>
   </p:cSld>
@@ -26952,13 +27408,6 @@
   <p:transition spd="slow">
     <p:wipe/>
   </p:transition>
-  <p:timing>
-    <p:tnLst>
-      <p:par>
-        <p:cTn id="1" dur="indefinite" restart="never" nodeType="tmRoot"/>
-      </p:par>
-    </p:tnLst>
-  </p:timing>
 </p:sld>
 </file>
 
@@ -26981,7 +27430,7 @@
       </p:grpSpPr>
       <p:sp>
         <p:nvSpPr>
-          <p:cNvPr id="24578" name="Rectangle 2"/>
+          <p:cNvPr id="20482" name="Rectangle 2"/>
           <p:cNvSpPr>
             <a:spLocks noGrp="1" noChangeArrowheads="1"/>
           </p:cNvSpPr>
@@ -26998,20 +27447,15 @@
               <a:defRPr/>
             </a:pPr>
             <a:r>
-              <a:rPr lang="en-US" altLang="en-US" dirty="0" smtClean="0"/>
-              <a:t>Interfaces and </a:t>
-            </a:r>
-            <a:r>
-              <a:rPr lang="en-US" altLang="ja-JP" dirty="0" smtClean="0"/>
-              <a:t>“helper functions”</a:t>
-            </a:r>
-            <a:endParaRPr lang="en-US" altLang="en-US" dirty="0" smtClean="0"/>
+              <a:rPr lang="en-US" altLang="en-US" smtClean="0"/>
+              <a:t>Classes</a:t>
+            </a:r>
           </a:p>
         </p:txBody>
       </p:sp>
       <p:sp>
         <p:nvSpPr>
-          <p:cNvPr id="24579" name="Rectangle 3"/>
+          <p:cNvPr id="20483" name="Rectangle 3"/>
           <p:cNvSpPr>
             <a:spLocks noGrp="1" noChangeArrowheads="1"/>
           </p:cNvSpPr>
@@ -27025,129 +27469,117 @@
           <a:lstStyle/>
           <a:p>
             <a:pPr eaLnBrk="1" hangingPunct="1">
-              <a:lnSpc>
-                <a:spcPct val="90000"/>
-              </a:lnSpc>
-              <a:defRPr/>
-            </a:pPr>
-            <a:r>
-              <a:rPr lang="en-US" altLang="en-US" sz="2800" dirty="0"/>
-              <a:t>Keep a class interface (the set of public functions) minimal</a:t>
+              <a:defRPr/>
+            </a:pPr>
+            <a:r>
+              <a:rPr lang="en-US" altLang="en-US" dirty="0" smtClean="0"/>
+              <a:t>What makes a good interface?</a:t>
             </a:r>
           </a:p>
           <a:p>
             <a:pPr lvl="1" eaLnBrk="1" hangingPunct="1">
-              <a:lnSpc>
-                <a:spcPct val="90000"/>
-              </a:lnSpc>
-              <a:defRPr/>
-            </a:pPr>
-            <a:r>
-              <a:rPr lang="en-US" altLang="en-US" sz="2000" dirty="0">
+              <a:defRPr/>
+            </a:pPr>
+            <a:r>
+              <a:rPr lang="en-US" altLang="en-US" dirty="0" smtClean="0">
                 <a:ea typeface="Times New Roman" pitchFamily="18" charset="0"/>
               </a:rPr>
-              <a:t>Simplifies understanding</a:t>
+              <a:t>Minimal</a:t>
+            </a:r>
+          </a:p>
+          <a:p>
+            <a:pPr lvl="2" eaLnBrk="1" hangingPunct="1">
+              <a:defRPr/>
+            </a:pPr>
+            <a:r>
+              <a:rPr lang="en-US" altLang="en-US" dirty="0" smtClean="0">
+                <a:ea typeface="Times New Roman" pitchFamily="18" charset="0"/>
+              </a:rPr>
+              <a:t>As small as possible</a:t>
             </a:r>
           </a:p>
           <a:p>
             <a:pPr lvl="1" eaLnBrk="1" hangingPunct="1">
-              <a:lnSpc>
-                <a:spcPct val="90000"/>
-              </a:lnSpc>
-              <a:defRPr/>
-            </a:pPr>
-            <a:r>
-              <a:rPr lang="en-US" altLang="en-US" sz="2000" dirty="0">
+              <a:defRPr/>
+            </a:pPr>
+            <a:r>
+              <a:rPr lang="en-US" altLang="en-US" dirty="0" smtClean="0">
                 <a:ea typeface="Times New Roman" pitchFamily="18" charset="0"/>
               </a:rPr>
-              <a:t>Simplifies debugging</a:t>
+              <a:t>Complete</a:t>
+            </a:r>
+          </a:p>
+          <a:p>
+            <a:pPr lvl="2" eaLnBrk="1" hangingPunct="1">
+              <a:defRPr/>
+            </a:pPr>
+            <a:r>
+              <a:rPr lang="en-US" altLang="en-US" dirty="0" smtClean="0">
+                <a:ea typeface="Times New Roman" pitchFamily="18" charset="0"/>
+              </a:rPr>
+              <a:t>And no smaller</a:t>
             </a:r>
           </a:p>
           <a:p>
             <a:pPr lvl="1" eaLnBrk="1" hangingPunct="1">
-              <a:lnSpc>
-                <a:spcPct val="90000"/>
-              </a:lnSpc>
-              <a:defRPr/>
-            </a:pPr>
-            <a:r>
-              <a:rPr lang="en-US" altLang="en-US" sz="2000" dirty="0">
+              <a:defRPr/>
+            </a:pPr>
+            <a:r>
+              <a:rPr lang="en-US" altLang="en-US" dirty="0" smtClean="0">
                 <a:ea typeface="Times New Roman" pitchFamily="18" charset="0"/>
               </a:rPr>
-              <a:t>Simplifies maintenance</a:t>
+              <a:t>Type safe</a:t>
+            </a:r>
+          </a:p>
+          <a:p>
+            <a:pPr lvl="2" eaLnBrk="1" hangingPunct="1">
+              <a:defRPr/>
+            </a:pPr>
+            <a:r>
+              <a:rPr lang="en-US" altLang="en-US" dirty="0" smtClean="0">
+                <a:ea typeface="Times New Roman" pitchFamily="18" charset="0"/>
+              </a:rPr>
+              <a:t>Beware of confusing argument orders</a:t>
+            </a:r>
+          </a:p>
+          <a:p>
+            <a:pPr lvl="2" eaLnBrk="1" hangingPunct="1">
+              <a:defRPr/>
+            </a:pPr>
+            <a:r>
+              <a:rPr lang="en-US" altLang="en-US" dirty="0" smtClean="0">
+                <a:ea typeface="Times New Roman" pitchFamily="18" charset="0"/>
+              </a:rPr>
+              <a:t>Beware of over-general types (e.g., </a:t>
+            </a:r>
+            <a:r>
+              <a:rPr lang="en-US" altLang="en-US" dirty="0" err="1" smtClean="0">
+                <a:ea typeface="Times New Roman" pitchFamily="18" charset="0"/>
+              </a:rPr>
+              <a:t>int</a:t>
+            </a:r>
+            <a:r>
+              <a:rPr lang="en-US" altLang="en-US" dirty="0" smtClean="0">
+                <a:ea typeface="Times New Roman" pitchFamily="18" charset="0"/>
+              </a:rPr>
+              <a:t> to represent a month)</a:t>
             </a:r>
           </a:p>
           <a:p>
             <a:pPr lvl="1" eaLnBrk="1" hangingPunct="1">
-              <a:lnSpc>
-                <a:spcPct val="90000"/>
-              </a:lnSpc>
-              <a:defRPr/>
-            </a:pPr>
-            <a:endParaRPr lang="en-US" altLang="en-US" sz="2000" dirty="0">
-              <a:ea typeface="Times New Roman" pitchFamily="18" charset="0"/>
-            </a:endParaRPr>
-          </a:p>
-          <a:p>
-            <a:pPr eaLnBrk="1" hangingPunct="1">
-              <a:lnSpc>
-                <a:spcPct val="90000"/>
-              </a:lnSpc>
-              <a:defRPr/>
-            </a:pPr>
-            <a:r>
-              <a:rPr lang="en-US" altLang="en-US" sz="2800" dirty="0"/>
-              <a:t>When we keep the class interface simple and minimal, we need extra </a:t>
-            </a:r>
-            <a:r>
-              <a:rPr lang="en-US" altLang="ja-JP" sz="2800" dirty="0"/>
-              <a:t>“helper functions” outside the class (non-member functions)</a:t>
-            </a:r>
-          </a:p>
-          <a:p>
-            <a:pPr lvl="1" eaLnBrk="1" hangingPunct="1">
-              <a:lnSpc>
-                <a:spcPct val="90000"/>
-              </a:lnSpc>
-              <a:defRPr/>
-            </a:pPr>
-            <a:r>
-              <a:rPr lang="en-US" altLang="en-US" sz="2000" dirty="0">
+              <a:defRPr/>
+            </a:pPr>
+            <a:r>
+              <a:rPr lang="en-US" altLang="en-US" dirty="0" err="1" smtClean="0">
                 <a:ea typeface="Times New Roman" pitchFamily="18" charset="0"/>
               </a:rPr>
-              <a:t>E.g. == (equality) , != (inequality)</a:t>
-            </a:r>
-          </a:p>
-          <a:p>
-            <a:pPr lvl="1" eaLnBrk="1" hangingPunct="1">
-              <a:lnSpc>
-                <a:spcPct val="90000"/>
-              </a:lnSpc>
-              <a:defRPr/>
-            </a:pPr>
-            <a:r>
-              <a:rPr lang="en-US" altLang="en-US" sz="2000" b="1" dirty="0" err="1">
+              <a:t>Const</a:t>
+            </a:r>
+            <a:r>
+              <a:rPr lang="en-US" altLang="en-US" dirty="0" smtClean="0">
                 <a:ea typeface="Times New Roman" pitchFamily="18" charset="0"/>
               </a:rPr>
-              <a:t>next_weekday</a:t>
-            </a:r>
-            <a:r>
-              <a:rPr lang="en-US" altLang="en-US" sz="2000" b="1" dirty="0">
-                <a:ea typeface="Times New Roman" pitchFamily="18" charset="0"/>
-              </a:rPr>
-              <a:t>(), </a:t>
-            </a:r>
-            <a:r>
-              <a:rPr lang="en-US" altLang="en-US" sz="2000" b="1" dirty="0" err="1">
-                <a:ea typeface="Times New Roman" pitchFamily="18" charset="0"/>
-              </a:rPr>
-              <a:t>next_Sunday</a:t>
-            </a:r>
-            <a:r>
-              <a:rPr lang="en-US" altLang="en-US" sz="2000" b="1" dirty="0">
-                <a:ea typeface="Times New Roman" pitchFamily="18" charset="0"/>
-              </a:rPr>
-              <a:t>()</a:t>
+              <a:t> correct</a:t>
             </a:r>
           </a:p>
         </p:txBody>
@@ -27361,7 +27793,7 @@
               <a:buNone/>
               <a:defRPr/>
             </a:pPr>
-            <a:fld id="{060E59C2-9143-4657-8F9A-8D2443F64FB6}" type="slidenum">
+            <a:fld id="{C3D0994F-4BC5-43F1-9A3E-57FDC8CAAD3C}" type="slidenum">
               <a:rPr lang="en-US" altLang="en-US" sz="1400">
                 <a:latin typeface="Arial" panose="020B0604020202020204" pitchFamily="34" charset="0"/>
               </a:rPr>
@@ -27386,7 +27818,7 @@
     </p:spTree>
     <p:extLst>
       <p:ext uri="{BB962C8B-B14F-4D97-AF65-F5344CB8AC3E}">
-        <p14:creationId xmlns:p14="http://schemas.microsoft.com/office/powerpoint/2010/main" val="28259984"/>
+        <p14:creationId xmlns:p14="http://schemas.microsoft.com/office/powerpoint/2010/main" val="1652437799"/>
       </p:ext>
     </p:extLst>
   </p:cSld>
@@ -27536,7 +27968,7 @@
       </p:grpSpPr>
       <p:sp>
         <p:nvSpPr>
-          <p:cNvPr id="28674" name="Rectangle 2"/>
+          <p:cNvPr id="21506" name="Rectangle 2"/>
           <p:cNvSpPr>
             <a:spLocks noGrp="1" noChangeArrowheads="1"/>
           </p:cNvSpPr>
@@ -27554,14 +27986,14 @@
             </a:pPr>
             <a:r>
               <a:rPr lang="en-US" altLang="en-US" smtClean="0"/>
-              <a:t>Helper functions</a:t>
+              <a:t>Classes</a:t>
             </a:r>
           </a:p>
         </p:txBody>
       </p:sp>
       <p:sp>
         <p:nvSpPr>
-          <p:cNvPr id="28675" name="Rectangle 3"/>
+          <p:cNvPr id="21507" name="Rectangle 3"/>
           <p:cNvSpPr>
             <a:spLocks noGrp="1" noChangeArrowheads="1"/>
           </p:cNvSpPr>
@@ -27578,29 +28010,71 @@
               <a:lnSpc>
                 <a:spcPct val="90000"/>
               </a:lnSpc>
-              <a:buFontTx/>
-              <a:buNone/>
-              <a:defRPr/>
-            </a:pPr>
-            <a:r>
-              <a:rPr lang="en-US" altLang="en-US" sz="2000" b="1" dirty="0"/>
-              <a:t>Date </a:t>
-            </a:r>
-            <a:r>
-              <a:rPr lang="en-US" altLang="en-US" sz="2000" b="1" dirty="0" err="1"/>
-              <a:t>next_Sunday</a:t>
-            </a:r>
-            <a:r>
-              <a:rPr lang="en-US" altLang="en-US" sz="2000" b="1" dirty="0"/>
-              <a:t>(</a:t>
-            </a:r>
-            <a:r>
-              <a:rPr lang="en-US" altLang="en-US" sz="2000" b="1" dirty="0" err="1"/>
-              <a:t>const</a:t>
-            </a:r>
-            <a:r>
-              <a:rPr lang="en-US" altLang="en-US" sz="2000" b="1" dirty="0"/>
-              <a:t> Date&amp; d)</a:t>
+              <a:defRPr/>
+            </a:pPr>
+            <a:r>
+              <a:rPr lang="en-US" sz="2800" dirty="0"/>
+              <a:t>Essential operations</a:t>
+            </a:r>
+          </a:p>
+          <a:p>
+            <a:pPr lvl="1" eaLnBrk="1" hangingPunct="1">
+              <a:lnSpc>
+                <a:spcPct val="90000"/>
+              </a:lnSpc>
+              <a:defRPr/>
+            </a:pPr>
+            <a:r>
+              <a:rPr lang="en-US" dirty="0"/>
+              <a:t>Default constructor (defaults to: nothing)</a:t>
+            </a:r>
+          </a:p>
+          <a:p>
+            <a:pPr lvl="2" eaLnBrk="1" hangingPunct="1">
+              <a:lnSpc>
+                <a:spcPct val="90000"/>
+              </a:lnSpc>
+              <a:defRPr/>
+            </a:pPr>
+            <a:r>
+              <a:rPr lang="en-US" sz="2000" dirty="0"/>
+              <a:t>No default if any other constructor is declared</a:t>
+            </a:r>
+          </a:p>
+          <a:p>
+            <a:pPr lvl="1" eaLnBrk="1" hangingPunct="1">
+              <a:lnSpc>
+                <a:spcPct val="90000"/>
+              </a:lnSpc>
+              <a:defRPr/>
+            </a:pPr>
+            <a:r>
+              <a:rPr lang="en-US" dirty="0"/>
+              <a:t>Copy constructor (defaults to: copy the member)</a:t>
+            </a:r>
+          </a:p>
+          <a:p>
+            <a:pPr lvl="1" eaLnBrk="1" hangingPunct="1">
+              <a:lnSpc>
+                <a:spcPct val="90000"/>
+              </a:lnSpc>
+              <a:defRPr/>
+            </a:pPr>
+            <a:r>
+              <a:rPr lang="en-US" dirty="0"/>
+              <a:t>Copy assignment (defaults to: copy the members)</a:t>
+            </a:r>
+          </a:p>
+          <a:p>
+            <a:pPr lvl="1" eaLnBrk="1" hangingPunct="1">
+              <a:lnSpc>
+                <a:spcPct val="90000"/>
+              </a:lnSpc>
+              <a:defRPr/>
+            </a:pPr>
+            <a:r>
+              <a:rPr lang="en-US" dirty="0"/>
+              <a:t>Destructor (defaults to: nothing)</a:t>
             </a:r>
           </a:p>
           <a:p>
@@ -27608,17 +28082,15 @@
               <a:lnSpc>
                 <a:spcPct val="90000"/>
               </a:lnSpc>
-              <a:buFontTx/>
-              <a:buNone/>
-              <a:defRPr/>
-            </a:pPr>
-            <a:r>
-              <a:rPr lang="en-US" altLang="en-US" sz="2000" b="1" dirty="0"/>
-              <a:t>{</a:t>
-            </a:r>
-          </a:p>
-          <a:p>
-            <a:pPr eaLnBrk="1" hangingPunct="1">
+              <a:defRPr/>
+            </a:pPr>
+            <a:r>
+              <a:rPr lang="en-US" sz="2800" dirty="0"/>
+              <a:t>For example</a:t>
+            </a:r>
+          </a:p>
+          <a:p>
+            <a:pPr lvl="1" eaLnBrk="1" hangingPunct="1">
               <a:lnSpc>
                 <a:spcPct val="90000"/>
               </a:lnSpc>
@@ -27627,56 +28099,16 @@
               <a:defRPr/>
             </a:pPr>
             <a:r>
-              <a:rPr lang="en-US" altLang="en-US" sz="2000" b="1" dirty="0"/>
-              <a:t>	// </a:t>
-            </a:r>
-            <a:r>
-              <a:rPr lang="en-US" altLang="en-US" sz="2000" i="1" dirty="0"/>
-              <a:t>access </a:t>
-            </a:r>
-            <a:r>
-              <a:rPr lang="en-US" altLang="en-US" sz="2000" b="1" i="1" dirty="0"/>
-              <a:t>d </a:t>
-            </a:r>
-            <a:r>
-              <a:rPr lang="en-US" altLang="en-US" sz="2000" i="1" dirty="0"/>
-              <a:t>using </a:t>
-            </a:r>
-            <a:r>
-              <a:rPr lang="en-US" altLang="en-US" sz="2000" b="1" i="1" dirty="0" err="1"/>
-              <a:t>d.day</a:t>
-            </a:r>
-            <a:r>
-              <a:rPr lang="en-US" altLang="en-US" sz="2000" b="1" i="1" dirty="0"/>
-              <a:t>(), </a:t>
-            </a:r>
-            <a:r>
-              <a:rPr lang="en-US" altLang="en-US" sz="2000" b="1" i="1" dirty="0" err="1"/>
-              <a:t>d.month</a:t>
-            </a:r>
-            <a:r>
-              <a:rPr lang="en-US" altLang="en-US" sz="2000" b="1" i="1" dirty="0"/>
-              <a:t>(), </a:t>
-            </a:r>
-            <a:r>
-              <a:rPr lang="en-US" altLang="en-US" sz="2000" i="1" dirty="0"/>
-              <a:t>and</a:t>
-            </a:r>
-            <a:r>
-              <a:rPr lang="en-US" altLang="en-US" sz="2000" b="1" i="1" dirty="0"/>
-              <a:t> </a:t>
-            </a:r>
-            <a:r>
-              <a:rPr lang="en-US" altLang="en-US" sz="2000" b="1" i="1" dirty="0" err="1"/>
-              <a:t>d.year</a:t>
-            </a:r>
-            <a:r>
-              <a:rPr lang="en-US" altLang="en-US" sz="2000" b="1" i="1" dirty="0"/>
-              <a:t>()</a:t>
-            </a:r>
-          </a:p>
-          <a:p>
-            <a:pPr eaLnBrk="1" hangingPunct="1">
+              <a:rPr lang="en-US" sz="2000" b="1" dirty="0"/>
+              <a:t>Date d;	// </a:t>
+            </a:r>
+            <a:r>
+              <a:rPr lang="en-US" sz="2000" i="1" dirty="0"/>
+              <a:t>error: no default constructor</a:t>
+            </a:r>
+          </a:p>
+          <a:p>
+            <a:pPr lvl="1" eaLnBrk="1" hangingPunct="1">
               <a:lnSpc>
                 <a:spcPct val="90000"/>
               </a:lnSpc>
@@ -27685,24 +28117,16 @@
               <a:defRPr/>
             </a:pPr>
             <a:r>
-              <a:rPr lang="en-US" altLang="en-US" sz="2000" b="1" dirty="0"/>
-              <a:t>	// </a:t>
-            </a:r>
-            <a:r>
-              <a:rPr lang="en-US" altLang="en-US" sz="2000" i="1" dirty="0"/>
-              <a:t>make new</a:t>
-            </a:r>
-            <a:r>
-              <a:rPr lang="en-US" altLang="en-US" sz="2000" b="1" i="1" dirty="0"/>
-              <a:t> Date </a:t>
-            </a:r>
-            <a:r>
-              <a:rPr lang="en-US" altLang="en-US" sz="2000" i="1" dirty="0"/>
-              <a:t>to return</a:t>
-            </a:r>
-          </a:p>
-          <a:p>
-            <a:pPr eaLnBrk="1" hangingPunct="1">
+              <a:rPr lang="en-US" sz="2000" b="1" dirty="0"/>
+              <a:t>Date d2 = d;	// </a:t>
+            </a:r>
+            <a:r>
+              <a:rPr lang="en-US" sz="2000" i="1" dirty="0"/>
+              <a:t>ok: copy initialized (copy the elements)</a:t>
+            </a:r>
+          </a:p>
+          <a:p>
+            <a:pPr lvl="1" eaLnBrk="1" hangingPunct="1">
               <a:lnSpc>
                 <a:spcPct val="90000"/>
               </a:lnSpc>
@@ -27711,269 +28135,26 @@
               <a:defRPr/>
             </a:pPr>
             <a:r>
-              <a:rPr lang="en-US" altLang="en-US" sz="2000" b="1" dirty="0"/>
-              <a:t>}</a:t>
-            </a:r>
-          </a:p>
-          <a:p>
-            <a:pPr eaLnBrk="1" hangingPunct="1">
+              <a:rPr lang="en-US" sz="2000" b="1" dirty="0"/>
+              <a:t>d = d2;</a:t>
+            </a:r>
+            <a:r>
+              <a:rPr lang="en-US" sz="2000" dirty="0"/>
+              <a:t>	// </a:t>
+            </a:r>
+            <a:r>
+              <a:rPr lang="en-US" sz="2000" i="1" dirty="0"/>
+              <a:t>ok copy assignment (copy the elements)</a:t>
+            </a:r>
+          </a:p>
+          <a:p>
+            <a:pPr lvl="1" eaLnBrk="1" hangingPunct="1">
               <a:lnSpc>
                 <a:spcPct val="90000"/>
               </a:lnSpc>
-              <a:buFontTx/>
-              <a:buNone/>
-              <a:defRPr/>
-            </a:pPr>
-            <a:endParaRPr lang="en-US" altLang="en-US" sz="1000" b="1" dirty="0"/>
-          </a:p>
-          <a:p>
-            <a:pPr eaLnBrk="1" hangingPunct="1">
-              <a:lnSpc>
-                <a:spcPct val="90000"/>
-              </a:lnSpc>
-              <a:buFontTx/>
-              <a:buNone/>
-              <a:defRPr/>
-            </a:pPr>
-            <a:r>
-              <a:rPr lang="en-US" altLang="en-US" sz="2000" b="1" dirty="0"/>
-              <a:t>Date </a:t>
-            </a:r>
-            <a:r>
-              <a:rPr lang="en-US" altLang="en-US" sz="2000" b="1" dirty="0" err="1"/>
-              <a:t>next_weekday</a:t>
-            </a:r>
-            <a:r>
-              <a:rPr lang="en-US" altLang="en-US" sz="2000" b="1" dirty="0"/>
-              <a:t>(</a:t>
-            </a:r>
-            <a:r>
-              <a:rPr lang="en-US" altLang="en-US" sz="2000" b="1" dirty="0" err="1"/>
-              <a:t>const</a:t>
-            </a:r>
-            <a:r>
-              <a:rPr lang="en-US" altLang="en-US" sz="2000" b="1" dirty="0"/>
-              <a:t> Date&amp; d) { /* </a:t>
-            </a:r>
-            <a:r>
-              <a:rPr lang="en-US" altLang="en-US" sz="2000" i="1" dirty="0"/>
-              <a:t>…</a:t>
-            </a:r>
-            <a:r>
-              <a:rPr lang="en-US" altLang="en-US" sz="2000" b="1" dirty="0"/>
-              <a:t> */ }</a:t>
-            </a:r>
-          </a:p>
-          <a:p>
-            <a:pPr eaLnBrk="1" hangingPunct="1">
-              <a:lnSpc>
-                <a:spcPct val="90000"/>
-              </a:lnSpc>
-              <a:buFontTx/>
-              <a:buNone/>
-              <a:defRPr/>
-            </a:pPr>
-            <a:endParaRPr lang="en-US" altLang="en-US" sz="1000" b="1" dirty="0"/>
-          </a:p>
-          <a:p>
-            <a:pPr eaLnBrk="1" hangingPunct="1">
-              <a:lnSpc>
-                <a:spcPct val="90000"/>
-              </a:lnSpc>
-              <a:buFontTx/>
-              <a:buNone/>
-              <a:defRPr/>
-            </a:pPr>
-            <a:r>
-              <a:rPr lang="en-US" altLang="en-US" sz="2000" b="1" dirty="0"/>
-              <a:t>bool operator==(</a:t>
-            </a:r>
-            <a:r>
-              <a:rPr lang="en-US" altLang="en-US" sz="2000" b="1" dirty="0" err="1"/>
-              <a:t>const</a:t>
-            </a:r>
-            <a:r>
-              <a:rPr lang="en-US" altLang="en-US" sz="2000" b="1" dirty="0"/>
-              <a:t> Date&amp; a, </a:t>
-            </a:r>
-            <a:r>
-              <a:rPr lang="en-US" altLang="en-US" sz="2000" b="1" dirty="0" err="1"/>
-              <a:t>const</a:t>
-            </a:r>
-            <a:r>
-              <a:rPr lang="en-US" altLang="en-US" sz="2000" b="1" dirty="0"/>
-              <a:t> Date&amp; b)</a:t>
-            </a:r>
-          </a:p>
-          <a:p>
-            <a:pPr eaLnBrk="1" hangingPunct="1">
-              <a:lnSpc>
-                <a:spcPct val="90000"/>
-              </a:lnSpc>
-              <a:buFontTx/>
-              <a:buNone/>
-              <a:defRPr/>
-            </a:pPr>
-            <a:r>
-              <a:rPr lang="en-US" altLang="en-US" sz="2000" b="1" dirty="0"/>
-              <a:t>{</a:t>
-            </a:r>
-          </a:p>
-          <a:p>
-            <a:pPr eaLnBrk="1" hangingPunct="1">
-              <a:lnSpc>
-                <a:spcPct val="90000"/>
-              </a:lnSpc>
-              <a:buFontTx/>
-              <a:buNone/>
-              <a:defRPr/>
-            </a:pPr>
-            <a:r>
-              <a:rPr lang="en-US" altLang="en-US" sz="2000" b="1" dirty="0"/>
-              <a:t>	return </a:t>
-            </a:r>
-            <a:r>
-              <a:rPr lang="en-US" altLang="en-US" sz="2000" b="1" dirty="0" err="1"/>
-              <a:t>a.year</a:t>
-            </a:r>
-            <a:r>
-              <a:rPr lang="en-US" altLang="en-US" sz="2000" b="1" dirty="0"/>
-              <a:t>()==</a:t>
-            </a:r>
-            <a:r>
-              <a:rPr lang="en-US" altLang="en-US" sz="2000" b="1" dirty="0" err="1"/>
-              <a:t>b.year</a:t>
-            </a:r>
-            <a:r>
-              <a:rPr lang="en-US" altLang="en-US" sz="2000" b="1" dirty="0"/>
-              <a:t>()</a:t>
-            </a:r>
-          </a:p>
-          <a:p>
-            <a:pPr eaLnBrk="1" hangingPunct="1">
-              <a:lnSpc>
-                <a:spcPct val="90000"/>
-              </a:lnSpc>
-              <a:buFontTx/>
-              <a:buNone/>
-              <a:defRPr/>
-            </a:pPr>
-            <a:r>
-              <a:rPr lang="en-US" altLang="en-US" sz="2000" b="1" dirty="0"/>
-              <a:t>		&amp;&amp; </a:t>
-            </a:r>
-            <a:r>
-              <a:rPr lang="en-US" altLang="en-US" sz="2000" b="1" dirty="0" err="1"/>
-              <a:t>a.month</a:t>
-            </a:r>
-            <a:r>
-              <a:rPr lang="en-US" altLang="en-US" sz="2000" b="1" dirty="0"/>
-              <a:t>()==</a:t>
-            </a:r>
-            <a:r>
-              <a:rPr lang="en-US" altLang="en-US" sz="2000" b="1" dirty="0" err="1"/>
-              <a:t>b.month</a:t>
-            </a:r>
-            <a:r>
-              <a:rPr lang="en-US" altLang="en-US" sz="2000" b="1" dirty="0"/>
-              <a:t>()</a:t>
-            </a:r>
-          </a:p>
-          <a:p>
-            <a:pPr eaLnBrk="1" hangingPunct="1">
-              <a:lnSpc>
-                <a:spcPct val="90000"/>
-              </a:lnSpc>
-              <a:buFontTx/>
-              <a:buNone/>
-              <a:defRPr/>
-            </a:pPr>
-            <a:r>
-              <a:rPr lang="en-US" altLang="en-US" sz="2000" b="1" dirty="0"/>
-              <a:t>		&amp;&amp; </a:t>
-            </a:r>
-            <a:r>
-              <a:rPr lang="en-US" altLang="en-US" sz="2000" b="1" dirty="0" err="1"/>
-              <a:t>a.day</a:t>
-            </a:r>
-            <a:r>
-              <a:rPr lang="en-US" altLang="en-US" sz="2000" b="1" dirty="0"/>
-              <a:t>()==</a:t>
-            </a:r>
-            <a:r>
-              <a:rPr lang="en-US" altLang="en-US" sz="2000" b="1" dirty="0" err="1"/>
-              <a:t>b.day</a:t>
-            </a:r>
-            <a:r>
-              <a:rPr lang="en-US" altLang="en-US" sz="2000" b="1" dirty="0"/>
-              <a:t>();</a:t>
-            </a:r>
-          </a:p>
-          <a:p>
-            <a:pPr eaLnBrk="1" hangingPunct="1">
-              <a:lnSpc>
-                <a:spcPct val="90000"/>
-              </a:lnSpc>
-              <a:buFontTx/>
-              <a:buNone/>
-              <a:defRPr/>
-            </a:pPr>
-            <a:r>
-              <a:rPr lang="en-US" altLang="en-US" sz="2000" b="1" dirty="0"/>
-              <a:t>}</a:t>
-            </a:r>
-          </a:p>
-          <a:p>
-            <a:pPr eaLnBrk="1" hangingPunct="1">
-              <a:lnSpc>
-                <a:spcPct val="90000"/>
-              </a:lnSpc>
-              <a:buFontTx/>
-              <a:buNone/>
-              <a:defRPr/>
-            </a:pPr>
-            <a:endParaRPr lang="en-US" altLang="en-US" sz="1000" b="1" dirty="0"/>
-          </a:p>
-          <a:p>
-            <a:pPr eaLnBrk="1" hangingPunct="1">
-              <a:lnSpc>
-                <a:spcPct val="90000"/>
-              </a:lnSpc>
-              <a:buFontTx/>
-              <a:buNone/>
-              <a:defRPr/>
-            </a:pPr>
-            <a:r>
-              <a:rPr lang="en-US" altLang="en-US" sz="2000" b="1" dirty="0"/>
-              <a:t>bool operator!=(</a:t>
-            </a:r>
-            <a:r>
-              <a:rPr lang="en-US" altLang="en-US" sz="2000" b="1" dirty="0" err="1"/>
-              <a:t>const</a:t>
-            </a:r>
-            <a:r>
-              <a:rPr lang="en-US" altLang="en-US" sz="2000" b="1" dirty="0"/>
-              <a:t> Date&amp; a, </a:t>
-            </a:r>
-            <a:r>
-              <a:rPr lang="en-US" altLang="en-US" sz="2000" b="1" dirty="0" err="1"/>
-              <a:t>const</a:t>
-            </a:r>
-            <a:r>
-              <a:rPr lang="en-US" altLang="en-US" sz="2000" b="1" dirty="0"/>
-              <a:t> Date&amp; b) { return !(a==b); }</a:t>
-            </a:r>
-          </a:p>
-          <a:p>
-            <a:pPr eaLnBrk="1" hangingPunct="1">
-              <a:lnSpc>
-                <a:spcPct val="90000"/>
-              </a:lnSpc>
-              <a:buFontTx/>
-              <a:buNone/>
-              <a:defRPr/>
-            </a:pPr>
-            <a:endParaRPr lang="en-US" altLang="en-US" sz="2000" b="1" dirty="0"/>
+              <a:defRPr/>
+            </a:pPr>
+            <a:endParaRPr lang="en-US" sz="2000" dirty="0"/>
           </a:p>
         </p:txBody>
       </p:sp>
@@ -28186,7 +28367,7 @@
               <a:buNone/>
               <a:defRPr/>
             </a:pPr>
-            <a:fld id="{9CAF7914-392D-40D5-9FBA-6928E41BA633}" type="slidenum">
+            <a:fld id="{7E59EDF3-9A71-4C17-B99E-7A772B17692E}" type="slidenum">
               <a:rPr lang="en-US" altLang="en-US" sz="1400">
                 <a:latin typeface="Arial" panose="020B0604020202020204" pitchFamily="34" charset="0"/>
               </a:rPr>
@@ -28211,7 +28392,7 @@
     </p:spTree>
     <p:extLst>
       <p:ext uri="{BB962C8B-B14F-4D97-AF65-F5344CB8AC3E}">
-        <p14:creationId xmlns:p14="http://schemas.microsoft.com/office/powerpoint/2010/main" val="1163132447"/>
+        <p14:creationId xmlns:p14="http://schemas.microsoft.com/office/powerpoint/2010/main" val="2859391777"/>
       </p:ext>
     </p:extLst>
   </p:cSld>
@@ -28250,7 +28431,7 @@
       </p:grpSpPr>
       <p:sp>
         <p:nvSpPr>
-          <p:cNvPr id="29698" name="Rectangle 2"/>
+          <p:cNvPr id="24578" name="Rectangle 2"/>
           <p:cNvSpPr>
             <a:spLocks noGrp="1" noChangeArrowheads="1"/>
           </p:cNvSpPr>
@@ -28267,15 +28448,20 @@
               <a:defRPr/>
             </a:pPr>
             <a:r>
-              <a:rPr lang="en-US" altLang="en-US" smtClean="0"/>
-              <a:t>Operator overloading</a:t>
-            </a:r>
+              <a:rPr lang="en-US" altLang="en-US" dirty="0" smtClean="0"/>
+              <a:t>Interfaces and </a:t>
+            </a:r>
+            <a:r>
+              <a:rPr lang="en-US" altLang="ja-JP" dirty="0" smtClean="0"/>
+              <a:t>“helper functions”</a:t>
+            </a:r>
+            <a:endParaRPr lang="en-US" altLang="en-US" dirty="0" smtClean="0"/>
           </a:p>
         </p:txBody>
       </p:sp>
       <p:sp>
         <p:nvSpPr>
-          <p:cNvPr id="29699" name="Rectangle 3"/>
+          <p:cNvPr id="24579" name="Rectangle 3"/>
           <p:cNvSpPr>
             <a:spLocks noGrp="1" noChangeArrowheads="1"/>
           </p:cNvSpPr>
@@ -28290,505 +28476,129 @@
           <a:p>
             <a:pPr eaLnBrk="1" hangingPunct="1">
               <a:lnSpc>
-                <a:spcPct val="80000"/>
+                <a:spcPct val="90000"/>
               </a:lnSpc>
               <a:defRPr/>
             </a:pPr>
             <a:r>
               <a:rPr lang="en-US" altLang="en-US" sz="2800" dirty="0"/>
-              <a:t>You can define </a:t>
-            </a:r>
-            <a:r>
-              <a:rPr lang="en-US" altLang="en-US" sz="2800" dirty="0" smtClean="0"/>
-              <a:t>C</a:t>
-            </a:r>
+              <a:t>Keep a class interface (the set of public functions) minimal</a:t>
+            </a:r>
+          </a:p>
+          <a:p>
+            <a:pPr lvl="1" eaLnBrk="1" hangingPunct="1">
+              <a:lnSpc>
+                <a:spcPct val="90000"/>
+              </a:lnSpc>
+              <a:defRPr/>
+            </a:pPr>
+            <a:r>
+              <a:rPr lang="en-US" altLang="en-US" sz="2000" dirty="0">
+                <a:ea typeface="Times New Roman" pitchFamily="18" charset="0"/>
+              </a:rPr>
+              <a:t>Simplifies understanding</a:t>
+            </a:r>
+          </a:p>
+          <a:p>
+            <a:pPr lvl="1" eaLnBrk="1" hangingPunct="1">
+              <a:lnSpc>
+                <a:spcPct val="90000"/>
+              </a:lnSpc>
+              <a:defRPr/>
+            </a:pPr>
+            <a:r>
+              <a:rPr lang="en-US" altLang="en-US" sz="2000" dirty="0">
+                <a:ea typeface="Times New Roman" pitchFamily="18" charset="0"/>
+              </a:rPr>
+              <a:t>Simplifies debugging</a:t>
+            </a:r>
+          </a:p>
+          <a:p>
+            <a:pPr lvl="1" eaLnBrk="1" hangingPunct="1">
+              <a:lnSpc>
+                <a:spcPct val="90000"/>
+              </a:lnSpc>
+              <a:defRPr/>
+            </a:pPr>
+            <a:r>
+              <a:rPr lang="en-US" altLang="en-US" sz="2000" dirty="0">
+                <a:ea typeface="Times New Roman" pitchFamily="18" charset="0"/>
+              </a:rPr>
+              <a:t>Simplifies maintenance</a:t>
+            </a:r>
+          </a:p>
+          <a:p>
+            <a:pPr lvl="1" eaLnBrk="1" hangingPunct="1">
+              <a:lnSpc>
+                <a:spcPct val="90000"/>
+              </a:lnSpc>
+              <a:defRPr/>
+            </a:pPr>
+            <a:endParaRPr lang="en-US" altLang="en-US" sz="2000" dirty="0">
+              <a:ea typeface="Times New Roman" pitchFamily="18" charset="0"/>
+            </a:endParaRPr>
+          </a:p>
+          <a:p>
+            <a:pPr eaLnBrk="1" hangingPunct="1">
+              <a:lnSpc>
+                <a:spcPct val="90000"/>
+              </a:lnSpc>
+              <a:defRPr/>
+            </a:pPr>
             <a:r>
               <a:rPr lang="en-US" altLang="en-US" sz="2800" dirty="0"/>
-              <a:t>++ operators for </a:t>
-            </a:r>
-            <a:r>
-              <a:rPr lang="en-US" altLang="en-US" sz="2800" dirty="0" smtClean="0"/>
-              <a:t>class </a:t>
-            </a:r>
-            <a:r>
-              <a:rPr lang="en-US" altLang="en-US" sz="2800" dirty="0"/>
-              <a:t>or </a:t>
-            </a:r>
-            <a:r>
-              <a:rPr lang="en-US" altLang="en-US" sz="2800" dirty="0" smtClean="0"/>
-              <a:t>enumeration objects.</a:t>
-            </a:r>
-            <a:r>
-              <a:rPr lang="en-US" altLang="en-US" sz="2800" dirty="0"/>
-              <a:t> </a:t>
-            </a:r>
-            <a:r>
-              <a:rPr lang="en-US" altLang="en-US" dirty="0" smtClean="0">
+              <a:t>When we keep the class interface simple and minimal, we need extra </a:t>
+            </a:r>
+            <a:r>
+              <a:rPr lang="en-US" altLang="ja-JP" sz="2800" dirty="0"/>
+              <a:t>“helper functions” outside the class (non-member functions)</a:t>
+            </a:r>
+          </a:p>
+          <a:p>
+            <a:pPr lvl="1" eaLnBrk="1" hangingPunct="1">
+              <a:lnSpc>
+                <a:spcPct val="90000"/>
+              </a:lnSpc>
+              <a:defRPr/>
+            </a:pPr>
+            <a:r>
+              <a:rPr lang="en-US" altLang="en-US" sz="2000" dirty="0">
                 <a:ea typeface="Times New Roman" pitchFamily="18" charset="0"/>
               </a:rPr>
-              <a:t>That</a:t>
-            </a:r>
-            <a:r>
-              <a:rPr lang="en-US" altLang="ja-JP" dirty="0" smtClean="0">
-                <a:ea typeface="MS PGothic" pitchFamily="34" charset="-128"/>
-              </a:rPr>
-              <a:t>’s </a:t>
-            </a:r>
-            <a:r>
-              <a:rPr lang="en-US" altLang="ja-JP" dirty="0">
-                <a:ea typeface="MS PGothic" pitchFamily="34" charset="-128"/>
-              </a:rPr>
-              <a:t>often called “operator overloading”</a:t>
-            </a:r>
-          </a:p>
-          <a:p>
-            <a:pPr lvl="2" eaLnBrk="1" hangingPunct="1">
+              <a:t>E.g. == (equality) , != (inequality)</a:t>
+            </a:r>
+          </a:p>
+          <a:p>
+            <a:pPr lvl="1" eaLnBrk="1" hangingPunct="1">
               <a:lnSpc>
-                <a:spcPct val="80000"/>
+                <a:spcPct val="90000"/>
               </a:lnSpc>
-              <a:buFontTx/>
-              <a:buNone/>
               <a:defRPr/>
             </a:pPr>
             <a:r>
               <a:rPr lang="en-US" altLang="en-US" sz="2000" b="1" dirty="0" err="1">
                 <a:ea typeface="Times New Roman" pitchFamily="18" charset="0"/>
               </a:rPr>
-              <a:t>enum</a:t>
+              <a:t>next_weekday</a:t>
             </a:r>
             <a:r>
               <a:rPr lang="en-US" altLang="en-US" sz="2000" b="1" dirty="0">
                 <a:ea typeface="Times New Roman" pitchFamily="18" charset="0"/>
               </a:rPr>
-              <a:t> class Month {</a:t>
-            </a:r>
-          </a:p>
-          <a:p>
-            <a:pPr lvl="2" eaLnBrk="1" hangingPunct="1">
-              <a:lnSpc>
-                <a:spcPct val="80000"/>
-              </a:lnSpc>
-              <a:buFontTx/>
-              <a:buNone/>
-              <a:defRPr/>
-            </a:pPr>
+              <a:t>(), </a:t>
+            </a:r>
+            <a:r>
+              <a:rPr lang="en-US" altLang="en-US" sz="2000" b="1" dirty="0" err="1">
+                <a:ea typeface="Times New Roman" pitchFamily="18" charset="0"/>
+              </a:rPr>
+              <a:t>next_Sunday</a:t>
+            </a:r>
             <a:r>
               <a:rPr lang="en-US" altLang="en-US" sz="2000" b="1" dirty="0">
                 <a:ea typeface="Times New Roman" pitchFamily="18" charset="0"/>
               </a:rPr>
-              <a:t>	</a:t>
-            </a:r>
-            <a:r>
-              <a:rPr lang="en-US" altLang="en-US" sz="2000" b="1" dirty="0" err="1">
-                <a:ea typeface="Times New Roman" pitchFamily="18" charset="0"/>
-              </a:rPr>
-              <a:t>jan</a:t>
-            </a:r>
-            <a:r>
-              <a:rPr lang="en-US" altLang="en-US" sz="2000" b="1" dirty="0">
-                <a:ea typeface="Times New Roman" pitchFamily="18" charset="0"/>
-              </a:rPr>
-              <a:t>=1, </a:t>
-            </a:r>
-            <a:r>
-              <a:rPr lang="en-US" altLang="en-US" sz="2000" b="1" dirty="0" err="1">
-                <a:ea typeface="Times New Roman" pitchFamily="18" charset="0"/>
-              </a:rPr>
-              <a:t>feb</a:t>
-            </a:r>
-            <a:r>
-              <a:rPr lang="en-US" altLang="en-US" sz="2000" b="1" dirty="0">
-                <a:ea typeface="Times New Roman" pitchFamily="18" charset="0"/>
-              </a:rPr>
-              <a:t>, mar, </a:t>
-            </a:r>
-            <a:r>
-              <a:rPr lang="en-US" altLang="en-US" sz="2000" b="1" dirty="0" err="1">
-                <a:ea typeface="Times New Roman" pitchFamily="18" charset="0"/>
-              </a:rPr>
-              <a:t>apr</a:t>
-            </a:r>
-            <a:r>
-              <a:rPr lang="en-US" altLang="en-US" sz="2000" b="1" dirty="0">
-                <a:ea typeface="Times New Roman" pitchFamily="18" charset="0"/>
-              </a:rPr>
-              <a:t>, may, </a:t>
-            </a:r>
-            <a:r>
-              <a:rPr lang="en-US" altLang="en-US" sz="2000" b="1" dirty="0" err="1">
-                <a:ea typeface="Times New Roman" pitchFamily="18" charset="0"/>
-              </a:rPr>
-              <a:t>jun</a:t>
-            </a:r>
-            <a:r>
-              <a:rPr lang="en-US" altLang="en-US" sz="2000" b="1" dirty="0">
-                <a:ea typeface="Times New Roman" pitchFamily="18" charset="0"/>
-              </a:rPr>
-              <a:t>, </a:t>
-            </a:r>
-            <a:r>
-              <a:rPr lang="en-US" altLang="en-US" sz="2000" b="1" dirty="0" err="1">
-                <a:ea typeface="Times New Roman" pitchFamily="18" charset="0"/>
-              </a:rPr>
-              <a:t>jul</a:t>
-            </a:r>
-            <a:r>
-              <a:rPr lang="en-US" altLang="en-US" sz="2000" b="1" dirty="0">
-                <a:ea typeface="Times New Roman" pitchFamily="18" charset="0"/>
-              </a:rPr>
-              <a:t>, </a:t>
-            </a:r>
-            <a:r>
-              <a:rPr lang="en-US" altLang="en-US" sz="2000" b="1" dirty="0" err="1">
-                <a:ea typeface="Times New Roman" pitchFamily="18" charset="0"/>
-              </a:rPr>
-              <a:t>aug</a:t>
-            </a:r>
-            <a:r>
-              <a:rPr lang="en-US" altLang="en-US" sz="2000" b="1" dirty="0">
-                <a:ea typeface="Times New Roman" pitchFamily="18" charset="0"/>
-              </a:rPr>
-              <a:t>, </a:t>
-            </a:r>
-            <a:r>
-              <a:rPr lang="en-US" altLang="en-US" sz="2000" b="1" dirty="0" err="1">
-                <a:ea typeface="Times New Roman" pitchFamily="18" charset="0"/>
-              </a:rPr>
-              <a:t>sep</a:t>
-            </a:r>
-            <a:r>
-              <a:rPr lang="en-US" altLang="en-US" sz="2000" b="1" dirty="0">
-                <a:ea typeface="Times New Roman" pitchFamily="18" charset="0"/>
-              </a:rPr>
-              <a:t>, </a:t>
-            </a:r>
-            <a:r>
-              <a:rPr lang="en-US" altLang="en-US" sz="2000" b="1" dirty="0" err="1">
-                <a:ea typeface="Times New Roman" pitchFamily="18" charset="0"/>
-              </a:rPr>
-              <a:t>oct</a:t>
-            </a:r>
-            <a:r>
-              <a:rPr lang="en-US" altLang="en-US" sz="2000" b="1" dirty="0">
-                <a:ea typeface="Times New Roman" pitchFamily="18" charset="0"/>
-              </a:rPr>
-              <a:t>, </a:t>
-            </a:r>
-            <a:r>
-              <a:rPr lang="en-US" altLang="en-US" sz="2000" b="1" dirty="0" err="1">
-                <a:ea typeface="Times New Roman" pitchFamily="18" charset="0"/>
-              </a:rPr>
-              <a:t>nov</a:t>
-            </a:r>
-            <a:r>
-              <a:rPr lang="en-US" altLang="en-US" sz="2000" b="1" dirty="0">
-                <a:ea typeface="Times New Roman" pitchFamily="18" charset="0"/>
-              </a:rPr>
-              <a:t>, </a:t>
-            </a:r>
-            <a:r>
-              <a:rPr lang="en-US" altLang="en-US" sz="2000" b="1" dirty="0" err="1">
-                <a:ea typeface="Times New Roman" pitchFamily="18" charset="0"/>
-              </a:rPr>
-              <a:t>dec</a:t>
-            </a:r>
-            <a:endParaRPr lang="en-US" altLang="en-US" sz="2000" b="1" dirty="0">
-              <a:ea typeface="Times New Roman" pitchFamily="18" charset="0"/>
-            </a:endParaRPr>
-          </a:p>
-          <a:p>
-            <a:pPr lvl="2" eaLnBrk="1" hangingPunct="1">
-              <a:lnSpc>
-                <a:spcPct val="80000"/>
-              </a:lnSpc>
-              <a:buFontTx/>
-              <a:buNone/>
-              <a:defRPr/>
-            </a:pPr>
-            <a:r>
-              <a:rPr lang="en-US" altLang="en-US" sz="2000" b="1" dirty="0">
-                <a:ea typeface="Times New Roman" pitchFamily="18" charset="0"/>
-              </a:rPr>
-              <a:t>};</a:t>
-            </a:r>
-          </a:p>
-          <a:p>
-            <a:pPr lvl="2" eaLnBrk="1" hangingPunct="1">
-              <a:lnSpc>
-                <a:spcPct val="80000"/>
-              </a:lnSpc>
-              <a:buFontTx/>
-              <a:buNone/>
-              <a:defRPr/>
-            </a:pPr>
-            <a:endParaRPr lang="en-US" altLang="en-US" sz="1000" b="1" dirty="0">
-              <a:ea typeface="Times New Roman" pitchFamily="18" charset="0"/>
-            </a:endParaRPr>
-          </a:p>
-          <a:p>
-            <a:pPr lvl="2" eaLnBrk="1" hangingPunct="1">
-              <a:lnSpc>
-                <a:spcPct val="80000"/>
-              </a:lnSpc>
-              <a:buFontTx/>
-              <a:buNone/>
-              <a:defRPr/>
-            </a:pPr>
-            <a:r>
-              <a:rPr lang="en-US" altLang="en-US" sz="2000" b="1" dirty="0">
-                <a:ea typeface="Times New Roman" pitchFamily="18" charset="0"/>
-              </a:rPr>
-              <a:t>Month operator++(Month&amp; m)	// </a:t>
-            </a:r>
-            <a:r>
-              <a:rPr lang="en-US" altLang="en-US" sz="2000" i="1" dirty="0">
-                <a:ea typeface="Times New Roman" pitchFamily="18" charset="0"/>
-              </a:rPr>
-              <a:t>prefix increment operator</a:t>
-            </a:r>
-          </a:p>
-          <a:p>
-            <a:pPr lvl="2" eaLnBrk="1" hangingPunct="1">
-              <a:lnSpc>
-                <a:spcPct val="80000"/>
-              </a:lnSpc>
-              <a:buFontTx/>
-              <a:buNone/>
-              <a:defRPr/>
-            </a:pPr>
-            <a:r>
-              <a:rPr lang="en-US" altLang="en-US" sz="2000" b="1" dirty="0">
-                <a:ea typeface="Times New Roman" pitchFamily="18" charset="0"/>
-              </a:rPr>
-              <a:t>{</a:t>
-            </a:r>
-          </a:p>
-          <a:p>
-            <a:pPr lvl="2" eaLnBrk="1" hangingPunct="1">
-              <a:lnSpc>
-                <a:spcPct val="80000"/>
-              </a:lnSpc>
-              <a:buFontTx/>
-              <a:buNone/>
-              <a:defRPr/>
-            </a:pPr>
-            <a:r>
-              <a:rPr lang="en-US" altLang="en-US" sz="2000" b="1" dirty="0">
-                <a:ea typeface="Times New Roman" pitchFamily="18" charset="0"/>
-              </a:rPr>
-              <a:t>	// </a:t>
-            </a:r>
-            <a:r>
-              <a:rPr lang="en-US" altLang="ja-JP" sz="2000" i="1" dirty="0">
-                <a:ea typeface="MS PGothic" pitchFamily="34" charset="-128"/>
-              </a:rPr>
-              <a:t>“wrap around”:</a:t>
-            </a:r>
-            <a:endParaRPr lang="en-US" altLang="en-US" sz="2000" b="1" dirty="0">
-              <a:ea typeface="Times New Roman" pitchFamily="18" charset="0"/>
-            </a:endParaRPr>
-          </a:p>
-          <a:p>
-            <a:pPr lvl="2" eaLnBrk="1" hangingPunct="1">
-              <a:lnSpc>
-                <a:spcPct val="80000"/>
-              </a:lnSpc>
-              <a:buFontTx/>
-              <a:buNone/>
-              <a:defRPr/>
-            </a:pPr>
-            <a:r>
-              <a:rPr lang="en-US" altLang="en-US" sz="2000" b="1" dirty="0">
-                <a:ea typeface="Times New Roman" pitchFamily="18" charset="0"/>
-              </a:rPr>
-              <a:t>	m = (m==Month::</a:t>
-            </a:r>
-            <a:r>
-              <a:rPr lang="en-US" altLang="en-US" sz="2000" b="1" dirty="0" err="1">
-                <a:ea typeface="Times New Roman" pitchFamily="18" charset="0"/>
-              </a:rPr>
-              <a:t>dec</a:t>
-            </a:r>
-            <a:r>
-              <a:rPr lang="en-US" altLang="en-US" sz="2000" b="1" dirty="0">
-                <a:ea typeface="Times New Roman" pitchFamily="18" charset="0"/>
-              </a:rPr>
-              <a:t>) ? Month::</a:t>
-            </a:r>
-            <a:r>
-              <a:rPr lang="en-US" altLang="en-US" sz="2000" b="1" dirty="0" err="1">
-                <a:ea typeface="Times New Roman" pitchFamily="18" charset="0"/>
-              </a:rPr>
-              <a:t>jan</a:t>
-            </a:r>
-            <a:r>
-              <a:rPr lang="en-US" altLang="en-US" sz="2000" b="1" dirty="0">
-                <a:ea typeface="Times New Roman" pitchFamily="18" charset="0"/>
-              </a:rPr>
-              <a:t> : Month(m+1); </a:t>
-            </a:r>
-            <a:endParaRPr lang="en-US" altLang="ja-JP" sz="2000" i="1" dirty="0">
-              <a:ea typeface="MS PGothic" pitchFamily="34" charset="-128"/>
-            </a:endParaRPr>
-          </a:p>
-          <a:p>
-            <a:pPr lvl="2" eaLnBrk="1" hangingPunct="1">
-              <a:lnSpc>
-                <a:spcPct val="80000"/>
-              </a:lnSpc>
-              <a:buFontTx/>
-              <a:buNone/>
-              <a:defRPr/>
-            </a:pPr>
-            <a:r>
-              <a:rPr lang="en-US" altLang="en-US" sz="2000" b="1" dirty="0">
-                <a:ea typeface="Times New Roman" pitchFamily="18" charset="0"/>
-              </a:rPr>
-              <a:t>	return m;</a:t>
-            </a:r>
-          </a:p>
-          <a:p>
-            <a:pPr lvl="2" eaLnBrk="1" hangingPunct="1">
-              <a:lnSpc>
-                <a:spcPct val="80000"/>
-              </a:lnSpc>
-              <a:buFontTx/>
-              <a:buNone/>
-              <a:defRPr/>
-            </a:pPr>
-            <a:r>
-              <a:rPr lang="en-US" altLang="en-US" sz="2000" b="1" dirty="0">
-                <a:ea typeface="Times New Roman" pitchFamily="18" charset="0"/>
-              </a:rPr>
-              <a:t>}</a:t>
-            </a:r>
-          </a:p>
-          <a:p>
-            <a:pPr lvl="2" eaLnBrk="1" hangingPunct="1">
-              <a:lnSpc>
-                <a:spcPct val="80000"/>
-              </a:lnSpc>
-              <a:buFontTx/>
-              <a:buNone/>
-              <a:defRPr/>
-            </a:pPr>
-            <a:endParaRPr lang="en-US" altLang="en-US" sz="1000" b="1" dirty="0">
-              <a:ea typeface="Times New Roman" pitchFamily="18" charset="0"/>
-            </a:endParaRPr>
-          </a:p>
-          <a:p>
-            <a:pPr lvl="2" eaLnBrk="1" hangingPunct="1">
-              <a:lnSpc>
-                <a:spcPct val="80000"/>
-              </a:lnSpc>
-              <a:buFontTx/>
-              <a:buNone/>
-              <a:defRPr/>
-            </a:pPr>
-            <a:r>
-              <a:rPr lang="en-US" altLang="en-US" sz="2000" b="1" dirty="0">
-                <a:ea typeface="Times New Roman" pitchFamily="18" charset="0"/>
-              </a:rPr>
-              <a:t>Month m = Month::</a:t>
-            </a:r>
-            <a:r>
-              <a:rPr lang="en-US" altLang="en-US" sz="2000" b="1" dirty="0" err="1">
-                <a:ea typeface="Times New Roman" pitchFamily="18" charset="0"/>
-              </a:rPr>
-              <a:t>nov</a:t>
-            </a:r>
-            <a:r>
-              <a:rPr lang="en-US" altLang="en-US" sz="2000" b="1" dirty="0">
-                <a:ea typeface="Times New Roman" pitchFamily="18" charset="0"/>
-              </a:rPr>
-              <a:t>;</a:t>
-            </a:r>
-          </a:p>
-          <a:p>
-            <a:pPr lvl="2" eaLnBrk="1" hangingPunct="1">
-              <a:lnSpc>
-                <a:spcPct val="80000"/>
-              </a:lnSpc>
-              <a:buFontTx/>
-              <a:buNone/>
-              <a:defRPr/>
-            </a:pPr>
-            <a:r>
-              <a:rPr lang="en-US" altLang="en-US" sz="2000" b="1" dirty="0">
-                <a:ea typeface="Times New Roman" pitchFamily="18" charset="0"/>
-              </a:rPr>
-              <a:t>++m;	// </a:t>
-            </a:r>
-            <a:r>
-              <a:rPr lang="en-US" altLang="en-US" sz="2000" b="1" i="1" dirty="0">
-                <a:ea typeface="Times New Roman" pitchFamily="18" charset="0"/>
-              </a:rPr>
-              <a:t>m </a:t>
-            </a:r>
-            <a:r>
-              <a:rPr lang="en-US" altLang="en-US" sz="2000" i="1" dirty="0">
-                <a:ea typeface="Times New Roman" pitchFamily="18" charset="0"/>
-              </a:rPr>
-              <a:t>becomes</a:t>
-            </a:r>
-            <a:r>
-              <a:rPr lang="en-US" altLang="en-US" sz="2000" b="1" i="1" dirty="0">
-                <a:ea typeface="Times New Roman" pitchFamily="18" charset="0"/>
-              </a:rPr>
-              <a:t> </a:t>
-            </a:r>
-            <a:r>
-              <a:rPr lang="en-US" altLang="en-US" sz="2000" b="1" i="1" dirty="0" err="1">
-                <a:ea typeface="Times New Roman" pitchFamily="18" charset="0"/>
-              </a:rPr>
-              <a:t>dec</a:t>
-            </a:r>
-            <a:endParaRPr lang="en-US" altLang="en-US" sz="2000" b="1" dirty="0">
-              <a:ea typeface="Times New Roman" pitchFamily="18" charset="0"/>
-            </a:endParaRPr>
-          </a:p>
-          <a:p>
-            <a:pPr lvl="2" eaLnBrk="1" hangingPunct="1">
-              <a:lnSpc>
-                <a:spcPct val="80000"/>
-              </a:lnSpc>
-              <a:buFontTx/>
-              <a:buNone/>
-              <a:defRPr/>
-            </a:pPr>
-            <a:r>
-              <a:rPr lang="en-US" altLang="en-US" sz="2000" b="1" dirty="0">
-                <a:ea typeface="Times New Roman" pitchFamily="18" charset="0"/>
-              </a:rPr>
-              <a:t>++m;	// </a:t>
-            </a:r>
-            <a:r>
-              <a:rPr lang="en-US" altLang="en-US" sz="2000" b="1" i="1" dirty="0">
-                <a:ea typeface="Times New Roman" pitchFamily="18" charset="0"/>
-              </a:rPr>
-              <a:t>m </a:t>
-            </a:r>
-            <a:r>
-              <a:rPr lang="en-US" altLang="en-US" sz="2000" i="1" dirty="0">
-                <a:ea typeface="Times New Roman" pitchFamily="18" charset="0"/>
-              </a:rPr>
-              <a:t>becomes</a:t>
-            </a:r>
-            <a:r>
-              <a:rPr lang="en-US" altLang="en-US" sz="2000" b="1" i="1" dirty="0">
-                <a:ea typeface="Times New Roman" pitchFamily="18" charset="0"/>
-              </a:rPr>
-              <a:t> </a:t>
-            </a:r>
-            <a:r>
-              <a:rPr lang="en-US" altLang="en-US" sz="2000" b="1" i="1" dirty="0" err="1">
-                <a:ea typeface="Times New Roman" pitchFamily="18" charset="0"/>
-              </a:rPr>
-              <a:t>jan</a:t>
-            </a:r>
-            <a:endParaRPr lang="en-US" altLang="en-US" sz="2000" b="1" i="1" dirty="0">
-              <a:ea typeface="Times New Roman" pitchFamily="18" charset="0"/>
-            </a:endParaRPr>
+              <a:t>()</a:t>
+            </a:r>
           </a:p>
         </p:txBody>
       </p:sp>
@@ -29001,7 +28811,7 @@
               <a:buNone/>
               <a:defRPr/>
             </a:pPr>
-            <a:fld id="{DA392B77-9EDB-440F-ABA0-5A9D95CA473F}" type="slidenum">
+            <a:fld id="{060E59C2-9143-4657-8F9A-8D2443F64FB6}" type="slidenum">
               <a:rPr lang="en-US" altLang="en-US" sz="1400">
                 <a:latin typeface="Arial" panose="020B0604020202020204" pitchFamily="34" charset="0"/>
               </a:rPr>
@@ -29026,7 +28836,7 @@
     </p:spTree>
     <p:extLst>
       <p:ext uri="{BB962C8B-B14F-4D97-AF65-F5344CB8AC3E}">
-        <p14:creationId xmlns:p14="http://schemas.microsoft.com/office/powerpoint/2010/main" val="363329096"/>
+        <p14:creationId xmlns:p14="http://schemas.microsoft.com/office/powerpoint/2010/main" val="28259984"/>
       </p:ext>
     </p:extLst>
   </p:cSld>
@@ -29065,7 +28875,7 @@
       </p:grpSpPr>
       <p:sp>
         <p:nvSpPr>
-          <p:cNvPr id="36866" name="Rectangle 2"/>
+          <p:cNvPr id="28674" name="Rectangle 2"/>
           <p:cNvSpPr>
             <a:spLocks noGrp="1" noChangeArrowheads="1"/>
           </p:cNvSpPr>
@@ -29083,14 +28893,14 @@
             </a:pPr>
             <a:r>
               <a:rPr lang="en-US" altLang="en-US" smtClean="0"/>
-              <a:t>Operator overloading</a:t>
+              <a:t>Helper functions</a:t>
             </a:r>
           </a:p>
         </p:txBody>
       </p:sp>
       <p:sp>
         <p:nvSpPr>
-          <p:cNvPr id="36867" name="Rectangle 3"/>
+          <p:cNvPr id="28675" name="Rectangle 3"/>
           <p:cNvSpPr>
             <a:spLocks noGrp="1" noChangeArrowheads="1"/>
           </p:cNvSpPr>
@@ -29105,313 +28915,404 @@
           <a:p>
             <a:pPr eaLnBrk="1" hangingPunct="1">
               <a:lnSpc>
-                <a:spcPct val="80000"/>
+                <a:spcPct val="90000"/>
               </a:lnSpc>
-              <a:defRPr/>
-            </a:pPr>
-            <a:r>
-              <a:rPr lang="en-US" altLang="en-US" dirty="0"/>
-              <a:t>You can define only existing operators</a:t>
-            </a:r>
-          </a:p>
-          <a:p>
-            <a:pPr lvl="1" eaLnBrk="1" hangingPunct="1">
-              <a:lnSpc>
-                <a:spcPct val="80000"/>
-              </a:lnSpc>
-              <a:defRPr/>
-            </a:pPr>
-            <a:r>
-              <a:rPr lang="en-US" altLang="en-US" sz="2000" i="1" dirty="0">
-                <a:ea typeface="Times New Roman" pitchFamily="18" charset="0"/>
-              </a:rPr>
-              <a:t>E.g.</a:t>
-            </a:r>
-            <a:r>
-              <a:rPr lang="en-US" altLang="en-US" sz="2000" dirty="0">
-                <a:ea typeface="Times New Roman" pitchFamily="18" charset="0"/>
-              </a:rPr>
-              <a:t>, </a:t>
-            </a:r>
-            <a:r>
-              <a:rPr lang="en-US" altLang="en-US" sz="2000" b="1" dirty="0">
-                <a:ea typeface="Times New Roman" pitchFamily="18" charset="0"/>
-              </a:rPr>
-              <a:t>+  -  *  /  %  []  ()  ^  !  &amp;  &lt;  &lt;=  &gt;  &gt;=</a:t>
+              <a:buFontTx/>
+              <a:buNone/>
+              <a:defRPr/>
+            </a:pPr>
+            <a:r>
+              <a:rPr lang="en-US" altLang="en-US" sz="2000" b="1" dirty="0"/>
+              <a:t>Date </a:t>
+            </a:r>
+            <a:r>
+              <a:rPr lang="en-US" altLang="en-US" sz="2000" b="1" dirty="0" err="1"/>
+              <a:t>next_Sunday</a:t>
+            </a:r>
+            <a:r>
+              <a:rPr lang="en-US" altLang="en-US" sz="2000" b="1" dirty="0"/>
+              <a:t>(</a:t>
+            </a:r>
+            <a:r>
+              <a:rPr lang="en-US" altLang="en-US" sz="2000" b="1" dirty="0" err="1"/>
+              <a:t>const</a:t>
+            </a:r>
+            <a:r>
+              <a:rPr lang="en-US" altLang="en-US" sz="2000" b="1" dirty="0"/>
+              <a:t> Date&amp; d)</a:t>
             </a:r>
           </a:p>
           <a:p>
             <a:pPr eaLnBrk="1" hangingPunct="1">
               <a:lnSpc>
-                <a:spcPct val="80000"/>
+                <a:spcPct val="90000"/>
               </a:lnSpc>
-              <a:defRPr/>
-            </a:pPr>
-            <a:r>
-              <a:rPr lang="en-US" altLang="en-US" dirty="0"/>
-              <a:t>You can define operators only with their conventional number of operands</a:t>
-            </a:r>
-          </a:p>
-          <a:p>
-            <a:pPr lvl="1" eaLnBrk="1" hangingPunct="1">
-              <a:lnSpc>
-                <a:spcPct val="80000"/>
-              </a:lnSpc>
-              <a:defRPr/>
-            </a:pPr>
-            <a:r>
-              <a:rPr lang="en-US" altLang="en-US" sz="2000" i="1" dirty="0">
-                <a:ea typeface="Times New Roman" pitchFamily="18" charset="0"/>
-              </a:rPr>
-              <a:t>E.g.</a:t>
-            </a:r>
-            <a:r>
-              <a:rPr lang="en-US" altLang="en-US" sz="2000" dirty="0">
-                <a:ea typeface="Times New Roman" pitchFamily="18" charset="0"/>
-              </a:rPr>
-              <a:t>, no unary </a:t>
-            </a:r>
-            <a:r>
-              <a:rPr lang="en-US" altLang="en-US" sz="2000" b="1" dirty="0">
-                <a:ea typeface="Times New Roman" pitchFamily="18" charset="0"/>
-              </a:rPr>
-              <a:t>&lt;=</a:t>
-            </a:r>
-            <a:r>
-              <a:rPr lang="en-US" altLang="en-US" sz="2000" dirty="0">
-                <a:ea typeface="Times New Roman" pitchFamily="18" charset="0"/>
-              </a:rPr>
-              <a:t> (less than or equal) and no binary </a:t>
-            </a:r>
-            <a:r>
-              <a:rPr lang="en-US" altLang="en-US" sz="2000" b="1" dirty="0">
-                <a:ea typeface="Times New Roman" pitchFamily="18" charset="0"/>
-              </a:rPr>
-              <a:t>!</a:t>
-            </a:r>
-            <a:r>
-              <a:rPr lang="en-US" altLang="en-US" sz="2000" dirty="0">
-                <a:ea typeface="Times New Roman" pitchFamily="18" charset="0"/>
-              </a:rPr>
-              <a:t> (not)</a:t>
+              <a:buFontTx/>
+              <a:buNone/>
+              <a:defRPr/>
+            </a:pPr>
+            <a:r>
+              <a:rPr lang="en-US" altLang="en-US" sz="2000" b="1" dirty="0"/>
+              <a:t>{</a:t>
             </a:r>
           </a:p>
           <a:p>
             <a:pPr eaLnBrk="1" hangingPunct="1">
               <a:lnSpc>
-                <a:spcPct val="80000"/>
+                <a:spcPct val="90000"/>
               </a:lnSpc>
-              <a:defRPr/>
-            </a:pPr>
-            <a:r>
-              <a:rPr lang="en-US" altLang="en-US" dirty="0"/>
-              <a:t>An overloaded operator must have at least one user-defined type as operand</a:t>
-            </a:r>
-          </a:p>
-          <a:p>
-            <a:pPr lvl="1" eaLnBrk="1" hangingPunct="1">
-              <a:lnSpc>
-                <a:spcPct val="80000"/>
-              </a:lnSpc>
-              <a:defRPr/>
-            </a:pPr>
-            <a:r>
-              <a:rPr lang="en-US" altLang="en-US" sz="2000" b="1" dirty="0" err="1">
-                <a:ea typeface="Times New Roman" pitchFamily="18" charset="0"/>
-              </a:rPr>
-              <a:t>int</a:t>
-            </a:r>
-            <a:r>
-              <a:rPr lang="en-US" altLang="en-US" sz="2000" b="1" dirty="0">
-                <a:ea typeface="Times New Roman" pitchFamily="18" charset="0"/>
-              </a:rPr>
-              <a:t> operator+(</a:t>
-            </a:r>
-            <a:r>
-              <a:rPr lang="en-US" altLang="en-US" sz="2000" b="1" dirty="0" err="1">
-                <a:ea typeface="Times New Roman" pitchFamily="18" charset="0"/>
-              </a:rPr>
-              <a:t>int,int</a:t>
-            </a:r>
-            <a:r>
-              <a:rPr lang="en-US" altLang="en-US" sz="2000" b="1" dirty="0">
-                <a:ea typeface="Times New Roman" pitchFamily="18" charset="0"/>
-              </a:rPr>
-              <a:t>);	//</a:t>
-            </a:r>
-            <a:r>
-              <a:rPr lang="en-US" altLang="en-US" sz="2000" dirty="0">
-                <a:ea typeface="Times New Roman" pitchFamily="18" charset="0"/>
-              </a:rPr>
-              <a:t> error: you can</a:t>
-            </a:r>
-            <a:r>
-              <a:rPr lang="en-US" altLang="ja-JP" sz="2000" dirty="0">
-                <a:ea typeface="MS PGothic" pitchFamily="34" charset="-128"/>
-              </a:rPr>
-              <a:t>’t overload built-in +</a:t>
-            </a:r>
-          </a:p>
-          <a:p>
-            <a:pPr lvl="1" eaLnBrk="1" hangingPunct="1">
-              <a:lnSpc>
-                <a:spcPct val="80000"/>
-              </a:lnSpc>
-              <a:defRPr/>
-            </a:pPr>
-            <a:r>
-              <a:rPr lang="en-US" altLang="en-US" sz="2000" b="1" dirty="0">
-                <a:ea typeface="Times New Roman" pitchFamily="18" charset="0"/>
-              </a:rPr>
-              <a:t>Vector operator+(</a:t>
-            </a:r>
-            <a:r>
-              <a:rPr lang="en-US" altLang="en-US" sz="2000" b="1" dirty="0" err="1">
-                <a:ea typeface="Times New Roman" pitchFamily="18" charset="0"/>
-              </a:rPr>
-              <a:t>const</a:t>
-            </a:r>
-            <a:r>
-              <a:rPr lang="en-US" altLang="en-US" sz="2000" b="1" dirty="0">
-                <a:ea typeface="Times New Roman" pitchFamily="18" charset="0"/>
-              </a:rPr>
-              <a:t> Vector&amp;, </a:t>
-            </a:r>
-            <a:r>
-              <a:rPr lang="en-US" altLang="en-US" sz="2000" b="1" dirty="0" err="1">
-                <a:ea typeface="Times New Roman" pitchFamily="18" charset="0"/>
-              </a:rPr>
-              <a:t>const</a:t>
-            </a:r>
-            <a:r>
-              <a:rPr lang="en-US" altLang="en-US" sz="2000" b="1" dirty="0">
-                <a:ea typeface="Times New Roman" pitchFamily="18" charset="0"/>
-              </a:rPr>
-              <a:t> Vector &amp;);	//</a:t>
-            </a:r>
-            <a:r>
-              <a:rPr lang="en-US" altLang="en-US" sz="2000" dirty="0">
-                <a:ea typeface="Times New Roman" pitchFamily="18" charset="0"/>
-              </a:rPr>
-              <a:t> ok</a:t>
+              <a:buFontTx/>
+              <a:buNone/>
+              <a:defRPr/>
+            </a:pPr>
+            <a:r>
+              <a:rPr lang="en-US" altLang="en-US" sz="2000" b="1" dirty="0"/>
+              <a:t>	// </a:t>
+            </a:r>
+            <a:r>
+              <a:rPr lang="en-US" altLang="en-US" sz="2000" i="1" dirty="0"/>
+              <a:t>access </a:t>
+            </a:r>
+            <a:r>
+              <a:rPr lang="en-US" altLang="en-US" sz="2000" b="1" i="1" dirty="0"/>
+              <a:t>d </a:t>
+            </a:r>
+            <a:r>
+              <a:rPr lang="en-US" altLang="en-US" sz="2000" i="1" dirty="0"/>
+              <a:t>using </a:t>
+            </a:r>
+            <a:r>
+              <a:rPr lang="en-US" altLang="en-US" sz="2000" b="1" i="1" dirty="0" err="1"/>
+              <a:t>d.day</a:t>
+            </a:r>
+            <a:r>
+              <a:rPr lang="en-US" altLang="en-US" sz="2000" b="1" i="1" dirty="0"/>
+              <a:t>(), </a:t>
+            </a:r>
+            <a:r>
+              <a:rPr lang="en-US" altLang="en-US" sz="2000" b="1" i="1" dirty="0" err="1"/>
+              <a:t>d.month</a:t>
+            </a:r>
+            <a:r>
+              <a:rPr lang="en-US" altLang="en-US" sz="2000" b="1" i="1" dirty="0"/>
+              <a:t>(), </a:t>
+            </a:r>
+            <a:r>
+              <a:rPr lang="en-US" altLang="en-US" sz="2000" i="1" dirty="0"/>
+              <a:t>and</a:t>
+            </a:r>
+            <a:r>
+              <a:rPr lang="en-US" altLang="en-US" sz="2000" b="1" i="1" dirty="0"/>
+              <a:t> </a:t>
+            </a:r>
+            <a:r>
+              <a:rPr lang="en-US" altLang="en-US" sz="2000" b="1" i="1" dirty="0" err="1"/>
+              <a:t>d.year</a:t>
+            </a:r>
+            <a:r>
+              <a:rPr lang="en-US" altLang="en-US" sz="2000" b="1" i="1" dirty="0"/>
+              <a:t>()</a:t>
             </a:r>
           </a:p>
           <a:p>
             <a:pPr eaLnBrk="1" hangingPunct="1">
               <a:lnSpc>
-                <a:spcPct val="80000"/>
+                <a:spcPct val="90000"/>
               </a:lnSpc>
-              <a:defRPr/>
-            </a:pPr>
-            <a:r>
-              <a:rPr lang="en-US" altLang="en-US" dirty="0"/>
-              <a:t>Advice (not language rule):</a:t>
-            </a:r>
-          </a:p>
-          <a:p>
-            <a:pPr lvl="1" eaLnBrk="1" hangingPunct="1">
-              <a:lnSpc>
-                <a:spcPct val="80000"/>
-              </a:lnSpc>
-              <a:defRPr/>
-            </a:pPr>
-            <a:r>
-              <a:rPr lang="en-US" altLang="en-US" sz="2000" dirty="0">
-                <a:ea typeface="Times New Roman" pitchFamily="18" charset="0"/>
-              </a:rPr>
-              <a:t>Overload operators only with their conventional meaning</a:t>
-            </a:r>
-          </a:p>
-          <a:p>
-            <a:pPr lvl="1" eaLnBrk="1" hangingPunct="1">
-              <a:lnSpc>
-                <a:spcPct val="80000"/>
-              </a:lnSpc>
-              <a:defRPr/>
-            </a:pPr>
-            <a:r>
-              <a:rPr lang="en-US" altLang="en-US" sz="2000" b="1" dirty="0">
-                <a:ea typeface="Times New Roman" pitchFamily="18" charset="0"/>
-              </a:rPr>
-              <a:t>+</a:t>
-            </a:r>
-            <a:r>
-              <a:rPr lang="en-US" altLang="en-US" sz="2000" dirty="0">
-                <a:ea typeface="Times New Roman" pitchFamily="18" charset="0"/>
-              </a:rPr>
-              <a:t> should be addition, </a:t>
-            </a:r>
-            <a:r>
-              <a:rPr lang="en-US" altLang="en-US" sz="2000" b="1" dirty="0">
-                <a:ea typeface="Times New Roman" pitchFamily="18" charset="0"/>
-              </a:rPr>
-              <a:t>*</a:t>
-            </a:r>
-            <a:r>
-              <a:rPr lang="en-US" altLang="en-US" sz="2000" dirty="0">
-                <a:ea typeface="Times New Roman" pitchFamily="18" charset="0"/>
-              </a:rPr>
-              <a:t> be multiplication, </a:t>
-            </a:r>
-            <a:r>
-              <a:rPr lang="en-US" altLang="en-US" sz="2000" b="1" dirty="0">
-                <a:ea typeface="Times New Roman" pitchFamily="18" charset="0"/>
-              </a:rPr>
-              <a:t>[]</a:t>
-            </a:r>
-            <a:r>
-              <a:rPr lang="en-US" altLang="en-US" sz="2000" dirty="0">
-                <a:ea typeface="Times New Roman" pitchFamily="18" charset="0"/>
-              </a:rPr>
-              <a:t> be access, </a:t>
-            </a:r>
-            <a:r>
-              <a:rPr lang="en-US" altLang="en-US" sz="2000" b="1" dirty="0">
-                <a:ea typeface="Times New Roman" pitchFamily="18" charset="0"/>
-              </a:rPr>
-              <a:t>()</a:t>
-            </a:r>
-            <a:r>
-              <a:rPr lang="en-US" altLang="en-US" sz="2000" dirty="0">
-                <a:ea typeface="Times New Roman" pitchFamily="18" charset="0"/>
-              </a:rPr>
-              <a:t> be call, etc.</a:t>
+              <a:buFontTx/>
+              <a:buNone/>
+              <a:defRPr/>
+            </a:pPr>
+            <a:r>
+              <a:rPr lang="en-US" altLang="en-US" sz="2000" b="1" dirty="0"/>
+              <a:t>	// </a:t>
+            </a:r>
+            <a:r>
+              <a:rPr lang="en-US" altLang="en-US" sz="2000" i="1" dirty="0"/>
+              <a:t>make new</a:t>
+            </a:r>
+            <a:r>
+              <a:rPr lang="en-US" altLang="en-US" sz="2000" b="1" i="1" dirty="0"/>
+              <a:t> Date </a:t>
+            </a:r>
+            <a:r>
+              <a:rPr lang="en-US" altLang="en-US" sz="2000" i="1" dirty="0"/>
+              <a:t>to return</a:t>
             </a:r>
           </a:p>
           <a:p>
             <a:pPr eaLnBrk="1" hangingPunct="1">
               <a:lnSpc>
-                <a:spcPct val="80000"/>
+                <a:spcPct val="90000"/>
               </a:lnSpc>
-              <a:defRPr/>
-            </a:pPr>
-            <a:r>
-              <a:rPr lang="en-US" altLang="en-US" dirty="0"/>
-              <a:t>Advice (not language rule):</a:t>
-            </a:r>
-          </a:p>
-          <a:p>
-            <a:pPr lvl="1" eaLnBrk="1" hangingPunct="1">
+              <a:buFontTx/>
+              <a:buNone/>
+              <a:defRPr/>
+            </a:pPr>
+            <a:r>
+              <a:rPr lang="en-US" altLang="en-US" sz="2000" b="1" dirty="0"/>
+              <a:t>}</a:t>
+            </a:r>
+          </a:p>
+          <a:p>
+            <a:pPr eaLnBrk="1" hangingPunct="1">
               <a:lnSpc>
-                <a:spcPct val="80000"/>
+                <a:spcPct val="90000"/>
               </a:lnSpc>
-              <a:defRPr/>
-            </a:pPr>
-            <a:r>
-              <a:rPr lang="en-US" altLang="en-US" sz="2000" dirty="0">
-                <a:ea typeface="Times New Roman" pitchFamily="18" charset="0"/>
-              </a:rPr>
-              <a:t>Don</a:t>
-            </a:r>
-            <a:r>
-              <a:rPr lang="en-US" altLang="ja-JP" sz="2000" dirty="0">
-                <a:ea typeface="MS PGothic" pitchFamily="34" charset="-128"/>
-              </a:rPr>
-              <a:t>’t overload unless you really have to</a:t>
-            </a:r>
-            <a:endParaRPr lang="en-US" altLang="en-US" sz="2000" dirty="0">
-              <a:ea typeface="Times New Roman" pitchFamily="18" charset="0"/>
-            </a:endParaRPr>
+              <a:buFontTx/>
+              <a:buNone/>
+              <a:defRPr/>
+            </a:pPr>
+            <a:endParaRPr lang="en-US" altLang="en-US" sz="1000" b="1" dirty="0"/>
+          </a:p>
+          <a:p>
+            <a:pPr eaLnBrk="1" hangingPunct="1">
+              <a:lnSpc>
+                <a:spcPct val="90000"/>
+              </a:lnSpc>
+              <a:buFontTx/>
+              <a:buNone/>
+              <a:defRPr/>
+            </a:pPr>
+            <a:r>
+              <a:rPr lang="en-US" altLang="en-US" sz="2000" b="1" dirty="0"/>
+              <a:t>Date </a:t>
+            </a:r>
+            <a:r>
+              <a:rPr lang="en-US" altLang="en-US" sz="2000" b="1" dirty="0" err="1"/>
+              <a:t>next_weekday</a:t>
+            </a:r>
+            <a:r>
+              <a:rPr lang="en-US" altLang="en-US" sz="2000" b="1" dirty="0"/>
+              <a:t>(</a:t>
+            </a:r>
+            <a:r>
+              <a:rPr lang="en-US" altLang="en-US" sz="2000" b="1" dirty="0" err="1"/>
+              <a:t>const</a:t>
+            </a:r>
+            <a:r>
+              <a:rPr lang="en-US" altLang="en-US" sz="2000" b="1" dirty="0"/>
+              <a:t> Date&amp; d) { /* </a:t>
+            </a:r>
+            <a:r>
+              <a:rPr lang="en-US" altLang="en-US" sz="2000" i="1" dirty="0"/>
+              <a:t>…</a:t>
+            </a:r>
+            <a:r>
+              <a:rPr lang="en-US" altLang="en-US" sz="2000" b="1" dirty="0"/>
+              <a:t> */ }</a:t>
+            </a:r>
+          </a:p>
+          <a:p>
+            <a:pPr eaLnBrk="1" hangingPunct="1">
+              <a:lnSpc>
+                <a:spcPct val="90000"/>
+              </a:lnSpc>
+              <a:buFontTx/>
+              <a:buNone/>
+              <a:defRPr/>
+            </a:pPr>
+            <a:endParaRPr lang="en-US" altLang="en-US" sz="1000" b="1" dirty="0"/>
+          </a:p>
+          <a:p>
+            <a:pPr eaLnBrk="1" hangingPunct="1">
+              <a:lnSpc>
+                <a:spcPct val="90000"/>
+              </a:lnSpc>
+              <a:buFontTx/>
+              <a:buNone/>
+              <a:defRPr/>
+            </a:pPr>
+            <a:r>
+              <a:rPr lang="en-US" altLang="en-US" sz="2000" b="1" dirty="0"/>
+              <a:t>bool operator==(</a:t>
+            </a:r>
+            <a:r>
+              <a:rPr lang="en-US" altLang="en-US" sz="2000" b="1" dirty="0" err="1"/>
+              <a:t>const</a:t>
+            </a:r>
+            <a:r>
+              <a:rPr lang="en-US" altLang="en-US" sz="2000" b="1" dirty="0"/>
+              <a:t> Date&amp; a, </a:t>
+            </a:r>
+            <a:r>
+              <a:rPr lang="en-US" altLang="en-US" sz="2000" b="1" dirty="0" err="1"/>
+              <a:t>const</a:t>
+            </a:r>
+            <a:r>
+              <a:rPr lang="en-US" altLang="en-US" sz="2000" b="1" dirty="0"/>
+              <a:t> Date&amp; b)</a:t>
+            </a:r>
+          </a:p>
+          <a:p>
+            <a:pPr eaLnBrk="1" hangingPunct="1">
+              <a:lnSpc>
+                <a:spcPct val="90000"/>
+              </a:lnSpc>
+              <a:buFontTx/>
+              <a:buNone/>
+              <a:defRPr/>
+            </a:pPr>
+            <a:r>
+              <a:rPr lang="en-US" altLang="en-US" sz="2000" b="1" dirty="0"/>
+              <a:t>{</a:t>
+            </a:r>
+          </a:p>
+          <a:p>
+            <a:pPr eaLnBrk="1" hangingPunct="1">
+              <a:lnSpc>
+                <a:spcPct val="90000"/>
+              </a:lnSpc>
+              <a:buFontTx/>
+              <a:buNone/>
+              <a:defRPr/>
+            </a:pPr>
+            <a:r>
+              <a:rPr lang="en-US" altLang="en-US" sz="2000" b="1" dirty="0"/>
+              <a:t>	return </a:t>
+            </a:r>
+            <a:r>
+              <a:rPr lang="en-US" altLang="en-US" sz="2000" b="1" dirty="0" err="1"/>
+              <a:t>a.year</a:t>
+            </a:r>
+            <a:r>
+              <a:rPr lang="en-US" altLang="en-US" sz="2000" b="1" dirty="0"/>
+              <a:t>()==</a:t>
+            </a:r>
+            <a:r>
+              <a:rPr lang="en-US" altLang="en-US" sz="2000" b="1" dirty="0" err="1"/>
+              <a:t>b.year</a:t>
+            </a:r>
+            <a:r>
+              <a:rPr lang="en-US" altLang="en-US" sz="2000" b="1" dirty="0"/>
+              <a:t>()</a:t>
+            </a:r>
+          </a:p>
+          <a:p>
+            <a:pPr eaLnBrk="1" hangingPunct="1">
+              <a:lnSpc>
+                <a:spcPct val="90000"/>
+              </a:lnSpc>
+              <a:buFontTx/>
+              <a:buNone/>
+              <a:defRPr/>
+            </a:pPr>
+            <a:r>
+              <a:rPr lang="en-US" altLang="en-US" sz="2000" b="1" dirty="0"/>
+              <a:t>		&amp;&amp; </a:t>
+            </a:r>
+            <a:r>
+              <a:rPr lang="en-US" altLang="en-US" sz="2000" b="1" dirty="0" err="1"/>
+              <a:t>a.month</a:t>
+            </a:r>
+            <a:r>
+              <a:rPr lang="en-US" altLang="en-US" sz="2000" b="1" dirty="0"/>
+              <a:t>()==</a:t>
+            </a:r>
+            <a:r>
+              <a:rPr lang="en-US" altLang="en-US" sz="2000" b="1" dirty="0" err="1"/>
+              <a:t>b.month</a:t>
+            </a:r>
+            <a:r>
+              <a:rPr lang="en-US" altLang="en-US" sz="2000" b="1" dirty="0"/>
+              <a:t>()</a:t>
+            </a:r>
+          </a:p>
+          <a:p>
+            <a:pPr eaLnBrk="1" hangingPunct="1">
+              <a:lnSpc>
+                <a:spcPct val="90000"/>
+              </a:lnSpc>
+              <a:buFontTx/>
+              <a:buNone/>
+              <a:defRPr/>
+            </a:pPr>
+            <a:r>
+              <a:rPr lang="en-US" altLang="en-US" sz="2000" b="1" dirty="0"/>
+              <a:t>		&amp;&amp; </a:t>
+            </a:r>
+            <a:r>
+              <a:rPr lang="en-US" altLang="en-US" sz="2000" b="1" dirty="0" err="1"/>
+              <a:t>a.day</a:t>
+            </a:r>
+            <a:r>
+              <a:rPr lang="en-US" altLang="en-US" sz="2000" b="1" dirty="0"/>
+              <a:t>()==</a:t>
+            </a:r>
+            <a:r>
+              <a:rPr lang="en-US" altLang="en-US" sz="2000" b="1" dirty="0" err="1"/>
+              <a:t>b.day</a:t>
+            </a:r>
+            <a:r>
+              <a:rPr lang="en-US" altLang="en-US" sz="2000" b="1" dirty="0"/>
+              <a:t>();</a:t>
+            </a:r>
+          </a:p>
+          <a:p>
+            <a:pPr eaLnBrk="1" hangingPunct="1">
+              <a:lnSpc>
+                <a:spcPct val="90000"/>
+              </a:lnSpc>
+              <a:buFontTx/>
+              <a:buNone/>
+              <a:defRPr/>
+            </a:pPr>
+            <a:r>
+              <a:rPr lang="en-US" altLang="en-US" sz="2000" b="1" dirty="0"/>
+              <a:t>}</a:t>
+            </a:r>
+          </a:p>
+          <a:p>
+            <a:pPr eaLnBrk="1" hangingPunct="1">
+              <a:lnSpc>
+                <a:spcPct val="90000"/>
+              </a:lnSpc>
+              <a:buFontTx/>
+              <a:buNone/>
+              <a:defRPr/>
+            </a:pPr>
+            <a:endParaRPr lang="en-US" altLang="en-US" sz="1000" b="1" dirty="0"/>
+          </a:p>
+          <a:p>
+            <a:pPr eaLnBrk="1" hangingPunct="1">
+              <a:lnSpc>
+                <a:spcPct val="90000"/>
+              </a:lnSpc>
+              <a:buFontTx/>
+              <a:buNone/>
+              <a:defRPr/>
+            </a:pPr>
+            <a:r>
+              <a:rPr lang="en-US" altLang="en-US" sz="2000" b="1" dirty="0"/>
+              <a:t>bool operator!=(</a:t>
+            </a:r>
+            <a:r>
+              <a:rPr lang="en-US" altLang="en-US" sz="2000" b="1" dirty="0" err="1"/>
+              <a:t>const</a:t>
+            </a:r>
+            <a:r>
+              <a:rPr lang="en-US" altLang="en-US" sz="2000" b="1" dirty="0"/>
+              <a:t> Date&amp; a, </a:t>
+            </a:r>
+            <a:r>
+              <a:rPr lang="en-US" altLang="en-US" sz="2000" b="1" dirty="0" err="1"/>
+              <a:t>const</a:t>
+            </a:r>
+            <a:r>
+              <a:rPr lang="en-US" altLang="en-US" sz="2000" b="1" dirty="0"/>
+              <a:t> Date&amp; b) { return !(a==b); }</a:t>
+            </a:r>
+          </a:p>
+          <a:p>
+            <a:pPr eaLnBrk="1" hangingPunct="1">
+              <a:lnSpc>
+                <a:spcPct val="90000"/>
+              </a:lnSpc>
+              <a:buFontTx/>
+              <a:buNone/>
+              <a:defRPr/>
+            </a:pPr>
+            <a:endParaRPr lang="en-US" altLang="en-US" sz="2000" b="1" dirty="0"/>
           </a:p>
         </p:txBody>
       </p:sp>
@@ -29624,7 +29525,7 @@
               <a:buNone/>
               <a:defRPr/>
             </a:pPr>
-            <a:fld id="{B9E2FB7A-7733-4FE8-919A-EB61391C0BAE}" type="slidenum">
+            <a:fld id="{9CAF7914-392D-40D5-9FBA-6928E41BA633}" type="slidenum">
               <a:rPr lang="en-US" altLang="en-US" sz="1400">
                 <a:latin typeface="Arial" panose="020B0604020202020204" pitchFamily="34" charset="0"/>
               </a:rPr>
@@ -29649,7 +29550,7 @@
     </p:spTree>
     <p:extLst>
       <p:ext uri="{BB962C8B-B14F-4D97-AF65-F5344CB8AC3E}">
-        <p14:creationId xmlns:p14="http://schemas.microsoft.com/office/powerpoint/2010/main" val="2673765358"/>
+        <p14:creationId xmlns:p14="http://schemas.microsoft.com/office/powerpoint/2010/main" val="1163132447"/>
       </p:ext>
     </p:extLst>
   </p:cSld>
@@ -29688,7 +29589,1445 @@
       </p:grpSpPr>
       <p:sp>
         <p:nvSpPr>
-          <p:cNvPr id="2" name="Title 1"/>
+          <p:cNvPr id="29698" name="Rectangle 2"/>
+          <p:cNvSpPr>
+            <a:spLocks noGrp="1" noChangeArrowheads="1"/>
+          </p:cNvSpPr>
+          <p:nvPr>
+            <p:ph type="title"/>
+          </p:nvPr>
+        </p:nvSpPr>
+        <p:spPr/>
+        <p:txBody>
+          <a:bodyPr/>
+          <a:lstStyle/>
+          <a:p>
+            <a:pPr eaLnBrk="1" hangingPunct="1">
+              <a:defRPr/>
+            </a:pPr>
+            <a:r>
+              <a:rPr lang="en-US" altLang="en-US" smtClean="0"/>
+              <a:t>Operator overloading</a:t>
+            </a:r>
+          </a:p>
+        </p:txBody>
+      </p:sp>
+      <p:sp>
+        <p:nvSpPr>
+          <p:cNvPr id="29699" name="Rectangle 3"/>
+          <p:cNvSpPr>
+            <a:spLocks noGrp="1" noChangeArrowheads="1"/>
+          </p:cNvSpPr>
+          <p:nvPr>
+            <p:ph idx="1"/>
+          </p:nvPr>
+        </p:nvSpPr>
+        <p:spPr/>
+        <p:txBody>
+          <a:bodyPr/>
+          <a:lstStyle/>
+          <a:p>
+            <a:pPr eaLnBrk="1" hangingPunct="1">
+              <a:lnSpc>
+                <a:spcPct val="80000"/>
+              </a:lnSpc>
+              <a:defRPr/>
+            </a:pPr>
+            <a:r>
+              <a:rPr lang="en-US" altLang="en-US" sz="2800" dirty="0"/>
+              <a:t>You can define </a:t>
+            </a:r>
+            <a:r>
+              <a:rPr lang="en-US" altLang="en-US" sz="2800" dirty="0" smtClean="0"/>
+              <a:t>C</a:t>
+            </a:r>
+            <a:r>
+              <a:rPr lang="en-US" altLang="en-US" sz="2800" dirty="0"/>
+              <a:t>++ operators for </a:t>
+            </a:r>
+            <a:r>
+              <a:rPr lang="en-US" altLang="en-US" sz="2800" dirty="0" smtClean="0"/>
+              <a:t>class </a:t>
+            </a:r>
+            <a:r>
+              <a:rPr lang="en-US" altLang="en-US" sz="2800" dirty="0"/>
+              <a:t>or </a:t>
+            </a:r>
+            <a:r>
+              <a:rPr lang="en-US" altLang="en-US" sz="2800" dirty="0" smtClean="0"/>
+              <a:t>enumeration objects.</a:t>
+            </a:r>
+            <a:r>
+              <a:rPr lang="en-US" altLang="en-US" sz="2800" dirty="0"/>
+              <a:t> </a:t>
+            </a:r>
+            <a:r>
+              <a:rPr lang="en-US" altLang="en-US" dirty="0" smtClean="0">
+                <a:ea typeface="Times New Roman" pitchFamily="18" charset="0"/>
+              </a:rPr>
+              <a:t>That</a:t>
+            </a:r>
+            <a:r>
+              <a:rPr lang="en-US" altLang="ja-JP" dirty="0" smtClean="0">
+                <a:ea typeface="MS PGothic" pitchFamily="34" charset="-128"/>
+              </a:rPr>
+              <a:t>’s </a:t>
+            </a:r>
+            <a:r>
+              <a:rPr lang="en-US" altLang="ja-JP" dirty="0">
+                <a:ea typeface="MS PGothic" pitchFamily="34" charset="-128"/>
+              </a:rPr>
+              <a:t>often called “operator overloading”</a:t>
+            </a:r>
+          </a:p>
+          <a:p>
+            <a:pPr lvl="2" eaLnBrk="1" hangingPunct="1">
+              <a:lnSpc>
+                <a:spcPct val="80000"/>
+              </a:lnSpc>
+              <a:buFontTx/>
+              <a:buNone/>
+              <a:defRPr/>
+            </a:pPr>
+            <a:r>
+              <a:rPr lang="en-US" altLang="en-US" sz="2000" b="1" dirty="0" err="1">
+                <a:ea typeface="Times New Roman" pitchFamily="18" charset="0"/>
+              </a:rPr>
+              <a:t>enum</a:t>
+            </a:r>
+            <a:r>
+              <a:rPr lang="en-US" altLang="en-US" sz="2000" b="1" dirty="0">
+                <a:ea typeface="Times New Roman" pitchFamily="18" charset="0"/>
+              </a:rPr>
+              <a:t> class Month {</a:t>
+            </a:r>
+          </a:p>
+          <a:p>
+            <a:pPr lvl="2" eaLnBrk="1" hangingPunct="1">
+              <a:lnSpc>
+                <a:spcPct val="80000"/>
+              </a:lnSpc>
+              <a:buFontTx/>
+              <a:buNone/>
+              <a:defRPr/>
+            </a:pPr>
+            <a:r>
+              <a:rPr lang="en-US" altLang="en-US" sz="2000" b="1" dirty="0">
+                <a:ea typeface="Times New Roman" pitchFamily="18" charset="0"/>
+              </a:rPr>
+              <a:t>	</a:t>
+            </a:r>
+            <a:r>
+              <a:rPr lang="en-US" altLang="en-US" sz="2000" b="1" dirty="0" err="1">
+                <a:ea typeface="Times New Roman" pitchFamily="18" charset="0"/>
+              </a:rPr>
+              <a:t>jan</a:t>
+            </a:r>
+            <a:r>
+              <a:rPr lang="en-US" altLang="en-US" sz="2000" b="1" dirty="0">
+                <a:ea typeface="Times New Roman" pitchFamily="18" charset="0"/>
+              </a:rPr>
+              <a:t>=1, </a:t>
+            </a:r>
+            <a:r>
+              <a:rPr lang="en-US" altLang="en-US" sz="2000" b="1" dirty="0" err="1">
+                <a:ea typeface="Times New Roman" pitchFamily="18" charset="0"/>
+              </a:rPr>
+              <a:t>feb</a:t>
+            </a:r>
+            <a:r>
+              <a:rPr lang="en-US" altLang="en-US" sz="2000" b="1" dirty="0">
+                <a:ea typeface="Times New Roman" pitchFamily="18" charset="0"/>
+              </a:rPr>
+              <a:t>, mar, </a:t>
+            </a:r>
+            <a:r>
+              <a:rPr lang="en-US" altLang="en-US" sz="2000" b="1" dirty="0" err="1">
+                <a:ea typeface="Times New Roman" pitchFamily="18" charset="0"/>
+              </a:rPr>
+              <a:t>apr</a:t>
+            </a:r>
+            <a:r>
+              <a:rPr lang="en-US" altLang="en-US" sz="2000" b="1" dirty="0">
+                <a:ea typeface="Times New Roman" pitchFamily="18" charset="0"/>
+              </a:rPr>
+              <a:t>, may, </a:t>
+            </a:r>
+            <a:r>
+              <a:rPr lang="en-US" altLang="en-US" sz="2000" b="1" dirty="0" err="1">
+                <a:ea typeface="Times New Roman" pitchFamily="18" charset="0"/>
+              </a:rPr>
+              <a:t>jun</a:t>
+            </a:r>
+            <a:r>
+              <a:rPr lang="en-US" altLang="en-US" sz="2000" b="1" dirty="0">
+                <a:ea typeface="Times New Roman" pitchFamily="18" charset="0"/>
+              </a:rPr>
+              <a:t>, </a:t>
+            </a:r>
+            <a:r>
+              <a:rPr lang="en-US" altLang="en-US" sz="2000" b="1" dirty="0" err="1">
+                <a:ea typeface="Times New Roman" pitchFamily="18" charset="0"/>
+              </a:rPr>
+              <a:t>jul</a:t>
+            </a:r>
+            <a:r>
+              <a:rPr lang="en-US" altLang="en-US" sz="2000" b="1" dirty="0">
+                <a:ea typeface="Times New Roman" pitchFamily="18" charset="0"/>
+              </a:rPr>
+              <a:t>, </a:t>
+            </a:r>
+            <a:r>
+              <a:rPr lang="en-US" altLang="en-US" sz="2000" b="1" dirty="0" err="1">
+                <a:ea typeface="Times New Roman" pitchFamily="18" charset="0"/>
+              </a:rPr>
+              <a:t>aug</a:t>
+            </a:r>
+            <a:r>
+              <a:rPr lang="en-US" altLang="en-US" sz="2000" b="1" dirty="0">
+                <a:ea typeface="Times New Roman" pitchFamily="18" charset="0"/>
+              </a:rPr>
+              <a:t>, </a:t>
+            </a:r>
+            <a:r>
+              <a:rPr lang="en-US" altLang="en-US" sz="2000" b="1" dirty="0" err="1">
+                <a:ea typeface="Times New Roman" pitchFamily="18" charset="0"/>
+              </a:rPr>
+              <a:t>sep</a:t>
+            </a:r>
+            <a:r>
+              <a:rPr lang="en-US" altLang="en-US" sz="2000" b="1" dirty="0">
+                <a:ea typeface="Times New Roman" pitchFamily="18" charset="0"/>
+              </a:rPr>
+              <a:t>, </a:t>
+            </a:r>
+            <a:r>
+              <a:rPr lang="en-US" altLang="en-US" sz="2000" b="1" dirty="0" err="1">
+                <a:ea typeface="Times New Roman" pitchFamily="18" charset="0"/>
+              </a:rPr>
+              <a:t>oct</a:t>
+            </a:r>
+            <a:r>
+              <a:rPr lang="en-US" altLang="en-US" sz="2000" b="1" dirty="0">
+                <a:ea typeface="Times New Roman" pitchFamily="18" charset="0"/>
+              </a:rPr>
+              <a:t>, </a:t>
+            </a:r>
+            <a:r>
+              <a:rPr lang="en-US" altLang="en-US" sz="2000" b="1" dirty="0" err="1">
+                <a:ea typeface="Times New Roman" pitchFamily="18" charset="0"/>
+              </a:rPr>
+              <a:t>nov</a:t>
+            </a:r>
+            <a:r>
+              <a:rPr lang="en-US" altLang="en-US" sz="2000" b="1" dirty="0">
+                <a:ea typeface="Times New Roman" pitchFamily="18" charset="0"/>
+              </a:rPr>
+              <a:t>, </a:t>
+            </a:r>
+            <a:r>
+              <a:rPr lang="en-US" altLang="en-US" sz="2000" b="1" dirty="0" err="1">
+                <a:ea typeface="Times New Roman" pitchFamily="18" charset="0"/>
+              </a:rPr>
+              <a:t>dec</a:t>
+            </a:r>
+            <a:endParaRPr lang="en-US" altLang="en-US" sz="2000" b="1" dirty="0">
+              <a:ea typeface="Times New Roman" pitchFamily="18" charset="0"/>
+            </a:endParaRPr>
+          </a:p>
+          <a:p>
+            <a:pPr lvl="2" eaLnBrk="1" hangingPunct="1">
+              <a:lnSpc>
+                <a:spcPct val="80000"/>
+              </a:lnSpc>
+              <a:buFontTx/>
+              <a:buNone/>
+              <a:defRPr/>
+            </a:pPr>
+            <a:r>
+              <a:rPr lang="en-US" altLang="en-US" sz="2000" b="1" dirty="0">
+                <a:ea typeface="Times New Roman" pitchFamily="18" charset="0"/>
+              </a:rPr>
+              <a:t>};</a:t>
+            </a:r>
+          </a:p>
+          <a:p>
+            <a:pPr lvl="2" eaLnBrk="1" hangingPunct="1">
+              <a:lnSpc>
+                <a:spcPct val="80000"/>
+              </a:lnSpc>
+              <a:buFontTx/>
+              <a:buNone/>
+              <a:defRPr/>
+            </a:pPr>
+            <a:endParaRPr lang="en-US" altLang="en-US" sz="1000" b="1" dirty="0">
+              <a:ea typeface="Times New Roman" pitchFamily="18" charset="0"/>
+            </a:endParaRPr>
+          </a:p>
+          <a:p>
+            <a:pPr lvl="2" eaLnBrk="1" hangingPunct="1">
+              <a:lnSpc>
+                <a:spcPct val="80000"/>
+              </a:lnSpc>
+              <a:buFontTx/>
+              <a:buNone/>
+              <a:defRPr/>
+            </a:pPr>
+            <a:r>
+              <a:rPr lang="en-US" altLang="en-US" sz="2000" b="1" dirty="0">
+                <a:ea typeface="Times New Roman" pitchFamily="18" charset="0"/>
+              </a:rPr>
+              <a:t>Month operator++(Month&amp; m)	// </a:t>
+            </a:r>
+            <a:r>
+              <a:rPr lang="en-US" altLang="en-US" sz="2000" i="1" dirty="0">
+                <a:ea typeface="Times New Roman" pitchFamily="18" charset="0"/>
+              </a:rPr>
+              <a:t>prefix increment operator</a:t>
+            </a:r>
+          </a:p>
+          <a:p>
+            <a:pPr lvl="2" eaLnBrk="1" hangingPunct="1">
+              <a:lnSpc>
+                <a:spcPct val="80000"/>
+              </a:lnSpc>
+              <a:buFontTx/>
+              <a:buNone/>
+              <a:defRPr/>
+            </a:pPr>
+            <a:r>
+              <a:rPr lang="en-US" altLang="en-US" sz="2000" b="1" dirty="0">
+                <a:ea typeface="Times New Roman" pitchFamily="18" charset="0"/>
+              </a:rPr>
+              <a:t>{</a:t>
+            </a:r>
+          </a:p>
+          <a:p>
+            <a:pPr lvl="2" eaLnBrk="1" hangingPunct="1">
+              <a:lnSpc>
+                <a:spcPct val="80000"/>
+              </a:lnSpc>
+              <a:buFontTx/>
+              <a:buNone/>
+              <a:defRPr/>
+            </a:pPr>
+            <a:r>
+              <a:rPr lang="en-US" altLang="en-US" sz="2000" b="1" dirty="0">
+                <a:ea typeface="Times New Roman" pitchFamily="18" charset="0"/>
+              </a:rPr>
+              <a:t>	// </a:t>
+            </a:r>
+            <a:r>
+              <a:rPr lang="en-US" altLang="ja-JP" sz="2000" i="1" dirty="0">
+                <a:ea typeface="MS PGothic" pitchFamily="34" charset="-128"/>
+              </a:rPr>
+              <a:t>“wrap around”:</a:t>
+            </a:r>
+            <a:endParaRPr lang="en-US" altLang="en-US" sz="2000" b="1" dirty="0">
+              <a:ea typeface="Times New Roman" pitchFamily="18" charset="0"/>
+            </a:endParaRPr>
+          </a:p>
+          <a:p>
+            <a:pPr lvl="2" eaLnBrk="1" hangingPunct="1">
+              <a:lnSpc>
+                <a:spcPct val="80000"/>
+              </a:lnSpc>
+              <a:buFontTx/>
+              <a:buNone/>
+              <a:defRPr/>
+            </a:pPr>
+            <a:r>
+              <a:rPr lang="en-US" altLang="en-US" sz="2000" b="1" dirty="0">
+                <a:ea typeface="Times New Roman" pitchFamily="18" charset="0"/>
+              </a:rPr>
+              <a:t>	m = (m==Month::</a:t>
+            </a:r>
+            <a:r>
+              <a:rPr lang="en-US" altLang="en-US" sz="2000" b="1" dirty="0" err="1">
+                <a:ea typeface="Times New Roman" pitchFamily="18" charset="0"/>
+              </a:rPr>
+              <a:t>dec</a:t>
+            </a:r>
+            <a:r>
+              <a:rPr lang="en-US" altLang="en-US" sz="2000" b="1" dirty="0">
+                <a:ea typeface="Times New Roman" pitchFamily="18" charset="0"/>
+              </a:rPr>
+              <a:t>) ? Month::</a:t>
+            </a:r>
+            <a:r>
+              <a:rPr lang="en-US" altLang="en-US" sz="2000" b="1" dirty="0" err="1">
+                <a:ea typeface="Times New Roman" pitchFamily="18" charset="0"/>
+              </a:rPr>
+              <a:t>jan</a:t>
+            </a:r>
+            <a:r>
+              <a:rPr lang="en-US" altLang="en-US" sz="2000" b="1" dirty="0">
+                <a:ea typeface="Times New Roman" pitchFamily="18" charset="0"/>
+              </a:rPr>
+              <a:t> : Month(m+1); </a:t>
+            </a:r>
+            <a:endParaRPr lang="en-US" altLang="ja-JP" sz="2000" i="1" dirty="0">
+              <a:ea typeface="MS PGothic" pitchFamily="34" charset="-128"/>
+            </a:endParaRPr>
+          </a:p>
+          <a:p>
+            <a:pPr lvl="2" eaLnBrk="1" hangingPunct="1">
+              <a:lnSpc>
+                <a:spcPct val="80000"/>
+              </a:lnSpc>
+              <a:buFontTx/>
+              <a:buNone/>
+              <a:defRPr/>
+            </a:pPr>
+            <a:r>
+              <a:rPr lang="en-US" altLang="en-US" sz="2000" b="1" dirty="0">
+                <a:ea typeface="Times New Roman" pitchFamily="18" charset="0"/>
+              </a:rPr>
+              <a:t>	return m;</a:t>
+            </a:r>
+          </a:p>
+          <a:p>
+            <a:pPr lvl="2" eaLnBrk="1" hangingPunct="1">
+              <a:lnSpc>
+                <a:spcPct val="80000"/>
+              </a:lnSpc>
+              <a:buFontTx/>
+              <a:buNone/>
+              <a:defRPr/>
+            </a:pPr>
+            <a:r>
+              <a:rPr lang="en-US" altLang="en-US" sz="2000" b="1" dirty="0">
+                <a:ea typeface="Times New Roman" pitchFamily="18" charset="0"/>
+              </a:rPr>
+              <a:t>}</a:t>
+            </a:r>
+          </a:p>
+          <a:p>
+            <a:pPr lvl="2" eaLnBrk="1" hangingPunct="1">
+              <a:lnSpc>
+                <a:spcPct val="80000"/>
+              </a:lnSpc>
+              <a:buFontTx/>
+              <a:buNone/>
+              <a:defRPr/>
+            </a:pPr>
+            <a:endParaRPr lang="en-US" altLang="en-US" sz="1000" b="1" dirty="0">
+              <a:ea typeface="Times New Roman" pitchFamily="18" charset="0"/>
+            </a:endParaRPr>
+          </a:p>
+          <a:p>
+            <a:pPr lvl="2" eaLnBrk="1" hangingPunct="1">
+              <a:lnSpc>
+                <a:spcPct val="80000"/>
+              </a:lnSpc>
+              <a:buFontTx/>
+              <a:buNone/>
+              <a:defRPr/>
+            </a:pPr>
+            <a:r>
+              <a:rPr lang="en-US" altLang="en-US" sz="2000" b="1" dirty="0">
+                <a:ea typeface="Times New Roman" pitchFamily="18" charset="0"/>
+              </a:rPr>
+              <a:t>Month m = Month::</a:t>
+            </a:r>
+            <a:r>
+              <a:rPr lang="en-US" altLang="en-US" sz="2000" b="1" dirty="0" err="1">
+                <a:ea typeface="Times New Roman" pitchFamily="18" charset="0"/>
+              </a:rPr>
+              <a:t>nov</a:t>
+            </a:r>
+            <a:r>
+              <a:rPr lang="en-US" altLang="en-US" sz="2000" b="1" dirty="0">
+                <a:ea typeface="Times New Roman" pitchFamily="18" charset="0"/>
+              </a:rPr>
+              <a:t>;</a:t>
+            </a:r>
+          </a:p>
+          <a:p>
+            <a:pPr lvl="2" eaLnBrk="1" hangingPunct="1">
+              <a:lnSpc>
+                <a:spcPct val="80000"/>
+              </a:lnSpc>
+              <a:buFontTx/>
+              <a:buNone/>
+              <a:defRPr/>
+            </a:pPr>
+            <a:r>
+              <a:rPr lang="en-US" altLang="en-US" sz="2000" b="1" dirty="0">
+                <a:ea typeface="Times New Roman" pitchFamily="18" charset="0"/>
+              </a:rPr>
+              <a:t>++m;	// </a:t>
+            </a:r>
+            <a:r>
+              <a:rPr lang="en-US" altLang="en-US" sz="2000" b="1" i="1" dirty="0">
+                <a:ea typeface="Times New Roman" pitchFamily="18" charset="0"/>
+              </a:rPr>
+              <a:t>m </a:t>
+            </a:r>
+            <a:r>
+              <a:rPr lang="en-US" altLang="en-US" sz="2000" i="1" dirty="0">
+                <a:ea typeface="Times New Roman" pitchFamily="18" charset="0"/>
+              </a:rPr>
+              <a:t>becomes</a:t>
+            </a:r>
+            <a:r>
+              <a:rPr lang="en-US" altLang="en-US" sz="2000" b="1" i="1" dirty="0">
+                <a:ea typeface="Times New Roman" pitchFamily="18" charset="0"/>
+              </a:rPr>
+              <a:t> </a:t>
+            </a:r>
+            <a:r>
+              <a:rPr lang="en-US" altLang="en-US" sz="2000" b="1" i="1" dirty="0" err="1">
+                <a:ea typeface="Times New Roman" pitchFamily="18" charset="0"/>
+              </a:rPr>
+              <a:t>dec</a:t>
+            </a:r>
+            <a:endParaRPr lang="en-US" altLang="en-US" sz="2000" b="1" dirty="0">
+              <a:ea typeface="Times New Roman" pitchFamily="18" charset="0"/>
+            </a:endParaRPr>
+          </a:p>
+          <a:p>
+            <a:pPr lvl="2" eaLnBrk="1" hangingPunct="1">
+              <a:lnSpc>
+                <a:spcPct val="80000"/>
+              </a:lnSpc>
+              <a:buFontTx/>
+              <a:buNone/>
+              <a:defRPr/>
+            </a:pPr>
+            <a:r>
+              <a:rPr lang="en-US" altLang="en-US" sz="2000" b="1" dirty="0">
+                <a:ea typeface="Times New Roman" pitchFamily="18" charset="0"/>
+              </a:rPr>
+              <a:t>++m;	// </a:t>
+            </a:r>
+            <a:r>
+              <a:rPr lang="en-US" altLang="en-US" sz="2000" b="1" i="1" dirty="0">
+                <a:ea typeface="Times New Roman" pitchFamily="18" charset="0"/>
+              </a:rPr>
+              <a:t>m </a:t>
+            </a:r>
+            <a:r>
+              <a:rPr lang="en-US" altLang="en-US" sz="2000" i="1" dirty="0">
+                <a:ea typeface="Times New Roman" pitchFamily="18" charset="0"/>
+              </a:rPr>
+              <a:t>becomes</a:t>
+            </a:r>
+            <a:r>
+              <a:rPr lang="en-US" altLang="en-US" sz="2000" b="1" i="1" dirty="0">
+                <a:ea typeface="Times New Roman" pitchFamily="18" charset="0"/>
+              </a:rPr>
+              <a:t> </a:t>
+            </a:r>
+            <a:r>
+              <a:rPr lang="en-US" altLang="en-US" sz="2000" b="1" i="1" dirty="0" err="1">
+                <a:ea typeface="Times New Roman" pitchFamily="18" charset="0"/>
+              </a:rPr>
+              <a:t>jan</a:t>
+            </a:r>
+            <a:endParaRPr lang="en-US" altLang="en-US" sz="2000" b="1" i="1" dirty="0">
+              <a:ea typeface="Times New Roman" pitchFamily="18" charset="0"/>
+            </a:endParaRPr>
+          </a:p>
+        </p:txBody>
+      </p:sp>
+      <p:sp>
+        <p:nvSpPr>
+          <p:cNvPr id="4" name="Slide Number Placeholder 5"/>
+          <p:cNvSpPr>
+            <a:spLocks noGrp="1"/>
+          </p:cNvSpPr>
+          <p:nvPr>
+            <p:ph type="sldNum" sz="quarter" idx="12"/>
+          </p:nvPr>
+        </p:nvSpPr>
+        <p:spPr/>
+        <p:txBody>
+          <a:bodyPr/>
+          <a:lstStyle>
+            <a:lvl1pPr eaLnBrk="0" hangingPunct="0">
+              <a:spcBef>
+                <a:spcPct val="20000"/>
+              </a:spcBef>
+              <a:buClr>
+                <a:schemeClr val="hlink"/>
+              </a:buClr>
+              <a:buSzPct val="65000"/>
+              <a:buFont typeface="Wingdings" panose="05000000000000000000" pitchFamily="2" charset="2"/>
+              <a:buChar char="n"/>
+              <a:defRPr sz="3200">
+                <a:solidFill>
+                  <a:schemeClr val="tx1"/>
+                </a:solidFill>
+                <a:latin typeface="Times New Roman" panose="02020603050405020304" pitchFamily="18" charset="0"/>
+                <a:ea typeface="MS PGothic" panose="020B0600070205080204" pitchFamily="34" charset="-128"/>
+                <a:cs typeface="Times New Roman" panose="02020603050405020304" pitchFamily="18" charset="0"/>
+              </a:defRPr>
+            </a:lvl1pPr>
+            <a:lvl2pPr marL="742950" indent="-285750" eaLnBrk="0" hangingPunct="0">
+              <a:spcBef>
+                <a:spcPct val="20000"/>
+              </a:spcBef>
+              <a:buClr>
+                <a:schemeClr val="folHlink"/>
+              </a:buClr>
+              <a:buSzPct val="65000"/>
+              <a:buFont typeface="Wingdings" panose="05000000000000000000" pitchFamily="2" charset="2"/>
+              <a:buChar char="n"/>
+              <a:defRPr sz="2800">
+                <a:solidFill>
+                  <a:schemeClr val="tx1"/>
+                </a:solidFill>
+                <a:latin typeface="Times New Roman" panose="02020603050405020304" pitchFamily="18" charset="0"/>
+                <a:ea typeface="Times New Roman" panose="02020603050405020304" pitchFamily="18" charset="0"/>
+                <a:cs typeface="Times New Roman" panose="02020603050405020304" pitchFamily="18" charset="0"/>
+              </a:defRPr>
+            </a:lvl2pPr>
+            <a:lvl3pPr marL="1143000" indent="-228600" eaLnBrk="0" hangingPunct="0">
+              <a:spcBef>
+                <a:spcPct val="20000"/>
+              </a:spcBef>
+              <a:buClr>
+                <a:schemeClr val="hlink"/>
+              </a:buClr>
+              <a:buSzPct val="65000"/>
+              <a:buFont typeface="Wingdings" panose="05000000000000000000" pitchFamily="2" charset="2"/>
+              <a:buChar char="n"/>
+              <a:defRPr sz="2400">
+                <a:solidFill>
+                  <a:schemeClr val="tx1"/>
+                </a:solidFill>
+                <a:latin typeface="Times New Roman" panose="02020603050405020304" pitchFamily="18" charset="0"/>
+                <a:ea typeface="Times New Roman" panose="02020603050405020304" pitchFamily="18" charset="0"/>
+                <a:cs typeface="Times New Roman" panose="02020603050405020304" pitchFamily="18" charset="0"/>
+              </a:defRPr>
+            </a:lvl3pPr>
+            <a:lvl4pPr marL="1600200" indent="-228600" eaLnBrk="0" hangingPunct="0">
+              <a:spcBef>
+                <a:spcPct val="20000"/>
+              </a:spcBef>
+              <a:buClr>
+                <a:schemeClr val="folHlink"/>
+              </a:buClr>
+              <a:buSzPct val="65000"/>
+              <a:buFont typeface="Wingdings" panose="05000000000000000000" pitchFamily="2" charset="2"/>
+              <a:buChar char="n"/>
+              <a:defRPr sz="2000">
+                <a:solidFill>
+                  <a:schemeClr val="tx1"/>
+                </a:solidFill>
+                <a:latin typeface="Times New Roman" panose="02020603050405020304" pitchFamily="18" charset="0"/>
+                <a:ea typeface="Times New Roman" panose="02020603050405020304" pitchFamily="18" charset="0"/>
+                <a:cs typeface="Times New Roman" panose="02020603050405020304" pitchFamily="18" charset="0"/>
+              </a:defRPr>
+            </a:lvl4pPr>
+            <a:lvl5pPr marL="2057400" indent="-228600" eaLnBrk="0" hangingPunct="0">
+              <a:spcBef>
+                <a:spcPct val="20000"/>
+              </a:spcBef>
+              <a:buClr>
+                <a:schemeClr val="hlink"/>
+              </a:buClr>
+              <a:buSzPct val="65000"/>
+              <a:buFont typeface="Wingdings" panose="05000000000000000000" pitchFamily="2" charset="2"/>
+              <a:buChar char="n"/>
+              <a:defRPr sz="2000">
+                <a:solidFill>
+                  <a:schemeClr val="tx1"/>
+                </a:solidFill>
+                <a:latin typeface="Times New Roman" panose="02020603050405020304" pitchFamily="18" charset="0"/>
+                <a:ea typeface="Times New Roman" panose="02020603050405020304" pitchFamily="18" charset="0"/>
+                <a:cs typeface="Times New Roman" panose="02020603050405020304" pitchFamily="18" charset="0"/>
+              </a:defRPr>
+            </a:lvl5pPr>
+            <a:lvl6pPr marL="2514600" indent="-228600" eaLnBrk="0" fontAlgn="base" hangingPunct="0">
+              <a:spcBef>
+                <a:spcPct val="20000"/>
+              </a:spcBef>
+              <a:spcAft>
+                <a:spcPct val="0"/>
+              </a:spcAft>
+              <a:buClr>
+                <a:schemeClr val="hlink"/>
+              </a:buClr>
+              <a:buSzPct val="65000"/>
+              <a:buFont typeface="Wingdings" panose="05000000000000000000" pitchFamily="2" charset="2"/>
+              <a:buChar char="n"/>
+              <a:defRPr sz="2000">
+                <a:solidFill>
+                  <a:schemeClr val="tx1"/>
+                </a:solidFill>
+                <a:latin typeface="Times New Roman" panose="02020603050405020304" pitchFamily="18" charset="0"/>
+                <a:ea typeface="Times New Roman" panose="02020603050405020304" pitchFamily="18" charset="0"/>
+                <a:cs typeface="Times New Roman" panose="02020603050405020304" pitchFamily="18" charset="0"/>
+              </a:defRPr>
+            </a:lvl6pPr>
+            <a:lvl7pPr marL="2971800" indent="-228600" eaLnBrk="0" fontAlgn="base" hangingPunct="0">
+              <a:spcBef>
+                <a:spcPct val="20000"/>
+              </a:spcBef>
+              <a:spcAft>
+                <a:spcPct val="0"/>
+              </a:spcAft>
+              <a:buClr>
+                <a:schemeClr val="hlink"/>
+              </a:buClr>
+              <a:buSzPct val="65000"/>
+              <a:buFont typeface="Wingdings" panose="05000000000000000000" pitchFamily="2" charset="2"/>
+              <a:buChar char="n"/>
+              <a:defRPr sz="2000">
+                <a:solidFill>
+                  <a:schemeClr val="tx1"/>
+                </a:solidFill>
+                <a:latin typeface="Times New Roman" panose="02020603050405020304" pitchFamily="18" charset="0"/>
+                <a:ea typeface="Times New Roman" panose="02020603050405020304" pitchFamily="18" charset="0"/>
+                <a:cs typeface="Times New Roman" panose="02020603050405020304" pitchFamily="18" charset="0"/>
+              </a:defRPr>
+            </a:lvl7pPr>
+            <a:lvl8pPr marL="3429000" indent="-228600" eaLnBrk="0" fontAlgn="base" hangingPunct="0">
+              <a:spcBef>
+                <a:spcPct val="20000"/>
+              </a:spcBef>
+              <a:spcAft>
+                <a:spcPct val="0"/>
+              </a:spcAft>
+              <a:buClr>
+                <a:schemeClr val="hlink"/>
+              </a:buClr>
+              <a:buSzPct val="65000"/>
+              <a:buFont typeface="Wingdings" panose="05000000000000000000" pitchFamily="2" charset="2"/>
+              <a:buChar char="n"/>
+              <a:defRPr sz="2000">
+                <a:solidFill>
+                  <a:schemeClr val="tx1"/>
+                </a:solidFill>
+                <a:latin typeface="Times New Roman" panose="02020603050405020304" pitchFamily="18" charset="0"/>
+                <a:ea typeface="Times New Roman" panose="02020603050405020304" pitchFamily="18" charset="0"/>
+                <a:cs typeface="Times New Roman" panose="02020603050405020304" pitchFamily="18" charset="0"/>
+              </a:defRPr>
+            </a:lvl8pPr>
+            <a:lvl9pPr marL="3886200" indent="-228600" eaLnBrk="0" fontAlgn="base" hangingPunct="0">
+              <a:spcBef>
+                <a:spcPct val="20000"/>
+              </a:spcBef>
+              <a:spcAft>
+                <a:spcPct val="0"/>
+              </a:spcAft>
+              <a:buClr>
+                <a:schemeClr val="hlink"/>
+              </a:buClr>
+              <a:buSzPct val="65000"/>
+              <a:buFont typeface="Wingdings" panose="05000000000000000000" pitchFamily="2" charset="2"/>
+              <a:buChar char="n"/>
+              <a:defRPr sz="2000">
+                <a:solidFill>
+                  <a:schemeClr val="tx1"/>
+                </a:solidFill>
+                <a:latin typeface="Times New Roman" panose="02020603050405020304" pitchFamily="18" charset="0"/>
+                <a:ea typeface="Times New Roman" panose="02020603050405020304" pitchFamily="18" charset="0"/>
+                <a:cs typeface="Times New Roman" panose="02020603050405020304" pitchFamily="18" charset="0"/>
+              </a:defRPr>
+            </a:lvl9pPr>
+          </a:lstStyle>
+          <a:p>
+            <a:pPr eaLnBrk="1" hangingPunct="1">
+              <a:spcBef>
+                <a:spcPct val="0"/>
+              </a:spcBef>
+              <a:buClrTx/>
+              <a:buSzTx/>
+              <a:buFontTx/>
+              <a:buNone/>
+              <a:defRPr/>
+            </a:pPr>
+            <a:fld id="{DA392B77-9EDB-440F-ABA0-5A9D95CA473F}" type="slidenum">
+              <a:rPr lang="en-US" altLang="en-US" sz="1400">
+                <a:latin typeface="Arial" panose="020B0604020202020204" pitchFamily="34" charset="0"/>
+              </a:rPr>
+              <a:pPr eaLnBrk="1" hangingPunct="1">
+                <a:spcBef>
+                  <a:spcPct val="0"/>
+                </a:spcBef>
+                <a:buClrTx/>
+                <a:buSzTx/>
+                <a:buFontTx/>
+                <a:buNone/>
+                <a:defRPr/>
+              </a:pPr>
+              <a:t>33</a:t>
+            </a:fld>
+            <a:endParaRPr lang="en-US" altLang="en-US" sz="1400">
+              <a:latin typeface="Arial" panose="020B0604020202020204" pitchFamily="34" charset="0"/>
+            </a:endParaRPr>
+          </a:p>
+        </p:txBody>
+      </p:sp>
+    </p:spTree>
+    <p:extLst>
+      <p:ext uri="{BB962C8B-B14F-4D97-AF65-F5344CB8AC3E}">
+        <p14:creationId xmlns:p14="http://schemas.microsoft.com/office/powerpoint/2010/main" val="363329096"/>
+      </p:ext>
+    </p:extLst>
+  </p:cSld>
+  <p:clrMapOvr>
+    <a:masterClrMapping/>
+  </p:clrMapOvr>
+  <p:transition spd="slow">
+    <p:wipe/>
+  </p:transition>
+  <p:timing>
+    <p:tnLst>
+      <p:par>
+        <p:cTn id="1" dur="indefinite" restart="never" nodeType="tmRoot"/>
+      </p:par>
+    </p:tnLst>
+  </p:timing>
+</p:sld>
+</file>
+
+<file path=ppt/slides/slide34.xml><?xml version="1.0" encoding="utf-8"?>
+<p:sld xmlns:a="http://schemas.openxmlformats.org/drawingml/2006/main" xmlns:r="http://schemas.openxmlformats.org/officeDocument/2006/relationships" xmlns:p="http://schemas.openxmlformats.org/presentationml/2006/main">
+  <p:cSld>
+    <p:spTree>
+      <p:nvGrpSpPr>
+        <p:cNvPr id="1" name=""/>
+        <p:cNvGrpSpPr/>
+        <p:nvPr/>
+      </p:nvGrpSpPr>
+      <p:grpSpPr>
+        <a:xfrm>
+          <a:off x="0" y="0"/>
+          <a:ext cx="0" cy="0"/>
+          <a:chOff x="0" y="0"/>
+          <a:chExt cx="0" cy="0"/>
+        </a:xfrm>
+      </p:grpSpPr>
+      <p:sp>
+        <p:nvSpPr>
+          <p:cNvPr id="36866" name="Rectangle 2"/>
+          <p:cNvSpPr>
+            <a:spLocks noGrp="1" noChangeArrowheads="1"/>
+          </p:cNvSpPr>
+          <p:nvPr>
+            <p:ph type="title"/>
+          </p:nvPr>
+        </p:nvSpPr>
+        <p:spPr/>
+        <p:txBody>
+          <a:bodyPr/>
+          <a:lstStyle/>
+          <a:p>
+            <a:pPr eaLnBrk="1" hangingPunct="1">
+              <a:defRPr/>
+            </a:pPr>
+            <a:r>
+              <a:rPr lang="en-US" altLang="en-US" smtClean="0"/>
+              <a:t>Operator overloading</a:t>
+            </a:r>
+          </a:p>
+        </p:txBody>
+      </p:sp>
+      <p:sp>
+        <p:nvSpPr>
+          <p:cNvPr id="36867" name="Rectangle 3"/>
+          <p:cNvSpPr>
+            <a:spLocks noGrp="1" noChangeArrowheads="1"/>
+          </p:cNvSpPr>
+          <p:nvPr>
+            <p:ph idx="1"/>
+          </p:nvPr>
+        </p:nvSpPr>
+        <p:spPr/>
+        <p:txBody>
+          <a:bodyPr/>
+          <a:lstStyle/>
+          <a:p>
+            <a:pPr eaLnBrk="1" hangingPunct="1">
+              <a:lnSpc>
+                <a:spcPct val="80000"/>
+              </a:lnSpc>
+              <a:defRPr/>
+            </a:pPr>
+            <a:r>
+              <a:rPr lang="en-US" altLang="en-US" dirty="0"/>
+              <a:t>You can define only existing operators</a:t>
+            </a:r>
+          </a:p>
+          <a:p>
+            <a:pPr lvl="1" eaLnBrk="1" hangingPunct="1">
+              <a:lnSpc>
+                <a:spcPct val="80000"/>
+              </a:lnSpc>
+              <a:defRPr/>
+            </a:pPr>
+            <a:r>
+              <a:rPr lang="en-US" altLang="en-US" sz="2000" i="1" dirty="0">
+                <a:ea typeface="Times New Roman" pitchFamily="18" charset="0"/>
+              </a:rPr>
+              <a:t>E.g.</a:t>
+            </a:r>
+            <a:r>
+              <a:rPr lang="en-US" altLang="en-US" sz="2000" dirty="0">
+                <a:ea typeface="Times New Roman" pitchFamily="18" charset="0"/>
+              </a:rPr>
+              <a:t>, </a:t>
+            </a:r>
+            <a:r>
+              <a:rPr lang="en-US" altLang="en-US" sz="2000" b="1" dirty="0">
+                <a:ea typeface="Times New Roman" pitchFamily="18" charset="0"/>
+              </a:rPr>
+              <a:t>+  -  *  /  %  []  ()  ^  !  &amp;  &lt;  &lt;=  &gt;  &gt;=</a:t>
+            </a:r>
+          </a:p>
+          <a:p>
+            <a:pPr eaLnBrk="1" hangingPunct="1">
+              <a:lnSpc>
+                <a:spcPct val="80000"/>
+              </a:lnSpc>
+              <a:defRPr/>
+            </a:pPr>
+            <a:r>
+              <a:rPr lang="en-US" altLang="en-US" dirty="0"/>
+              <a:t>You can define operators only with their conventional number of operands</a:t>
+            </a:r>
+          </a:p>
+          <a:p>
+            <a:pPr lvl="1" eaLnBrk="1" hangingPunct="1">
+              <a:lnSpc>
+                <a:spcPct val="80000"/>
+              </a:lnSpc>
+              <a:defRPr/>
+            </a:pPr>
+            <a:r>
+              <a:rPr lang="en-US" altLang="en-US" sz="2000" i="1" dirty="0">
+                <a:ea typeface="Times New Roman" pitchFamily="18" charset="0"/>
+              </a:rPr>
+              <a:t>E.g.</a:t>
+            </a:r>
+            <a:r>
+              <a:rPr lang="en-US" altLang="en-US" sz="2000" dirty="0">
+                <a:ea typeface="Times New Roman" pitchFamily="18" charset="0"/>
+              </a:rPr>
+              <a:t>, no unary </a:t>
+            </a:r>
+            <a:r>
+              <a:rPr lang="en-US" altLang="en-US" sz="2000" b="1" dirty="0">
+                <a:ea typeface="Times New Roman" pitchFamily="18" charset="0"/>
+              </a:rPr>
+              <a:t>&lt;=</a:t>
+            </a:r>
+            <a:r>
+              <a:rPr lang="en-US" altLang="en-US" sz="2000" dirty="0">
+                <a:ea typeface="Times New Roman" pitchFamily="18" charset="0"/>
+              </a:rPr>
+              <a:t> (less than or equal) and no binary </a:t>
+            </a:r>
+            <a:r>
+              <a:rPr lang="en-US" altLang="en-US" sz="2000" b="1" dirty="0">
+                <a:ea typeface="Times New Roman" pitchFamily="18" charset="0"/>
+              </a:rPr>
+              <a:t>!</a:t>
+            </a:r>
+            <a:r>
+              <a:rPr lang="en-US" altLang="en-US" sz="2000" dirty="0">
+                <a:ea typeface="Times New Roman" pitchFamily="18" charset="0"/>
+              </a:rPr>
+              <a:t> (not)</a:t>
+            </a:r>
+          </a:p>
+          <a:p>
+            <a:pPr eaLnBrk="1" hangingPunct="1">
+              <a:lnSpc>
+                <a:spcPct val="80000"/>
+              </a:lnSpc>
+              <a:defRPr/>
+            </a:pPr>
+            <a:r>
+              <a:rPr lang="en-US" altLang="en-US" dirty="0"/>
+              <a:t>An overloaded operator must have at least one user-defined type as operand</a:t>
+            </a:r>
+          </a:p>
+          <a:p>
+            <a:pPr lvl="1" eaLnBrk="1" hangingPunct="1">
+              <a:lnSpc>
+                <a:spcPct val="80000"/>
+              </a:lnSpc>
+              <a:defRPr/>
+            </a:pPr>
+            <a:r>
+              <a:rPr lang="en-US" altLang="en-US" sz="2000" b="1" dirty="0" err="1">
+                <a:ea typeface="Times New Roman" pitchFamily="18" charset="0"/>
+              </a:rPr>
+              <a:t>int</a:t>
+            </a:r>
+            <a:r>
+              <a:rPr lang="en-US" altLang="en-US" sz="2000" b="1" dirty="0">
+                <a:ea typeface="Times New Roman" pitchFamily="18" charset="0"/>
+              </a:rPr>
+              <a:t> operator+(</a:t>
+            </a:r>
+            <a:r>
+              <a:rPr lang="en-US" altLang="en-US" sz="2000" b="1" dirty="0" err="1">
+                <a:ea typeface="Times New Roman" pitchFamily="18" charset="0"/>
+              </a:rPr>
+              <a:t>int,int</a:t>
+            </a:r>
+            <a:r>
+              <a:rPr lang="en-US" altLang="en-US" sz="2000" b="1" dirty="0">
+                <a:ea typeface="Times New Roman" pitchFamily="18" charset="0"/>
+              </a:rPr>
+              <a:t>);	//</a:t>
+            </a:r>
+            <a:r>
+              <a:rPr lang="en-US" altLang="en-US" sz="2000" dirty="0">
+                <a:ea typeface="Times New Roman" pitchFamily="18" charset="0"/>
+              </a:rPr>
+              <a:t> error: you can</a:t>
+            </a:r>
+            <a:r>
+              <a:rPr lang="en-US" altLang="ja-JP" sz="2000" dirty="0">
+                <a:ea typeface="MS PGothic" pitchFamily="34" charset="-128"/>
+              </a:rPr>
+              <a:t>’t overload built-in +</a:t>
+            </a:r>
+          </a:p>
+          <a:p>
+            <a:pPr lvl="1" eaLnBrk="1" hangingPunct="1">
+              <a:lnSpc>
+                <a:spcPct val="80000"/>
+              </a:lnSpc>
+              <a:defRPr/>
+            </a:pPr>
+            <a:r>
+              <a:rPr lang="en-US" altLang="en-US" sz="2000" b="1" dirty="0">
+                <a:ea typeface="Times New Roman" pitchFamily="18" charset="0"/>
+              </a:rPr>
+              <a:t>Vector operator+(</a:t>
+            </a:r>
+            <a:r>
+              <a:rPr lang="en-US" altLang="en-US" sz="2000" b="1" dirty="0" err="1">
+                <a:ea typeface="Times New Roman" pitchFamily="18" charset="0"/>
+              </a:rPr>
+              <a:t>const</a:t>
+            </a:r>
+            <a:r>
+              <a:rPr lang="en-US" altLang="en-US" sz="2000" b="1" dirty="0">
+                <a:ea typeface="Times New Roman" pitchFamily="18" charset="0"/>
+              </a:rPr>
+              <a:t> Vector&amp;, </a:t>
+            </a:r>
+            <a:r>
+              <a:rPr lang="en-US" altLang="en-US" sz="2000" b="1" dirty="0" err="1">
+                <a:ea typeface="Times New Roman" pitchFamily="18" charset="0"/>
+              </a:rPr>
+              <a:t>const</a:t>
+            </a:r>
+            <a:r>
+              <a:rPr lang="en-US" altLang="en-US" sz="2000" b="1" dirty="0">
+                <a:ea typeface="Times New Roman" pitchFamily="18" charset="0"/>
+              </a:rPr>
+              <a:t> Vector &amp;);	//</a:t>
+            </a:r>
+            <a:r>
+              <a:rPr lang="en-US" altLang="en-US" sz="2000" dirty="0">
+                <a:ea typeface="Times New Roman" pitchFamily="18" charset="0"/>
+              </a:rPr>
+              <a:t> ok</a:t>
+            </a:r>
+          </a:p>
+          <a:p>
+            <a:pPr eaLnBrk="1" hangingPunct="1">
+              <a:lnSpc>
+                <a:spcPct val="80000"/>
+              </a:lnSpc>
+              <a:defRPr/>
+            </a:pPr>
+            <a:r>
+              <a:rPr lang="en-US" altLang="en-US" dirty="0"/>
+              <a:t>Advice (not language rule):</a:t>
+            </a:r>
+          </a:p>
+          <a:p>
+            <a:pPr lvl="1" eaLnBrk="1" hangingPunct="1">
+              <a:lnSpc>
+                <a:spcPct val="80000"/>
+              </a:lnSpc>
+              <a:defRPr/>
+            </a:pPr>
+            <a:r>
+              <a:rPr lang="en-US" altLang="en-US" sz="2000" dirty="0">
+                <a:ea typeface="Times New Roman" pitchFamily="18" charset="0"/>
+              </a:rPr>
+              <a:t>Overload operators only with their conventional meaning</a:t>
+            </a:r>
+          </a:p>
+          <a:p>
+            <a:pPr lvl="1" eaLnBrk="1" hangingPunct="1">
+              <a:lnSpc>
+                <a:spcPct val="80000"/>
+              </a:lnSpc>
+              <a:defRPr/>
+            </a:pPr>
+            <a:r>
+              <a:rPr lang="en-US" altLang="en-US" sz="2000" b="1" dirty="0">
+                <a:ea typeface="Times New Roman" pitchFamily="18" charset="0"/>
+              </a:rPr>
+              <a:t>+</a:t>
+            </a:r>
+            <a:r>
+              <a:rPr lang="en-US" altLang="en-US" sz="2000" dirty="0">
+                <a:ea typeface="Times New Roman" pitchFamily="18" charset="0"/>
+              </a:rPr>
+              <a:t> should be addition, </a:t>
+            </a:r>
+            <a:r>
+              <a:rPr lang="en-US" altLang="en-US" sz="2000" b="1" dirty="0">
+                <a:ea typeface="Times New Roman" pitchFamily="18" charset="0"/>
+              </a:rPr>
+              <a:t>*</a:t>
+            </a:r>
+            <a:r>
+              <a:rPr lang="en-US" altLang="en-US" sz="2000" dirty="0">
+                <a:ea typeface="Times New Roman" pitchFamily="18" charset="0"/>
+              </a:rPr>
+              <a:t> be multiplication, </a:t>
+            </a:r>
+            <a:r>
+              <a:rPr lang="en-US" altLang="en-US" sz="2000" b="1" dirty="0">
+                <a:ea typeface="Times New Roman" pitchFamily="18" charset="0"/>
+              </a:rPr>
+              <a:t>[]</a:t>
+            </a:r>
+            <a:r>
+              <a:rPr lang="en-US" altLang="en-US" sz="2000" dirty="0">
+                <a:ea typeface="Times New Roman" pitchFamily="18" charset="0"/>
+              </a:rPr>
+              <a:t> be access, </a:t>
+            </a:r>
+            <a:r>
+              <a:rPr lang="en-US" altLang="en-US" sz="2000" b="1" dirty="0">
+                <a:ea typeface="Times New Roman" pitchFamily="18" charset="0"/>
+              </a:rPr>
+              <a:t>()</a:t>
+            </a:r>
+            <a:r>
+              <a:rPr lang="en-US" altLang="en-US" sz="2000" dirty="0">
+                <a:ea typeface="Times New Roman" pitchFamily="18" charset="0"/>
+              </a:rPr>
+              <a:t> be call, etc.</a:t>
+            </a:r>
+          </a:p>
+          <a:p>
+            <a:pPr eaLnBrk="1" hangingPunct="1">
+              <a:lnSpc>
+                <a:spcPct val="80000"/>
+              </a:lnSpc>
+              <a:defRPr/>
+            </a:pPr>
+            <a:r>
+              <a:rPr lang="en-US" altLang="en-US" dirty="0"/>
+              <a:t>Advice (not language rule):</a:t>
+            </a:r>
+          </a:p>
+          <a:p>
+            <a:pPr lvl="1" eaLnBrk="1" hangingPunct="1">
+              <a:lnSpc>
+                <a:spcPct val="80000"/>
+              </a:lnSpc>
+              <a:defRPr/>
+            </a:pPr>
+            <a:r>
+              <a:rPr lang="en-US" altLang="en-US" sz="2000" dirty="0">
+                <a:ea typeface="Times New Roman" pitchFamily="18" charset="0"/>
+              </a:rPr>
+              <a:t>Don</a:t>
+            </a:r>
+            <a:r>
+              <a:rPr lang="en-US" altLang="ja-JP" sz="2000" dirty="0">
+                <a:ea typeface="MS PGothic" pitchFamily="34" charset="-128"/>
+              </a:rPr>
+              <a:t>’t overload unless you really have to</a:t>
+            </a:r>
+            <a:endParaRPr lang="en-US" altLang="en-US" sz="2000" dirty="0">
+              <a:ea typeface="Times New Roman" pitchFamily="18" charset="0"/>
+            </a:endParaRPr>
+          </a:p>
+        </p:txBody>
+      </p:sp>
+      <p:sp>
+        <p:nvSpPr>
+          <p:cNvPr id="4" name="Slide Number Placeholder 5"/>
+          <p:cNvSpPr>
+            <a:spLocks noGrp="1"/>
+          </p:cNvSpPr>
+          <p:nvPr>
+            <p:ph type="sldNum" sz="quarter" idx="12"/>
+          </p:nvPr>
+        </p:nvSpPr>
+        <p:spPr/>
+        <p:txBody>
+          <a:bodyPr/>
+          <a:lstStyle>
+            <a:lvl1pPr eaLnBrk="0" hangingPunct="0">
+              <a:spcBef>
+                <a:spcPct val="20000"/>
+              </a:spcBef>
+              <a:buClr>
+                <a:schemeClr val="hlink"/>
+              </a:buClr>
+              <a:buSzPct val="65000"/>
+              <a:buFont typeface="Wingdings" panose="05000000000000000000" pitchFamily="2" charset="2"/>
+              <a:buChar char="n"/>
+              <a:defRPr sz="3200">
+                <a:solidFill>
+                  <a:schemeClr val="tx1"/>
+                </a:solidFill>
+                <a:latin typeface="Times New Roman" panose="02020603050405020304" pitchFamily="18" charset="0"/>
+                <a:ea typeface="MS PGothic" panose="020B0600070205080204" pitchFamily="34" charset="-128"/>
+                <a:cs typeface="Times New Roman" panose="02020603050405020304" pitchFamily="18" charset="0"/>
+              </a:defRPr>
+            </a:lvl1pPr>
+            <a:lvl2pPr marL="742950" indent="-285750" eaLnBrk="0" hangingPunct="0">
+              <a:spcBef>
+                <a:spcPct val="20000"/>
+              </a:spcBef>
+              <a:buClr>
+                <a:schemeClr val="folHlink"/>
+              </a:buClr>
+              <a:buSzPct val="65000"/>
+              <a:buFont typeface="Wingdings" panose="05000000000000000000" pitchFamily="2" charset="2"/>
+              <a:buChar char="n"/>
+              <a:defRPr sz="2800">
+                <a:solidFill>
+                  <a:schemeClr val="tx1"/>
+                </a:solidFill>
+                <a:latin typeface="Times New Roman" panose="02020603050405020304" pitchFamily="18" charset="0"/>
+                <a:ea typeface="Times New Roman" panose="02020603050405020304" pitchFamily="18" charset="0"/>
+                <a:cs typeface="Times New Roman" panose="02020603050405020304" pitchFamily="18" charset="0"/>
+              </a:defRPr>
+            </a:lvl2pPr>
+            <a:lvl3pPr marL="1143000" indent="-228600" eaLnBrk="0" hangingPunct="0">
+              <a:spcBef>
+                <a:spcPct val="20000"/>
+              </a:spcBef>
+              <a:buClr>
+                <a:schemeClr val="hlink"/>
+              </a:buClr>
+              <a:buSzPct val="65000"/>
+              <a:buFont typeface="Wingdings" panose="05000000000000000000" pitchFamily="2" charset="2"/>
+              <a:buChar char="n"/>
+              <a:defRPr sz="2400">
+                <a:solidFill>
+                  <a:schemeClr val="tx1"/>
+                </a:solidFill>
+                <a:latin typeface="Times New Roman" panose="02020603050405020304" pitchFamily="18" charset="0"/>
+                <a:ea typeface="Times New Roman" panose="02020603050405020304" pitchFamily="18" charset="0"/>
+                <a:cs typeface="Times New Roman" panose="02020603050405020304" pitchFamily="18" charset="0"/>
+              </a:defRPr>
+            </a:lvl3pPr>
+            <a:lvl4pPr marL="1600200" indent="-228600" eaLnBrk="0" hangingPunct="0">
+              <a:spcBef>
+                <a:spcPct val="20000"/>
+              </a:spcBef>
+              <a:buClr>
+                <a:schemeClr val="folHlink"/>
+              </a:buClr>
+              <a:buSzPct val="65000"/>
+              <a:buFont typeface="Wingdings" panose="05000000000000000000" pitchFamily="2" charset="2"/>
+              <a:buChar char="n"/>
+              <a:defRPr sz="2000">
+                <a:solidFill>
+                  <a:schemeClr val="tx1"/>
+                </a:solidFill>
+                <a:latin typeface="Times New Roman" panose="02020603050405020304" pitchFamily="18" charset="0"/>
+                <a:ea typeface="Times New Roman" panose="02020603050405020304" pitchFamily="18" charset="0"/>
+                <a:cs typeface="Times New Roman" panose="02020603050405020304" pitchFamily="18" charset="0"/>
+              </a:defRPr>
+            </a:lvl4pPr>
+            <a:lvl5pPr marL="2057400" indent="-228600" eaLnBrk="0" hangingPunct="0">
+              <a:spcBef>
+                <a:spcPct val="20000"/>
+              </a:spcBef>
+              <a:buClr>
+                <a:schemeClr val="hlink"/>
+              </a:buClr>
+              <a:buSzPct val="65000"/>
+              <a:buFont typeface="Wingdings" panose="05000000000000000000" pitchFamily="2" charset="2"/>
+              <a:buChar char="n"/>
+              <a:defRPr sz="2000">
+                <a:solidFill>
+                  <a:schemeClr val="tx1"/>
+                </a:solidFill>
+                <a:latin typeface="Times New Roman" panose="02020603050405020304" pitchFamily="18" charset="0"/>
+                <a:ea typeface="Times New Roman" panose="02020603050405020304" pitchFamily="18" charset="0"/>
+                <a:cs typeface="Times New Roman" panose="02020603050405020304" pitchFamily="18" charset="0"/>
+              </a:defRPr>
+            </a:lvl5pPr>
+            <a:lvl6pPr marL="2514600" indent="-228600" eaLnBrk="0" fontAlgn="base" hangingPunct="0">
+              <a:spcBef>
+                <a:spcPct val="20000"/>
+              </a:spcBef>
+              <a:spcAft>
+                <a:spcPct val="0"/>
+              </a:spcAft>
+              <a:buClr>
+                <a:schemeClr val="hlink"/>
+              </a:buClr>
+              <a:buSzPct val="65000"/>
+              <a:buFont typeface="Wingdings" panose="05000000000000000000" pitchFamily="2" charset="2"/>
+              <a:buChar char="n"/>
+              <a:defRPr sz="2000">
+                <a:solidFill>
+                  <a:schemeClr val="tx1"/>
+                </a:solidFill>
+                <a:latin typeface="Times New Roman" panose="02020603050405020304" pitchFamily="18" charset="0"/>
+                <a:ea typeface="Times New Roman" panose="02020603050405020304" pitchFamily="18" charset="0"/>
+                <a:cs typeface="Times New Roman" panose="02020603050405020304" pitchFamily="18" charset="0"/>
+              </a:defRPr>
+            </a:lvl6pPr>
+            <a:lvl7pPr marL="2971800" indent="-228600" eaLnBrk="0" fontAlgn="base" hangingPunct="0">
+              <a:spcBef>
+                <a:spcPct val="20000"/>
+              </a:spcBef>
+              <a:spcAft>
+                <a:spcPct val="0"/>
+              </a:spcAft>
+              <a:buClr>
+                <a:schemeClr val="hlink"/>
+              </a:buClr>
+              <a:buSzPct val="65000"/>
+              <a:buFont typeface="Wingdings" panose="05000000000000000000" pitchFamily="2" charset="2"/>
+              <a:buChar char="n"/>
+              <a:defRPr sz="2000">
+                <a:solidFill>
+                  <a:schemeClr val="tx1"/>
+                </a:solidFill>
+                <a:latin typeface="Times New Roman" panose="02020603050405020304" pitchFamily="18" charset="0"/>
+                <a:ea typeface="Times New Roman" panose="02020603050405020304" pitchFamily="18" charset="0"/>
+                <a:cs typeface="Times New Roman" panose="02020603050405020304" pitchFamily="18" charset="0"/>
+              </a:defRPr>
+            </a:lvl7pPr>
+            <a:lvl8pPr marL="3429000" indent="-228600" eaLnBrk="0" fontAlgn="base" hangingPunct="0">
+              <a:spcBef>
+                <a:spcPct val="20000"/>
+              </a:spcBef>
+              <a:spcAft>
+                <a:spcPct val="0"/>
+              </a:spcAft>
+              <a:buClr>
+                <a:schemeClr val="hlink"/>
+              </a:buClr>
+              <a:buSzPct val="65000"/>
+              <a:buFont typeface="Wingdings" panose="05000000000000000000" pitchFamily="2" charset="2"/>
+              <a:buChar char="n"/>
+              <a:defRPr sz="2000">
+                <a:solidFill>
+                  <a:schemeClr val="tx1"/>
+                </a:solidFill>
+                <a:latin typeface="Times New Roman" panose="02020603050405020304" pitchFamily="18" charset="0"/>
+                <a:ea typeface="Times New Roman" panose="02020603050405020304" pitchFamily="18" charset="0"/>
+                <a:cs typeface="Times New Roman" panose="02020603050405020304" pitchFamily="18" charset="0"/>
+              </a:defRPr>
+            </a:lvl8pPr>
+            <a:lvl9pPr marL="3886200" indent="-228600" eaLnBrk="0" fontAlgn="base" hangingPunct="0">
+              <a:spcBef>
+                <a:spcPct val="20000"/>
+              </a:spcBef>
+              <a:spcAft>
+                <a:spcPct val="0"/>
+              </a:spcAft>
+              <a:buClr>
+                <a:schemeClr val="hlink"/>
+              </a:buClr>
+              <a:buSzPct val="65000"/>
+              <a:buFont typeface="Wingdings" panose="05000000000000000000" pitchFamily="2" charset="2"/>
+              <a:buChar char="n"/>
+              <a:defRPr sz="2000">
+                <a:solidFill>
+                  <a:schemeClr val="tx1"/>
+                </a:solidFill>
+                <a:latin typeface="Times New Roman" panose="02020603050405020304" pitchFamily="18" charset="0"/>
+                <a:ea typeface="Times New Roman" panose="02020603050405020304" pitchFamily="18" charset="0"/>
+                <a:cs typeface="Times New Roman" panose="02020603050405020304" pitchFamily="18" charset="0"/>
+              </a:defRPr>
+            </a:lvl9pPr>
+          </a:lstStyle>
+          <a:p>
+            <a:pPr eaLnBrk="1" hangingPunct="1">
+              <a:spcBef>
+                <a:spcPct val="0"/>
+              </a:spcBef>
+              <a:buClrTx/>
+              <a:buSzTx/>
+              <a:buFontTx/>
+              <a:buNone/>
+              <a:defRPr/>
+            </a:pPr>
+            <a:fld id="{B9E2FB7A-7733-4FE8-919A-EB61391C0BAE}" type="slidenum">
+              <a:rPr lang="en-US" altLang="en-US" sz="1400">
+                <a:latin typeface="Arial" panose="020B0604020202020204" pitchFamily="34" charset="0"/>
+              </a:rPr>
+              <a:pPr eaLnBrk="1" hangingPunct="1">
+                <a:spcBef>
+                  <a:spcPct val="0"/>
+                </a:spcBef>
+                <a:buClrTx/>
+                <a:buSzTx/>
+                <a:buFontTx/>
+                <a:buNone/>
+                <a:defRPr/>
+              </a:pPr>
+              <a:t>34</a:t>
+            </a:fld>
+            <a:endParaRPr lang="en-US" altLang="en-US" sz="1400">
+              <a:latin typeface="Arial" panose="020B0604020202020204" pitchFamily="34" charset="0"/>
+            </a:endParaRPr>
+          </a:p>
+        </p:txBody>
+      </p:sp>
+    </p:spTree>
+    <p:extLst>
+      <p:ext uri="{BB962C8B-B14F-4D97-AF65-F5344CB8AC3E}">
+        <p14:creationId xmlns:p14="http://schemas.microsoft.com/office/powerpoint/2010/main" val="2673765358"/>
+      </p:ext>
+    </p:extLst>
+  </p:cSld>
+  <p:clrMapOvr>
+    <a:masterClrMapping/>
+  </p:clrMapOvr>
+  <p:transition spd="slow">
+    <p:wipe/>
+  </p:transition>
+  <p:timing>
+    <p:tnLst>
+      <p:par>
+        <p:cTn id="1" dur="indefinite" restart="never" nodeType="tmRoot"/>
+      </p:par>
+    </p:tnLst>
+  </p:timing>
+</p:sld>
+</file>
+
+<file path=ppt/slides/slide35.xml><?xml version="1.0" encoding="utf-8"?>
+<p:sld xmlns:a="http://schemas.openxmlformats.org/drawingml/2006/main" xmlns:r="http://schemas.openxmlformats.org/officeDocument/2006/relationships" xmlns:p="http://schemas.openxmlformats.org/presentationml/2006/main">
+  <p:cSld>
+    <p:spTree>
+      <p:nvGrpSpPr>
+        <p:cNvPr id="1" name=""/>
+        <p:cNvGrpSpPr/>
+        <p:nvPr/>
+      </p:nvGrpSpPr>
+      <p:grpSpPr>
+        <a:xfrm>
+          <a:off x="0" y="0"/>
+          <a:ext cx="0" cy="0"/>
+          <a:chOff x="0" y="0"/>
+          <a:chExt cx="0" cy="0"/>
+        </a:xfrm>
+      </p:grpSpPr>
+      <p:sp>
+        <p:nvSpPr>
+          <p:cNvPr id="5" name="Title 4"/>
           <p:cNvSpPr>
             <a:spLocks noGrp="1"/>
           </p:cNvSpPr>
@@ -29701,13 +31040,17 @@
           <a:bodyPr/>
           <a:lstStyle/>
           <a:p>
-            <a:endParaRPr lang="lv-LV"/>
+            <a:r>
+              <a:rPr lang="en-US" dirty="0" smtClean="0"/>
+              <a:t>Quiz on Command-Lines</a:t>
+            </a:r>
+            <a:endParaRPr lang="lv-LV" dirty="0"/>
           </a:p>
         </p:txBody>
       </p:sp>
       <p:sp>
         <p:nvSpPr>
-          <p:cNvPr id="3" name="Content Placeholder 2"/>
+          <p:cNvPr id="6" name="Content Placeholder 5"/>
           <p:cNvSpPr>
             <a:spLocks noGrp="1"/>
           </p:cNvSpPr>
@@ -29720,14 +31063,643 @@
           <a:bodyPr/>
           <a:lstStyle/>
           <a:p>
-            <a:endParaRPr lang="lv-LV"/>
+            <a:pPr marL="457200" indent="-457200">
+              <a:buFont typeface="+mj-lt"/>
+              <a:buAutoNum type="arabicParenR"/>
+            </a:pPr>
+            <a:r>
+              <a:rPr lang="lv-LV" sz="2000" dirty="0" smtClean="0">
+                <a:solidFill>
+                  <a:srgbClr val="0033CC"/>
+                </a:solidFill>
+                <a:latin typeface="Liberation Mono" panose="02070409020205020404" pitchFamily="49" charset="0"/>
+                <a:cs typeface="Liberation Mono" panose="02070409020205020404" pitchFamily="49" charset="0"/>
+              </a:rPr>
+              <a:t>g</a:t>
+            </a:r>
+            <a:r>
+              <a:rPr lang="lv-LV" sz="2000" dirty="0">
+                <a:solidFill>
+                  <a:srgbClr val="0033CC"/>
+                </a:solidFill>
+                <a:latin typeface="Liberation Mono" panose="02070409020205020404" pitchFamily="49" charset="0"/>
+                <a:cs typeface="Liberation Mono" panose="02070409020205020404" pitchFamily="49" charset="0"/>
+              </a:rPr>
+              <a:t>++ -Wall -g -o Hello Hello.cpp</a:t>
+            </a:r>
+          </a:p>
+          <a:p>
+            <a:pPr marL="457200" indent="-457200">
+              <a:buFont typeface="+mj-lt"/>
+              <a:buAutoNum type="arabicParenR"/>
+            </a:pPr>
+            <a:r>
+              <a:rPr lang="lv-LV" sz="2000" dirty="0" smtClean="0">
+                <a:solidFill>
+                  <a:srgbClr val="0033CC"/>
+                </a:solidFill>
+                <a:latin typeface="Liberation Mono" panose="02070409020205020404" pitchFamily="49" charset="0"/>
+                <a:cs typeface="Liberation Mono" panose="02070409020205020404" pitchFamily="49" charset="0"/>
+              </a:rPr>
+              <a:t>g</a:t>
+            </a:r>
+            <a:r>
+              <a:rPr lang="lv-LV" sz="2000" dirty="0">
+                <a:solidFill>
+                  <a:srgbClr val="0033CC"/>
+                </a:solidFill>
+                <a:latin typeface="Liberation Mono" panose="02070409020205020404" pitchFamily="49" charset="0"/>
+                <a:cs typeface="Liberation Mono" panose="02070409020205020404" pitchFamily="49" charset="0"/>
+              </a:rPr>
+              <a:t>++ -o Hello Hello.cpp; chmod a+x Hello; ./Hello</a:t>
+            </a:r>
+          </a:p>
+          <a:p>
+            <a:pPr marL="457200" indent="-457200">
+              <a:buFont typeface="+mj-lt"/>
+              <a:buAutoNum type="arabicParenR"/>
+            </a:pPr>
+            <a:r>
+              <a:rPr lang="lv-LV" sz="2000" dirty="0" smtClean="0">
+                <a:solidFill>
+                  <a:srgbClr val="0033CC"/>
+                </a:solidFill>
+                <a:latin typeface="Liberation Mono" panose="02070409020205020404" pitchFamily="49" charset="0"/>
+                <a:cs typeface="Liberation Mono" panose="02070409020205020404" pitchFamily="49" charset="0"/>
+              </a:rPr>
+              <a:t>g</a:t>
+            </a:r>
+            <a:r>
+              <a:rPr lang="lv-LV" sz="2000" dirty="0">
+                <a:solidFill>
+                  <a:srgbClr val="0033CC"/>
+                </a:solidFill>
+                <a:latin typeface="Liberation Mono" panose="02070409020205020404" pitchFamily="49" charset="0"/>
+                <a:cs typeface="Liberation Mono" panose="02070409020205020404" pitchFamily="49" charset="0"/>
+              </a:rPr>
+              <a:t>++ -o Myprogram Myprogram.o MyprogramMain.o</a:t>
+            </a:r>
+          </a:p>
+          <a:p>
+            <a:pPr marL="457200" indent="-457200">
+              <a:buFont typeface="+mj-lt"/>
+              <a:buAutoNum type="arabicParenR"/>
+            </a:pPr>
+            <a:r>
+              <a:rPr lang="lv-LV" sz="2000" dirty="0" smtClean="0">
+                <a:solidFill>
+                  <a:srgbClr val="0033CC"/>
+                </a:solidFill>
+                <a:latin typeface="Liberation Mono" panose="02070409020205020404" pitchFamily="49" charset="0"/>
+                <a:cs typeface="Liberation Mono" panose="02070409020205020404" pitchFamily="49" charset="0"/>
+              </a:rPr>
+              <a:t>g</a:t>
+            </a:r>
+            <a:r>
+              <a:rPr lang="lv-LV" sz="2000" dirty="0">
+                <a:solidFill>
+                  <a:srgbClr val="0033CC"/>
+                </a:solidFill>
+                <a:latin typeface="Liberation Mono" panose="02070409020205020404" pitchFamily="49" charset="0"/>
+                <a:cs typeface="Liberation Mono" panose="02070409020205020404" pitchFamily="49" charset="0"/>
+              </a:rPr>
+              <a:t>++ -o Myprogram.o -c Myprogram.cpp</a:t>
+            </a:r>
+          </a:p>
+          <a:p>
+            <a:pPr marL="457200" indent="-457200">
+              <a:buFont typeface="+mj-lt"/>
+              <a:buAutoNum type="arabicParenR"/>
+            </a:pPr>
+            <a:r>
+              <a:rPr lang="lv-LV" sz="2000" dirty="0" smtClean="0">
+                <a:solidFill>
+                  <a:srgbClr val="0033CC"/>
+                </a:solidFill>
+                <a:latin typeface="Liberation Mono" panose="02070409020205020404" pitchFamily="49" charset="0"/>
+                <a:cs typeface="Liberation Mono" panose="02070409020205020404" pitchFamily="49" charset="0"/>
+              </a:rPr>
+              <a:t>./</a:t>
+            </a:r>
+            <a:r>
+              <a:rPr lang="lv-LV" sz="2000" dirty="0">
+                <a:solidFill>
+                  <a:srgbClr val="0033CC"/>
+                </a:solidFill>
+                <a:latin typeface="Liberation Mono" panose="02070409020205020404" pitchFamily="49" charset="0"/>
+                <a:cs typeface="Liberation Mono" panose="02070409020205020404" pitchFamily="49" charset="0"/>
+              </a:rPr>
+              <a:t>Hello &gt;&gt; out.txt</a:t>
+            </a:r>
+          </a:p>
+          <a:p>
+            <a:pPr marL="0" indent="0">
+              <a:buNone/>
+            </a:pPr>
+            <a:endParaRPr lang="lv-LV" sz="2000" dirty="0"/>
+          </a:p>
+          <a:p>
+            <a:pPr marL="457200" indent="-457200">
+              <a:buFont typeface="+mj-lt"/>
+              <a:buAutoNum type="alphaUcPeriod"/>
+            </a:pPr>
+            <a:r>
+              <a:rPr lang="lv-LV" sz="2000" dirty="0" smtClean="0"/>
+              <a:t>Compile </a:t>
+            </a:r>
+            <a:r>
+              <a:rPr lang="lv-LV" sz="2000" dirty="0"/>
+              <a:t>and link a C++ program, then run </a:t>
+            </a:r>
+            <a:r>
+              <a:rPr lang="lv-LV" sz="2000" dirty="0" smtClean="0"/>
+              <a:t>it.</a:t>
+            </a:r>
+            <a:endParaRPr lang="en-US" sz="2000" dirty="0" smtClean="0"/>
+          </a:p>
+          <a:p>
+            <a:pPr marL="457200" indent="-457200">
+              <a:buFont typeface="+mj-lt"/>
+              <a:buAutoNum type="alphaUcPeriod"/>
+            </a:pPr>
+            <a:r>
+              <a:rPr lang="lv-LV" sz="2000" dirty="0" smtClean="0"/>
+              <a:t>Run </a:t>
+            </a:r>
+            <a:r>
+              <a:rPr lang="lv-LV" sz="2000" dirty="0"/>
+              <a:t>a program, append its STDOUT (cout) to file </a:t>
+            </a:r>
+            <a:r>
+              <a:rPr lang="lv-LV" sz="2000" dirty="0" smtClean="0"/>
+              <a:t>out.txt</a:t>
+            </a:r>
+            <a:endParaRPr lang="en-US" sz="2000" dirty="0" smtClean="0"/>
+          </a:p>
+          <a:p>
+            <a:pPr marL="457200" indent="-457200">
+              <a:buFont typeface="+mj-lt"/>
+              <a:buAutoNum type="alphaUcPeriod"/>
+            </a:pPr>
+            <a:r>
+              <a:rPr lang="lv-LV" sz="2000" dirty="0" smtClean="0"/>
+              <a:t>Just </a:t>
+            </a:r>
+            <a:r>
+              <a:rPr lang="lv-LV" sz="2000" dirty="0"/>
+              <a:t>compile a program into an object </a:t>
+            </a:r>
+            <a:r>
+              <a:rPr lang="lv-LV" sz="2000" dirty="0" smtClean="0"/>
+              <a:t>file.</a:t>
+            </a:r>
+            <a:endParaRPr lang="en-US" sz="2000" dirty="0" smtClean="0"/>
+          </a:p>
+          <a:p>
+            <a:pPr marL="457200" indent="-457200">
+              <a:buFont typeface="+mj-lt"/>
+              <a:buAutoNum type="alphaUcPeriod"/>
+            </a:pPr>
+            <a:r>
+              <a:rPr lang="lv-LV" sz="2000" dirty="0" smtClean="0"/>
+              <a:t>Compile </a:t>
+            </a:r>
+            <a:r>
+              <a:rPr lang="lv-LV" sz="2000" dirty="0"/>
+              <a:t>and link a C++ program, include warnings and debug </a:t>
+            </a:r>
+            <a:r>
+              <a:rPr lang="lv-LV" sz="2000" dirty="0" smtClean="0"/>
+              <a:t>info.</a:t>
+            </a:r>
+            <a:endParaRPr lang="en-US" sz="2000" dirty="0" smtClean="0"/>
+          </a:p>
+          <a:p>
+            <a:pPr marL="457200" indent="-457200">
+              <a:buFont typeface="+mj-lt"/>
+              <a:buAutoNum type="alphaUcPeriod"/>
+            </a:pPr>
+            <a:r>
+              <a:rPr lang="lv-LV" sz="2000" dirty="0" smtClean="0"/>
+              <a:t>Just </a:t>
+            </a:r>
+            <a:r>
+              <a:rPr lang="lv-LV" sz="2000" dirty="0"/>
+              <a:t>link a program from object files.</a:t>
+            </a:r>
+          </a:p>
+          <a:p>
+            <a:pPr marL="0" indent="0">
+              <a:buNone/>
+            </a:pPr>
+            <a:endParaRPr lang="lv-LV" sz="2000" dirty="0"/>
           </a:p>
         </p:txBody>
       </p:sp>
     </p:spTree>
     <p:extLst>
       <p:ext uri="{BB962C8B-B14F-4D97-AF65-F5344CB8AC3E}">
-        <p14:creationId xmlns:p14="http://schemas.microsoft.com/office/powerpoint/2010/main" val="3143525730"/>
+        <p14:creationId xmlns:p14="http://schemas.microsoft.com/office/powerpoint/2010/main" val="1244277615"/>
+      </p:ext>
+    </p:extLst>
+  </p:cSld>
+  <p:clrMapOvr>
+    <a:masterClrMapping/>
+  </p:clrMapOvr>
+  <p:transition spd="slow">
+    <p:wipe/>
+  </p:transition>
+</p:sld>
+</file>
+
+<file path=ppt/slides/slide36.xml><?xml version="1.0" encoding="utf-8"?>
+<p:sld xmlns:a="http://schemas.openxmlformats.org/drawingml/2006/main" xmlns:r="http://schemas.openxmlformats.org/officeDocument/2006/relationships" xmlns:p="http://schemas.openxmlformats.org/presentationml/2006/main">
+  <p:cSld>
+    <p:spTree>
+      <p:nvGrpSpPr>
+        <p:cNvPr id="1" name=""/>
+        <p:cNvGrpSpPr/>
+        <p:nvPr/>
+      </p:nvGrpSpPr>
+      <p:grpSpPr>
+        <a:xfrm>
+          <a:off x="0" y="0"/>
+          <a:ext cx="0" cy="0"/>
+          <a:chOff x="0" y="0"/>
+          <a:chExt cx="0" cy="0"/>
+        </a:xfrm>
+      </p:grpSpPr>
+      <p:sp>
+        <p:nvSpPr>
+          <p:cNvPr id="4" name="Title 3"/>
+          <p:cNvSpPr>
+            <a:spLocks noGrp="1"/>
+          </p:cNvSpPr>
+          <p:nvPr>
+            <p:ph type="title"/>
+          </p:nvPr>
+        </p:nvSpPr>
+        <p:spPr/>
+        <p:txBody>
+          <a:bodyPr/>
+          <a:lstStyle/>
+          <a:p>
+            <a:r>
+              <a:rPr lang="en-US" dirty="0" smtClean="0"/>
+              <a:t>Sample </a:t>
+            </a:r>
+            <a:r>
+              <a:rPr lang="en-US" dirty="0" err="1" smtClean="0"/>
+              <a:t>Makefile</a:t>
+            </a:r>
+            <a:endParaRPr lang="lv-LV" dirty="0"/>
+          </a:p>
+        </p:txBody>
+      </p:sp>
+      <p:sp>
+        <p:nvSpPr>
+          <p:cNvPr id="3" name="Content Placeholder 2"/>
+          <p:cNvSpPr>
+            <a:spLocks noGrp="1"/>
+          </p:cNvSpPr>
+          <p:nvPr>
+            <p:ph sz="half" idx="1"/>
+          </p:nvPr>
+        </p:nvSpPr>
+        <p:spPr>
+          <a:xfrm>
+            <a:off x="1422400" y="1752600"/>
+            <a:ext cx="7112000" cy="4114800"/>
+          </a:xfrm>
+        </p:spPr>
+        <p:txBody>
+          <a:bodyPr/>
+          <a:lstStyle/>
+          <a:p>
+            <a:pPr marL="0" indent="0">
+              <a:buNone/>
+            </a:pPr>
+            <a:r>
+              <a:rPr lang="lv-LV" sz="1600" dirty="0">
+                <a:solidFill>
+                  <a:srgbClr val="0033CC"/>
+                </a:solidFill>
+                <a:latin typeface="Liberation Mono" panose="02070409020205020404" pitchFamily="49" charset="0"/>
+                <a:cs typeface="Liberation Mono" panose="02070409020205020404" pitchFamily="49" charset="0"/>
+              </a:rPr>
+              <a:t>SRCFILES := $(wildcard ./*.cpp)</a:t>
+            </a:r>
+          </a:p>
+          <a:p>
+            <a:pPr marL="0" indent="0">
+              <a:buNone/>
+            </a:pPr>
+            <a:r>
+              <a:rPr lang="lv-LV" sz="1600" dirty="0">
+                <a:solidFill>
+                  <a:srgbClr val="0033CC"/>
+                </a:solidFill>
+                <a:latin typeface="Liberation Mono" panose="02070409020205020404" pitchFamily="49" charset="0"/>
+                <a:cs typeface="Liberation Mono" panose="02070409020205020404" pitchFamily="49" charset="0"/>
+              </a:rPr>
+              <a:t>OBJFILES := $(patsubst ./%.cpp,./%.o,$(SRCFILES</a:t>
+            </a:r>
+            <a:r>
+              <a:rPr lang="lv-LV" sz="1600" dirty="0" smtClean="0">
+                <a:solidFill>
+                  <a:srgbClr val="0033CC"/>
+                </a:solidFill>
+                <a:latin typeface="Liberation Mono" panose="02070409020205020404" pitchFamily="49" charset="0"/>
+                <a:cs typeface="Liberation Mono" panose="02070409020205020404" pitchFamily="49" charset="0"/>
+              </a:rPr>
+              <a:t>))</a:t>
+            </a:r>
+            <a:endParaRPr lang="lv-LV" sz="1600" dirty="0">
+              <a:solidFill>
+                <a:srgbClr val="0033CC"/>
+              </a:solidFill>
+              <a:latin typeface="Liberation Mono" panose="02070409020205020404" pitchFamily="49" charset="0"/>
+              <a:cs typeface="Liberation Mono" panose="02070409020205020404" pitchFamily="49" charset="0"/>
+            </a:endParaRPr>
+          </a:p>
+          <a:p>
+            <a:pPr marL="0" indent="0">
+              <a:buNone/>
+            </a:pPr>
+            <a:r>
+              <a:rPr lang="lv-LV" sz="1600" dirty="0">
+                <a:solidFill>
+                  <a:srgbClr val="0033CC"/>
+                </a:solidFill>
+                <a:latin typeface="Liberation Mono" panose="02070409020205020404" pitchFamily="49" charset="0"/>
+                <a:cs typeface="Liberation Mono" panose="02070409020205020404" pitchFamily="49" charset="0"/>
+              </a:rPr>
+              <a:t>clean:</a:t>
+            </a:r>
+          </a:p>
+          <a:p>
+            <a:pPr marL="0" indent="0">
+              <a:buNone/>
+            </a:pPr>
+            <a:r>
+              <a:rPr lang="lv-LV" sz="1600" dirty="0">
+                <a:solidFill>
+                  <a:srgbClr val="0033CC"/>
+                </a:solidFill>
+                <a:latin typeface="Liberation Mono" panose="02070409020205020404" pitchFamily="49" charset="0"/>
+                <a:cs typeface="Liberation Mono" panose="02070409020205020404" pitchFamily="49" charset="0"/>
+              </a:rPr>
+              <a:t>	rm -f hello.o hello.exe *</a:t>
+            </a:r>
+            <a:r>
+              <a:rPr lang="lv-LV" sz="1600" dirty="0" smtClean="0">
+                <a:solidFill>
+                  <a:srgbClr val="0033CC"/>
+                </a:solidFill>
+                <a:latin typeface="Liberation Mono" panose="02070409020205020404" pitchFamily="49" charset="0"/>
+                <a:cs typeface="Liberation Mono" panose="02070409020205020404" pitchFamily="49" charset="0"/>
+              </a:rPr>
+              <a:t>out.txt</a:t>
+            </a:r>
+            <a:endParaRPr lang="lv-LV" sz="1600" dirty="0">
+              <a:solidFill>
+                <a:srgbClr val="0033CC"/>
+              </a:solidFill>
+              <a:latin typeface="Liberation Mono" panose="02070409020205020404" pitchFamily="49" charset="0"/>
+              <a:cs typeface="Liberation Mono" panose="02070409020205020404" pitchFamily="49" charset="0"/>
+            </a:endParaRPr>
+          </a:p>
+          <a:p>
+            <a:pPr marL="0" indent="0">
+              <a:buNone/>
+            </a:pPr>
+            <a:r>
+              <a:rPr lang="lv-LV" sz="1600" dirty="0">
+                <a:solidFill>
+                  <a:srgbClr val="0033CC"/>
+                </a:solidFill>
+                <a:latin typeface="Liberation Mono" panose="02070409020205020404" pitchFamily="49" charset="0"/>
+                <a:cs typeface="Liberation Mono" panose="02070409020205020404" pitchFamily="49" charset="0"/>
+              </a:rPr>
+              <a:t>all: hello.exe</a:t>
+            </a:r>
+          </a:p>
+          <a:p>
+            <a:pPr marL="0" indent="0">
+              <a:buNone/>
+            </a:pPr>
+            <a:endParaRPr lang="lv-LV" sz="1600" dirty="0">
+              <a:solidFill>
+                <a:srgbClr val="0033CC"/>
+              </a:solidFill>
+              <a:latin typeface="Liberation Mono" panose="02070409020205020404" pitchFamily="49" charset="0"/>
+              <a:cs typeface="Liberation Mono" panose="02070409020205020404" pitchFamily="49" charset="0"/>
+            </a:endParaRPr>
+          </a:p>
+          <a:p>
+            <a:pPr marL="0" indent="0">
+              <a:buNone/>
+            </a:pPr>
+            <a:r>
+              <a:rPr lang="lv-LV" sz="1600" dirty="0">
+                <a:solidFill>
+                  <a:srgbClr val="0033CC"/>
+                </a:solidFill>
+                <a:latin typeface="Liberation Mono" panose="02070409020205020404" pitchFamily="49" charset="0"/>
+                <a:cs typeface="Liberation Mono" panose="02070409020205020404" pitchFamily="49" charset="0"/>
+              </a:rPr>
+              <a:t>hello.exe: hello.o hellomain.o</a:t>
+            </a:r>
+          </a:p>
+          <a:p>
+            <a:pPr marL="0" indent="0">
+              <a:buNone/>
+            </a:pPr>
+            <a:r>
+              <a:rPr lang="lv-LV" sz="1600" dirty="0">
+                <a:solidFill>
+                  <a:srgbClr val="0033CC"/>
+                </a:solidFill>
+                <a:latin typeface="Liberation Mono" panose="02070409020205020404" pitchFamily="49" charset="0"/>
+                <a:cs typeface="Liberation Mono" panose="02070409020205020404" pitchFamily="49" charset="0"/>
+              </a:rPr>
+              <a:t>	g++ -o hello.exe hello.o hellomain.o</a:t>
+            </a:r>
+          </a:p>
+          <a:p>
+            <a:pPr marL="0" indent="0">
+              <a:buNone/>
+            </a:pPr>
+            <a:endParaRPr lang="lv-LV" sz="1600" dirty="0">
+              <a:solidFill>
+                <a:srgbClr val="0033CC"/>
+              </a:solidFill>
+              <a:latin typeface="Liberation Mono" panose="02070409020205020404" pitchFamily="49" charset="0"/>
+              <a:cs typeface="Liberation Mono" panose="02070409020205020404" pitchFamily="49" charset="0"/>
+            </a:endParaRPr>
+          </a:p>
+          <a:p>
+            <a:pPr marL="0" indent="0">
+              <a:buNone/>
+            </a:pPr>
+            <a:r>
+              <a:rPr lang="lv-LV" sz="1600" dirty="0">
+                <a:solidFill>
+                  <a:srgbClr val="0033CC"/>
+                </a:solidFill>
+                <a:latin typeface="Liberation Mono" panose="02070409020205020404" pitchFamily="49" charset="0"/>
+                <a:cs typeface="Liberation Mono" panose="02070409020205020404" pitchFamily="49" charset="0"/>
+              </a:rPr>
+              <a:t>hello.o: hello.cpp</a:t>
+            </a:r>
+          </a:p>
+          <a:p>
+            <a:pPr marL="0" indent="0">
+              <a:buNone/>
+            </a:pPr>
+            <a:r>
+              <a:rPr lang="lv-LV" sz="1600" dirty="0">
+                <a:solidFill>
+                  <a:srgbClr val="0033CC"/>
+                </a:solidFill>
+                <a:latin typeface="Liberation Mono" panose="02070409020205020404" pitchFamily="49" charset="0"/>
+                <a:cs typeface="Liberation Mono" panose="02070409020205020404" pitchFamily="49" charset="0"/>
+              </a:rPr>
+              <a:t>	g++ -c hello.cpp</a:t>
+            </a:r>
+          </a:p>
+          <a:p>
+            <a:pPr marL="0" indent="0">
+              <a:buNone/>
+            </a:pPr>
+            <a:endParaRPr lang="lv-LV" sz="1600" dirty="0">
+              <a:solidFill>
+                <a:srgbClr val="0033CC"/>
+              </a:solidFill>
+              <a:latin typeface="Liberation Mono" panose="02070409020205020404" pitchFamily="49" charset="0"/>
+              <a:cs typeface="Liberation Mono" panose="02070409020205020404" pitchFamily="49" charset="0"/>
+            </a:endParaRPr>
+          </a:p>
+          <a:p>
+            <a:pPr marL="0" indent="0">
+              <a:buNone/>
+            </a:pPr>
+            <a:r>
+              <a:rPr lang="lv-LV" sz="1600" dirty="0">
+                <a:solidFill>
+                  <a:srgbClr val="0033CC"/>
+                </a:solidFill>
+                <a:latin typeface="Liberation Mono" panose="02070409020205020404" pitchFamily="49" charset="0"/>
+                <a:cs typeface="Liberation Mono" panose="02070409020205020404" pitchFamily="49" charset="0"/>
+              </a:rPr>
+              <a:t>hellomain.o: hellomain.cpp</a:t>
+            </a:r>
+          </a:p>
+          <a:p>
+            <a:pPr marL="0" indent="0">
+              <a:buNone/>
+            </a:pPr>
+            <a:r>
+              <a:rPr lang="lv-LV" sz="1600" dirty="0">
+                <a:solidFill>
+                  <a:srgbClr val="0033CC"/>
+                </a:solidFill>
+                <a:latin typeface="Liberation Mono" panose="02070409020205020404" pitchFamily="49" charset="0"/>
+                <a:cs typeface="Liberation Mono" panose="02070409020205020404" pitchFamily="49" charset="0"/>
+              </a:rPr>
+              <a:t>	g++ -c hellomain.cpp</a:t>
+            </a:r>
+          </a:p>
+        </p:txBody>
+      </p:sp>
+      <p:sp>
+        <p:nvSpPr>
+          <p:cNvPr id="5" name="Content Placeholder 4"/>
+          <p:cNvSpPr>
+            <a:spLocks noGrp="1"/>
+          </p:cNvSpPr>
+          <p:nvPr>
+            <p:ph sz="half" idx="2"/>
+          </p:nvPr>
+        </p:nvSpPr>
+        <p:spPr>
+          <a:xfrm>
+            <a:off x="7467600" y="1752600"/>
+            <a:ext cx="4114800" cy="4114800"/>
+          </a:xfrm>
+        </p:spPr>
+        <p:txBody>
+          <a:bodyPr/>
+          <a:lstStyle/>
+          <a:p>
+            <a:r>
+              <a:rPr lang="en-US" dirty="0"/>
+              <a:t>Draw the "make" evaluation tree, if the user </a:t>
+            </a:r>
+            <a:r>
+              <a:rPr lang="en-US" dirty="0" smtClean="0"/>
+              <a:t>types: </a:t>
+            </a:r>
+            <a:br>
+              <a:rPr lang="en-US" dirty="0" smtClean="0"/>
+            </a:br>
+            <a:r>
+              <a:rPr lang="en-US" dirty="0" smtClean="0">
+                <a:solidFill>
+                  <a:srgbClr val="0033CC"/>
+                </a:solidFill>
+                <a:latin typeface="Liberation Mono" panose="02070409020205020404" pitchFamily="49" charset="0"/>
+                <a:cs typeface="Liberation Mono" panose="02070409020205020404" pitchFamily="49" charset="0"/>
+              </a:rPr>
+              <a:t>make all</a:t>
+            </a:r>
+            <a:endParaRPr lang="en-US" dirty="0">
+              <a:solidFill>
+                <a:srgbClr val="0033CC"/>
+              </a:solidFill>
+              <a:latin typeface="Liberation Mono" panose="02070409020205020404" pitchFamily="49" charset="0"/>
+              <a:cs typeface="Liberation Mono" panose="02070409020205020404" pitchFamily="49" charset="0"/>
+            </a:endParaRPr>
+          </a:p>
+          <a:p>
+            <a:r>
+              <a:rPr lang="en-US" dirty="0"/>
+              <a:t>At the top of this tree specify the </a:t>
+            </a:r>
+            <a:r>
+              <a:rPr lang="en-US" dirty="0" smtClean="0"/>
+              <a:t>target, then </a:t>
+            </a:r>
+            <a:r>
+              <a:rPr lang="en-US" dirty="0"/>
+              <a:t>draw all </a:t>
+            </a:r>
+            <a:r>
+              <a:rPr lang="en-US" dirty="0" smtClean="0"/>
+              <a:t>it prerequisites </a:t>
+            </a:r>
+            <a:r>
+              <a:rPr lang="en-US" dirty="0"/>
+              <a:t>as </a:t>
+            </a:r>
+            <a:r>
+              <a:rPr lang="en-US" dirty="0" smtClean="0"/>
+              <a:t>children, etc.</a:t>
+            </a:r>
+          </a:p>
+          <a:p>
+            <a:r>
+              <a:rPr lang="en-US" dirty="0" smtClean="0"/>
+              <a:t>Describe SRCFILES, OBJFILES.</a:t>
+            </a:r>
+            <a:endParaRPr lang="lv-LV" dirty="0"/>
+          </a:p>
+        </p:txBody>
+      </p:sp>
+    </p:spTree>
+    <p:extLst>
+      <p:ext uri="{BB962C8B-B14F-4D97-AF65-F5344CB8AC3E}">
+        <p14:creationId xmlns:p14="http://schemas.microsoft.com/office/powerpoint/2010/main" val="3910475191"/>
       </p:ext>
     </p:extLst>
   </p:cSld>
